--- a/python_ppt_2023/Python 8장. 예외처리, 파일입출력.pptx
+++ b/python_ppt_2023/Python 8장. 예외처리, 파일입출력.pptx
@@ -5,7 +5,7 @@
     <p:sldMasterId id="2147483648" r:id="rId1"/>
   </p:sldMasterIdLst>
   <p:notesMasterIdLst>
-    <p:notesMasterId r:id="rId50"/>
+    <p:notesMasterId r:id="rId49"/>
   </p:notesMasterIdLst>
   <p:sldIdLst>
     <p:sldId id="256" r:id="rId2"/>
@@ -14,8 +14,8 @@
     <p:sldId id="365" r:id="rId5"/>
     <p:sldId id="366" r:id="rId6"/>
     <p:sldId id="367" r:id="rId7"/>
-    <p:sldId id="368" r:id="rId8"/>
-    <p:sldId id="400" r:id="rId9"/>
+    <p:sldId id="400" r:id="rId8"/>
+    <p:sldId id="368" r:id="rId9"/>
     <p:sldId id="369" r:id="rId10"/>
     <p:sldId id="370" r:id="rId11"/>
     <p:sldId id="371" r:id="rId12"/>
@@ -29,33 +29,32 @@
     <p:sldId id="395" r:id="rId20"/>
     <p:sldId id="379" r:id="rId21"/>
     <p:sldId id="381" r:id="rId22"/>
-    <p:sldId id="382" r:id="rId23"/>
-    <p:sldId id="383" r:id="rId24"/>
-    <p:sldId id="402" r:id="rId25"/>
-    <p:sldId id="380" r:id="rId26"/>
-    <p:sldId id="384" r:id="rId27"/>
-    <p:sldId id="399" r:id="rId28"/>
-    <p:sldId id="385" r:id="rId29"/>
-    <p:sldId id="386" r:id="rId30"/>
-    <p:sldId id="396" r:id="rId31"/>
-    <p:sldId id="387" r:id="rId32"/>
-    <p:sldId id="388" r:id="rId33"/>
-    <p:sldId id="397" r:id="rId34"/>
-    <p:sldId id="398" r:id="rId35"/>
-    <p:sldId id="389" r:id="rId36"/>
-    <p:sldId id="390" r:id="rId37"/>
-    <p:sldId id="391" r:id="rId38"/>
-    <p:sldId id="300" r:id="rId39"/>
-    <p:sldId id="362" r:id="rId40"/>
-    <p:sldId id="302" r:id="rId41"/>
-    <p:sldId id="333" r:id="rId42"/>
-    <p:sldId id="342" r:id="rId43"/>
-    <p:sldId id="343" r:id="rId44"/>
-    <p:sldId id="304" r:id="rId45"/>
-    <p:sldId id="303" r:id="rId46"/>
-    <p:sldId id="305" r:id="rId47"/>
-    <p:sldId id="358" r:id="rId48"/>
-    <p:sldId id="335" r:id="rId49"/>
+    <p:sldId id="383" r:id="rId23"/>
+    <p:sldId id="402" r:id="rId24"/>
+    <p:sldId id="380" r:id="rId25"/>
+    <p:sldId id="384" r:id="rId26"/>
+    <p:sldId id="399" r:id="rId27"/>
+    <p:sldId id="385" r:id="rId28"/>
+    <p:sldId id="386" r:id="rId29"/>
+    <p:sldId id="396" r:id="rId30"/>
+    <p:sldId id="387" r:id="rId31"/>
+    <p:sldId id="388" r:id="rId32"/>
+    <p:sldId id="397" r:id="rId33"/>
+    <p:sldId id="398" r:id="rId34"/>
+    <p:sldId id="389" r:id="rId35"/>
+    <p:sldId id="390" r:id="rId36"/>
+    <p:sldId id="391" r:id="rId37"/>
+    <p:sldId id="300" r:id="rId38"/>
+    <p:sldId id="362" r:id="rId39"/>
+    <p:sldId id="302" r:id="rId40"/>
+    <p:sldId id="333" r:id="rId41"/>
+    <p:sldId id="342" r:id="rId42"/>
+    <p:sldId id="343" r:id="rId43"/>
+    <p:sldId id="304" r:id="rId44"/>
+    <p:sldId id="303" r:id="rId45"/>
+    <p:sldId id="305" r:id="rId46"/>
+    <p:sldId id="358" r:id="rId47"/>
+    <p:sldId id="335" r:id="rId48"/>
   </p:sldIdLst>
   <p:sldSz cx="9906000" cy="6858000" type="A4"/>
   <p:notesSz cx="6858000" cy="9144000"/>
@@ -156,7 +155,7 @@
   </p:defaultTextStyle>
   <p:extLst>
     <p:ext uri="{EFAFB233-063F-42B5-8137-9DF3F51BA10A}">
-      <p15:sldGuideLst xmlns:p15="http://schemas.microsoft.com/office/powerpoint/2012/main" xmlns="">
+      <p15:sldGuideLst xmlns:p15="http://schemas.microsoft.com/office/powerpoint/2012/main">
         <p15:guide id="1" orient="horz" pos="2160">
           <p15:clr>
             <a:srgbClr val="A4A3A4"/>
@@ -255,7 +254,7 @@
           <a:p>
             <a:fld id="{7665CDAC-D627-4E87-877A-1B781DD4CADC}" type="datetimeFigureOut">
               <a:rPr lang="ko-KR" altLang="en-US" smtClean="0"/>
-              <a:t>2022-02-12</a:t>
+              <a:t>2023-04-15</a:t>
             </a:fld>
             <a:endParaRPr lang="ko-KR" altLang="en-US"/>
           </a:p>
@@ -667,7 +666,7 @@
           <a:p>
             <a:fld id="{C25BCFD5-C4DF-4EBC-B718-C69ED2FBDE6F}" type="datetime1">
               <a:rPr lang="ko-KR" altLang="en-US" smtClean="0"/>
-              <a:t>2022-02-12</a:t>
+              <a:t>2023-04-15</a:t>
             </a:fld>
             <a:endParaRPr lang="ko-KR" altLang="en-US"/>
           </a:p>
@@ -720,7 +719,7 @@
           <p:cNvPr id="9" name="직각 삼각형 2">
             <a:extLst>
               <a:ext uri="{FF2B5EF4-FFF2-40B4-BE49-F238E27FC236}">
-                <a16:creationId xmlns="" xmlns:a16="http://schemas.microsoft.com/office/drawing/2014/main" id="{3A714731-6D03-4E18-B8C6-D8E1F4F17412}"/>
+                <a16:creationId xmlns:a16="http://schemas.microsoft.com/office/drawing/2014/main" id="{3A714731-6D03-4E18-B8C6-D8E1F4F17412}"/>
               </a:ext>
             </a:extLst>
           </p:cNvPr>
@@ -836,7 +835,7 @@
           <p:cNvPr id="3" name="직각 삼각형 2">
             <a:extLst>
               <a:ext uri="{FF2B5EF4-FFF2-40B4-BE49-F238E27FC236}">
-                <a16:creationId xmlns="" xmlns:a16="http://schemas.microsoft.com/office/drawing/2014/main" id="{DF1B6BC0-8338-40DD-BF30-626E17AD387E}"/>
+                <a16:creationId xmlns:a16="http://schemas.microsoft.com/office/drawing/2014/main" id="{DF1B6BC0-8338-40DD-BF30-626E17AD387E}"/>
               </a:ext>
             </a:extLst>
           </p:cNvPr>
@@ -949,7 +948,7 @@
           <p:cNvPr id="2050" name="Picture 2" descr="íì´ì¬ â¢">
             <a:extLst>
               <a:ext uri="{FF2B5EF4-FFF2-40B4-BE49-F238E27FC236}">
-                <a16:creationId xmlns="" xmlns:a16="http://schemas.microsoft.com/office/drawing/2014/main" id="{8B696DBA-70BE-4EBC-8628-59B49C89E0D4}"/>
+                <a16:creationId xmlns:a16="http://schemas.microsoft.com/office/drawing/2014/main" id="{8B696DBA-70BE-4EBC-8628-59B49C89E0D4}"/>
               </a:ext>
             </a:extLst>
           </p:cNvPr>
@@ -1118,7 +1117,7 @@
           <a:p>
             <a:fld id="{AB448CD7-D367-43D5-B461-ACE552E75063}" type="datetime1">
               <a:rPr lang="ko-KR" altLang="en-US" smtClean="0"/>
-              <a:t>2022-02-12</a:t>
+              <a:t>2023-04-15</a:t>
             </a:fld>
             <a:endParaRPr lang="ko-KR" altLang="en-US"/>
           </a:p>
@@ -1296,7 +1295,7 @@
           <a:p>
             <a:fld id="{B6E49E79-7361-4780-8BEF-7EDE3708298A}" type="datetime1">
               <a:rPr lang="ko-KR" altLang="en-US" smtClean="0"/>
-              <a:t>2022-02-12</a:t>
+              <a:t>2023-04-15</a:t>
             </a:fld>
             <a:endParaRPr lang="ko-KR" altLang="en-US"/>
           </a:p>
@@ -1468,7 +1467,7 @@
           <a:p>
             <a:fld id="{A4D42E3C-B70B-437C-85CF-1286301B9CBA}" type="datetime1">
               <a:rPr lang="ko-KR" altLang="en-US" smtClean="0"/>
-              <a:t>2022-02-12</a:t>
+              <a:t>2023-04-15</a:t>
             </a:fld>
             <a:endParaRPr lang="ko-KR" altLang="en-US"/>
           </a:p>
@@ -1720,7 +1719,7 @@
           <a:p>
             <a:fld id="{B3369A20-5B3D-4D98-A822-26B93D177A40}" type="datetime1">
               <a:rPr lang="ko-KR" altLang="en-US" smtClean="0"/>
-              <a:t>2022-02-12</a:t>
+              <a:t>2023-04-15</a:t>
             </a:fld>
             <a:endParaRPr lang="ko-KR" altLang="en-US"/>
           </a:p>
@@ -2005,7 +2004,7 @@
           <a:p>
             <a:fld id="{685CD4CE-9E43-4F70-A9D8-A2130CA7D92A}" type="datetime1">
               <a:rPr lang="ko-KR" altLang="en-US" smtClean="0"/>
-              <a:t>2022-02-12</a:t>
+              <a:t>2023-04-15</a:t>
             </a:fld>
             <a:endParaRPr lang="ko-KR" altLang="en-US"/>
           </a:p>
@@ -2431,7 +2430,7 @@
           <a:p>
             <a:fld id="{F752BD92-DA3E-4A0B-90C9-7DE5E15B6E96}" type="datetime1">
               <a:rPr lang="ko-KR" altLang="en-US" smtClean="0"/>
-              <a:t>2022-02-12</a:t>
+              <a:t>2023-04-15</a:t>
             </a:fld>
             <a:endParaRPr lang="ko-KR" altLang="en-US"/>
           </a:p>
@@ -2555,7 +2554,7 @@
           <a:p>
             <a:fld id="{8EA2B83A-F366-424E-B742-340ACF856BB5}" type="datetime1">
               <a:rPr lang="ko-KR" altLang="en-US" smtClean="0"/>
-              <a:t>2022-02-12</a:t>
+              <a:t>2023-04-15</a:t>
             </a:fld>
             <a:endParaRPr lang="ko-KR" altLang="en-US"/>
           </a:p>
@@ -2650,7 +2649,7 @@
           <a:p>
             <a:fld id="{9A49D68B-5DBD-48E9-A8D4-FCBC4B3DD9C6}" type="datetime1">
               <a:rPr lang="ko-KR" altLang="en-US" smtClean="0"/>
-              <a:t>2022-02-12</a:t>
+              <a:t>2023-04-15</a:t>
             </a:fld>
             <a:endParaRPr lang="ko-KR" altLang="en-US"/>
           </a:p>
@@ -2925,7 +2924,7 @@
           <a:p>
             <a:fld id="{4CAB534F-7D16-467B-9320-91F98915D181}" type="datetime1">
               <a:rPr lang="ko-KR" altLang="en-US" smtClean="0"/>
-              <a:t>2022-02-12</a:t>
+              <a:t>2023-04-15</a:t>
             </a:fld>
             <a:endParaRPr lang="ko-KR" altLang="en-US"/>
           </a:p>
@@ -3177,7 +3176,7 @@
           <a:p>
             <a:fld id="{A390A91F-2F8D-4486-A69D-D680F95444B0}" type="datetime1">
               <a:rPr lang="ko-KR" altLang="en-US" smtClean="0"/>
-              <a:t>2022-02-12</a:t>
+              <a:t>2023-04-15</a:t>
             </a:fld>
             <a:endParaRPr lang="ko-KR" altLang="en-US"/>
           </a:p>
@@ -3356,7 +3355,7 @@
           <a:p>
             <a:fld id="{2238BBEA-E8DD-414A-BF68-FC2AFA7CFF2D}" type="datetime1">
               <a:rPr lang="ko-KR" altLang="en-US" smtClean="0"/>
-              <a:t>2022-02-12</a:t>
+              <a:t>2023-04-15</a:t>
             </a:fld>
             <a:endParaRPr lang="ko-KR" altLang="en-US"/>
           </a:p>
@@ -5094,7 +5093,7 @@
       </p:sp>
       <p:pic>
         <p:nvPicPr>
-          <p:cNvPr id="5" name="그림 4"/>
+          <p:cNvPr id="3" name="그림 2"/>
           <p:cNvPicPr>
             <a:picLocks noChangeAspect="1"/>
           </p:cNvPicPr>
@@ -5114,8 +5113,8 @@
         </p:blipFill>
         <p:spPr>
           <a:xfrm>
-            <a:off x="1816010" y="1763254"/>
-            <a:ext cx="3825707" cy="4649297"/>
+            <a:off x="1640632" y="1844824"/>
+            <a:ext cx="3833192" cy="2949196"/>
           </a:xfrm>
           <a:prstGeom prst="rect">
             <a:avLst/>
@@ -5227,7 +5226,7 @@
         <p:spPr>
           <a:xfrm>
             <a:off x="1208584" y="1268760"/>
-            <a:ext cx="4464496" cy="956159"/>
+            <a:ext cx="4464496" cy="1477328"/>
           </a:xfrm>
           <a:prstGeom prst="rect">
             <a:avLst/>
@@ -5290,6 +5289,30 @@
             <a:r>
               <a:rPr lang="ko-KR" altLang="en-US" sz="2000" b="1" dirty="0" smtClean="0"/>
               <a:t>사용</a:t>
+            </a:r>
+            <a:endParaRPr lang="en-US" altLang="ko-KR" sz="2000" b="1" dirty="0" smtClean="0"/>
+          </a:p>
+          <a:p>
+            <a:pPr>
+              <a:lnSpc>
+                <a:spcPct val="150000"/>
+              </a:lnSpc>
+            </a:pPr>
+            <a:r>
+              <a:rPr lang="en-US" altLang="ko-KR" sz="2000" b="1" dirty="0"/>
+              <a:t> </a:t>
+            </a:r>
+            <a:r>
+              <a:rPr lang="en-US" altLang="ko-KR" sz="2000" b="1" dirty="0" smtClean="0"/>
+              <a:t>   </a:t>
+            </a:r>
+            <a:r>
+              <a:rPr lang="ko-KR" altLang="en-US" sz="2000" b="1" dirty="0" smtClean="0"/>
+              <a:t>예외 처리 </a:t>
+            </a:r>
+            <a:r>
+              <a:rPr lang="en-US" altLang="ko-KR" sz="2000" b="1" dirty="0" smtClean="0"/>
+              <a:t>– try ~ except</a:t>
             </a:r>
             <a:endParaRPr lang="en-US" altLang="ko-KR" sz="2000" b="1" dirty="0"/>
           </a:p>
@@ -5317,7 +5340,7 @@
         </p:blipFill>
         <p:spPr>
           <a:xfrm>
-            <a:off x="1861565" y="2492896"/>
+            <a:off x="2072680" y="2852936"/>
             <a:ext cx="4603603" cy="3176005"/>
           </a:xfrm>
           <a:prstGeom prst="rect">
@@ -6867,7 +6890,7 @@
           <p:cNvPr id="23" name="내용 개체 틀 2">
             <a:extLst>
               <a:ext uri="{FF2B5EF4-FFF2-40B4-BE49-F238E27FC236}">
-                <a16:creationId xmlns="" xmlns:a16="http://schemas.microsoft.com/office/drawing/2014/main" id="{98AF3A4E-7D90-4241-89FE-799D6F9D5A94}"/>
+                <a16:creationId xmlns:a16="http://schemas.microsoft.com/office/drawing/2014/main" id="{98AF3A4E-7D90-4241-89FE-799D6F9D5A94}"/>
               </a:ext>
             </a:extLst>
           </p:cNvPr>
@@ -7294,7 +7317,7 @@
           <p:cNvPr id="13" name="사각형: 둥근 모서리 12">
             <a:extLst>
               <a:ext uri="{FF2B5EF4-FFF2-40B4-BE49-F238E27FC236}">
-                <a16:creationId xmlns="" xmlns:a16="http://schemas.microsoft.com/office/drawing/2014/main" id="{4978020F-BC69-4706-B3C1-9EE614E62A31}"/>
+                <a16:creationId xmlns:a16="http://schemas.microsoft.com/office/drawing/2014/main" id="{4978020F-BC69-4706-B3C1-9EE614E62A31}"/>
               </a:ext>
             </a:extLst>
           </p:cNvPr>
@@ -7343,7 +7366,7 @@
           <p:cNvPr id="8" name="TextBox 7">
             <a:extLst>
               <a:ext uri="{FF2B5EF4-FFF2-40B4-BE49-F238E27FC236}">
-                <a16:creationId xmlns="" xmlns:a16="http://schemas.microsoft.com/office/drawing/2014/main" id="{B5E35AF9-376C-4052-A9A7-8F0D043E3483}"/>
+                <a16:creationId xmlns:a16="http://schemas.microsoft.com/office/drawing/2014/main" id="{B5E35AF9-376C-4052-A9A7-8F0D043E3483}"/>
               </a:ext>
             </a:extLst>
           </p:cNvPr>
@@ -7380,7 +7403,7 @@
           <p:cNvPr id="14" name="TextBox 13">
             <a:extLst>
               <a:ext uri="{FF2B5EF4-FFF2-40B4-BE49-F238E27FC236}">
-                <a16:creationId xmlns="" xmlns:a16="http://schemas.microsoft.com/office/drawing/2014/main" id="{ED2AE254-A8D0-475E-80CD-9A2654F79975}"/>
+                <a16:creationId xmlns:a16="http://schemas.microsoft.com/office/drawing/2014/main" id="{ED2AE254-A8D0-475E-80CD-9A2654F79975}"/>
               </a:ext>
             </a:extLst>
           </p:cNvPr>
@@ -7417,7 +7440,7 @@
           <p:cNvPr id="15" name="TextBox 14">
             <a:extLst>
               <a:ext uri="{FF2B5EF4-FFF2-40B4-BE49-F238E27FC236}">
-                <a16:creationId xmlns="" xmlns:a16="http://schemas.microsoft.com/office/drawing/2014/main" id="{5E79B4FE-B70C-4CA4-9A24-5807B114F12B}"/>
+                <a16:creationId xmlns:a16="http://schemas.microsoft.com/office/drawing/2014/main" id="{5E79B4FE-B70C-4CA4-9A24-5807B114F12B}"/>
               </a:ext>
             </a:extLst>
           </p:cNvPr>
@@ -7454,7 +7477,7 @@
           <p:cNvPr id="16" name="사각형: 둥근 모서리 15">
             <a:extLst>
               <a:ext uri="{FF2B5EF4-FFF2-40B4-BE49-F238E27FC236}">
-                <a16:creationId xmlns="" xmlns:a16="http://schemas.microsoft.com/office/drawing/2014/main" id="{B901EC22-DE3E-403C-BBF1-8F7985BAA527}"/>
+                <a16:creationId xmlns:a16="http://schemas.microsoft.com/office/drawing/2014/main" id="{B901EC22-DE3E-403C-BBF1-8F7985BAA527}"/>
               </a:ext>
             </a:extLst>
           </p:cNvPr>
@@ -7527,7 +7550,7 @@
           <p:cNvPr id="18" name="TextBox 17">
             <a:extLst>
               <a:ext uri="{FF2B5EF4-FFF2-40B4-BE49-F238E27FC236}">
-                <a16:creationId xmlns="" xmlns:a16="http://schemas.microsoft.com/office/drawing/2014/main" id="{13923D04-31FF-4593-A679-B9C386D7290D}"/>
+                <a16:creationId xmlns:a16="http://schemas.microsoft.com/office/drawing/2014/main" id="{13923D04-31FF-4593-A679-B9C386D7290D}"/>
               </a:ext>
             </a:extLst>
           </p:cNvPr>
@@ -7564,7 +7587,7 @@
           <p:cNvPr id="4" name="연결선: 구부러짐 3">
             <a:extLst>
               <a:ext uri="{FF2B5EF4-FFF2-40B4-BE49-F238E27FC236}">
-                <a16:creationId xmlns="" xmlns:a16="http://schemas.microsoft.com/office/drawing/2014/main" id="{DB77A8BF-B45C-4323-8C9A-79EBF8B72A32}"/>
+                <a16:creationId xmlns:a16="http://schemas.microsoft.com/office/drawing/2014/main" id="{DB77A8BF-B45C-4323-8C9A-79EBF8B72A32}"/>
               </a:ext>
             </a:extLst>
           </p:cNvPr>
@@ -7607,7 +7630,7 @@
           <p:cNvPr id="19" name="연결선: 구부러짐 18">
             <a:extLst>
               <a:ext uri="{FF2B5EF4-FFF2-40B4-BE49-F238E27FC236}">
-                <a16:creationId xmlns="" xmlns:a16="http://schemas.microsoft.com/office/drawing/2014/main" id="{475AB9D8-0CAA-4C16-BD8B-AA09DAD4031C}"/>
+                <a16:creationId xmlns:a16="http://schemas.microsoft.com/office/drawing/2014/main" id="{475AB9D8-0CAA-4C16-BD8B-AA09DAD4031C}"/>
               </a:ext>
             </a:extLst>
           </p:cNvPr>
@@ -7654,7 +7677,7 @@
           <p:cNvPr id="20" name="연결선: 구부러짐 19">
             <a:extLst>
               <a:ext uri="{FF2B5EF4-FFF2-40B4-BE49-F238E27FC236}">
-                <a16:creationId xmlns="" xmlns:a16="http://schemas.microsoft.com/office/drawing/2014/main" id="{BA8481FD-DF13-4E2F-8DCA-9CB3524A142D}"/>
+                <a16:creationId xmlns:a16="http://schemas.microsoft.com/office/drawing/2014/main" id="{BA8481FD-DF13-4E2F-8DCA-9CB3524A142D}"/>
               </a:ext>
             </a:extLst>
           </p:cNvPr>
@@ -7697,7 +7720,7 @@
           <p:cNvPr id="25" name="TextBox 24">
             <a:extLst>
               <a:ext uri="{FF2B5EF4-FFF2-40B4-BE49-F238E27FC236}">
-                <a16:creationId xmlns="" xmlns:a16="http://schemas.microsoft.com/office/drawing/2014/main" id="{659ED712-E3A6-4C7A-A381-DC6EBD2C0BB3}"/>
+                <a16:creationId xmlns:a16="http://schemas.microsoft.com/office/drawing/2014/main" id="{659ED712-E3A6-4C7A-A381-DC6EBD2C0BB3}"/>
               </a:ext>
             </a:extLst>
           </p:cNvPr>
@@ -7742,7 +7765,7 @@
           <p:cNvPr id="26" name="TextBox 25">
             <a:extLst>
               <a:ext uri="{FF2B5EF4-FFF2-40B4-BE49-F238E27FC236}">
-                <a16:creationId xmlns="" xmlns:a16="http://schemas.microsoft.com/office/drawing/2014/main" id="{6A482FB7-D0D1-4123-A4DA-F6FE3D002F6E}"/>
+                <a16:creationId xmlns:a16="http://schemas.microsoft.com/office/drawing/2014/main" id="{6A482FB7-D0D1-4123-A4DA-F6FE3D002F6E}"/>
               </a:ext>
             </a:extLst>
           </p:cNvPr>
@@ -7787,7 +7810,7 @@
           <p:cNvPr id="27" name="사각형: 둥근 모서리 26">
             <a:extLst>
               <a:ext uri="{FF2B5EF4-FFF2-40B4-BE49-F238E27FC236}">
-                <a16:creationId xmlns="" xmlns:a16="http://schemas.microsoft.com/office/drawing/2014/main" id="{90B63AEA-04D7-447C-A2B4-C609FC1CE2B4}"/>
+                <a16:creationId xmlns:a16="http://schemas.microsoft.com/office/drawing/2014/main" id="{90B63AEA-04D7-447C-A2B4-C609FC1CE2B4}"/>
               </a:ext>
             </a:extLst>
           </p:cNvPr>
@@ -7860,7 +7883,7 @@
           <p:cNvPr id="28" name="TextBox 27">
             <a:extLst>
               <a:ext uri="{FF2B5EF4-FFF2-40B4-BE49-F238E27FC236}">
-                <a16:creationId xmlns="" xmlns:a16="http://schemas.microsoft.com/office/drawing/2014/main" id="{345F8458-A713-4FFA-A029-4806727D6CEF}"/>
+                <a16:creationId xmlns:a16="http://schemas.microsoft.com/office/drawing/2014/main" id="{345F8458-A713-4FFA-A029-4806727D6CEF}"/>
               </a:ext>
             </a:extLst>
           </p:cNvPr>
@@ -7897,7 +7920,7 @@
           <p:cNvPr id="29" name="연결선: 구부러짐 28">
             <a:extLst>
               <a:ext uri="{FF2B5EF4-FFF2-40B4-BE49-F238E27FC236}">
-                <a16:creationId xmlns="" xmlns:a16="http://schemas.microsoft.com/office/drawing/2014/main" id="{E01C187D-3D04-4CE0-8ADF-C9773CD7800B}"/>
+                <a16:creationId xmlns:a16="http://schemas.microsoft.com/office/drawing/2014/main" id="{E01C187D-3D04-4CE0-8ADF-C9773CD7800B}"/>
               </a:ext>
             </a:extLst>
           </p:cNvPr>
@@ -7940,7 +7963,7 @@
           <p:cNvPr id="30" name="연결선: 구부러짐 29">
             <a:extLst>
               <a:ext uri="{FF2B5EF4-FFF2-40B4-BE49-F238E27FC236}">
-                <a16:creationId xmlns="" xmlns:a16="http://schemas.microsoft.com/office/drawing/2014/main" id="{1CA3CFAA-CE7E-4554-BE69-73AA816B490B}"/>
+                <a16:creationId xmlns:a16="http://schemas.microsoft.com/office/drawing/2014/main" id="{1CA3CFAA-CE7E-4554-BE69-73AA816B490B}"/>
               </a:ext>
             </a:extLst>
           </p:cNvPr>
@@ -7986,7 +8009,7 @@
           <p:cNvPr id="31" name="연결선: 구부러짐 30">
             <a:extLst>
               <a:ext uri="{FF2B5EF4-FFF2-40B4-BE49-F238E27FC236}">
-                <a16:creationId xmlns="" xmlns:a16="http://schemas.microsoft.com/office/drawing/2014/main" id="{AA476F39-4E9B-4246-9E12-89FC300F4724}"/>
+                <a16:creationId xmlns:a16="http://schemas.microsoft.com/office/drawing/2014/main" id="{AA476F39-4E9B-4246-9E12-89FC300F4724}"/>
               </a:ext>
             </a:extLst>
           </p:cNvPr>
@@ -8029,7 +8052,7 @@
           <p:cNvPr id="35" name="TextBox 34">
             <a:extLst>
               <a:ext uri="{FF2B5EF4-FFF2-40B4-BE49-F238E27FC236}">
-                <a16:creationId xmlns="" xmlns:a16="http://schemas.microsoft.com/office/drawing/2014/main" id="{93DA7256-80F7-4533-BBB7-74AC3EB33177}"/>
+                <a16:creationId xmlns:a16="http://schemas.microsoft.com/office/drawing/2014/main" id="{93DA7256-80F7-4533-BBB7-74AC3EB33177}"/>
               </a:ext>
             </a:extLst>
           </p:cNvPr>
@@ -8069,7 +8092,7 @@
           <p:cNvPr id="36" name="TextBox 35">
             <a:extLst>
               <a:ext uri="{FF2B5EF4-FFF2-40B4-BE49-F238E27FC236}">
-                <a16:creationId xmlns="" xmlns:a16="http://schemas.microsoft.com/office/drawing/2014/main" id="{25D006F3-5DEE-47A8-8631-AF2F0458DA0D}"/>
+                <a16:creationId xmlns:a16="http://schemas.microsoft.com/office/drawing/2014/main" id="{25D006F3-5DEE-47A8-8631-AF2F0458DA0D}"/>
               </a:ext>
             </a:extLst>
           </p:cNvPr>
@@ -8283,7 +8306,7 @@
       </p:sp>
       <p:pic>
         <p:nvPicPr>
-          <p:cNvPr id="6" name="그림 5"/>
+          <p:cNvPr id="5" name="그림 4"/>
           <p:cNvPicPr>
             <a:picLocks noChangeAspect="1"/>
           </p:cNvPicPr>
@@ -8303,8 +8326,8 @@
         </p:blipFill>
         <p:spPr>
           <a:xfrm>
-            <a:off x="637050" y="1484784"/>
-            <a:ext cx="4160881" cy="3215919"/>
+            <a:off x="920552" y="1484784"/>
+            <a:ext cx="4343776" cy="3063505"/>
           </a:xfrm>
           <a:prstGeom prst="rect">
             <a:avLst/>
@@ -8320,7 +8343,7 @@
       </p:pic>
       <p:pic>
         <p:nvPicPr>
-          <p:cNvPr id="7" name="그림 6"/>
+          <p:cNvPr id="8" name="그림 7"/>
           <p:cNvPicPr>
             <a:picLocks noChangeAspect="1"/>
           </p:cNvPicPr>
@@ -8340,8 +8363,8 @@
         </p:blipFill>
         <p:spPr>
           <a:xfrm>
-            <a:off x="4953000" y="1480531"/>
-            <a:ext cx="4381880" cy="4747672"/>
+            <a:off x="4592960" y="3283259"/>
+            <a:ext cx="4709568" cy="2530059"/>
           </a:xfrm>
           <a:prstGeom prst="rect">
             <a:avLst/>
@@ -8491,7 +8514,7 @@
       </p:sp>
       <p:pic>
         <p:nvPicPr>
-          <p:cNvPr id="3" name="그림 2"/>
+          <p:cNvPr id="5" name="그림 4"/>
           <p:cNvPicPr>
             <a:picLocks noChangeAspect="1"/>
           </p:cNvPicPr>
@@ -8511,8 +8534,8 @@
         </p:blipFill>
         <p:spPr>
           <a:xfrm>
-            <a:off x="1352600" y="2132856"/>
-            <a:ext cx="2443390" cy="1512168"/>
+            <a:off x="1496616" y="2060848"/>
+            <a:ext cx="4615244" cy="1246202"/>
           </a:xfrm>
           <a:prstGeom prst="rect">
             <a:avLst/>
@@ -8528,7 +8551,7 @@
       </p:pic>
       <p:pic>
         <p:nvPicPr>
-          <p:cNvPr id="7" name="그림 6"/>
+          <p:cNvPr id="8" name="그림 7"/>
           <p:cNvPicPr>
             <a:picLocks noChangeAspect="1"/>
           </p:cNvPicPr>
@@ -8548,8 +8571,8 @@
         </p:blipFill>
         <p:spPr>
           <a:xfrm>
-            <a:off x="4016896" y="2153952"/>
-            <a:ext cx="4801953" cy="1907158"/>
+            <a:off x="1496616" y="3573016"/>
+            <a:ext cx="5761219" cy="2690093"/>
           </a:xfrm>
           <a:prstGeom prst="rect">
             <a:avLst/>
@@ -8623,7 +8646,15 @@
             </a:r>
             <a:r>
               <a:rPr lang="ko-KR" altLang="en-US" dirty="0" smtClean="0"/>
-              <a:t>성적 입력 처리</a:t>
+              <a:t>성적 입력 처리 </a:t>
+            </a:r>
+            <a:r>
+              <a:rPr lang="en-US" altLang="ko-KR" dirty="0" smtClean="0"/>
+              <a:t>- </a:t>
+            </a:r>
+            <a:r>
+              <a:rPr lang="ko-KR" altLang="en-US" dirty="0" smtClean="0"/>
+              <a:t>반복</a:t>
             </a:r>
             <a:endParaRPr lang="ko-KR" altLang="en-US" sz="2800" dirty="0"/>
           </a:p>
@@ -8654,14 +8685,14 @@
       </p:sp>
       <p:sp>
         <p:nvSpPr>
-          <p:cNvPr id="5" name="TextBox 4"/>
+          <p:cNvPr id="9" name="TextBox 8"/>
           <p:cNvSpPr txBox="1"/>
           <p:nvPr/>
         </p:nvSpPr>
         <p:spPr>
           <a:xfrm>
-            <a:off x="1131656" y="1340768"/>
-            <a:ext cx="5549536" cy="400110"/>
+            <a:off x="1131656" y="1268760"/>
+            <a:ext cx="5477528" cy="400110"/>
           </a:xfrm>
           <a:prstGeom prst="rect">
             <a:avLst/>
@@ -8680,7 +8711,15 @@
             </a:pPr>
             <a:r>
               <a:rPr lang="ko-KR" altLang="en-US" sz="2000" b="1" dirty="0" smtClean="0"/>
-              <a:t>파일에 과목의 성적 저장하는 프로그램</a:t>
+              <a:t>반복해</a:t>
+            </a:r>
+            <a:r>
+              <a:rPr lang="ko-KR" altLang="en-US" sz="2000" b="1" dirty="0"/>
+              <a:t>서</a:t>
+            </a:r>
+            <a:r>
+              <a:rPr lang="ko-KR" altLang="en-US" sz="2000" b="1" dirty="0" smtClean="0"/>
+              <a:t> 과목의 성적을 저장하는 프로그램</a:t>
             </a:r>
             <a:endParaRPr lang="ko-KR" altLang="en-US" sz="2000" b="1" dirty="0"/>
           </a:p>
@@ -8688,7 +8727,7 @@
       </p:sp>
       <p:pic>
         <p:nvPicPr>
-          <p:cNvPr id="3" name="그림 2"/>
+          <p:cNvPr id="5" name="그림 4"/>
           <p:cNvPicPr>
             <a:picLocks noChangeAspect="1"/>
           </p:cNvPicPr>
@@ -8708,8 +8747,8 @@
         </p:blipFill>
         <p:spPr>
           <a:xfrm>
-            <a:off x="1879030" y="1988840"/>
-            <a:ext cx="4046810" cy="2808312"/>
+            <a:off x="1640631" y="1988840"/>
+            <a:ext cx="3313269" cy="3240360"/>
           </a:xfrm>
           <a:prstGeom prst="rect">
             <a:avLst/>
@@ -8723,10 +8762,47 @@
           </a:ln>
         </p:spPr>
       </p:pic>
+      <p:pic>
+        <p:nvPicPr>
+          <p:cNvPr id="11" name="그림 10"/>
+          <p:cNvPicPr>
+            <a:picLocks noChangeAspect="1"/>
+          </p:cNvPicPr>
+          <p:nvPr/>
+        </p:nvPicPr>
+        <p:blipFill>
+          <a:blip r:embed="rId3">
+            <a:extLst>
+              <a:ext uri="{28A0092B-C50C-407E-A947-70E740481C1C}">
+                <a14:useLocalDpi xmlns:a14="http://schemas.microsoft.com/office/drawing/2010/main" val="0"/>
+              </a:ext>
+            </a:extLst>
+          </a:blip>
+          <a:stretch>
+            <a:fillRect/>
+          </a:stretch>
+        </p:blipFill>
+        <p:spPr>
+          <a:xfrm>
+            <a:off x="5313040" y="2708919"/>
+            <a:ext cx="2263336" cy="861135"/>
+          </a:xfrm>
+          <a:prstGeom prst="rect">
+            <a:avLst/>
+          </a:prstGeom>
+          <a:ln>
+            <a:solidFill>
+              <a:schemeClr val="bg1">
+                <a:lumMod val="85000"/>
+              </a:schemeClr>
+            </a:solidFill>
+          </a:ln>
+        </p:spPr>
+      </p:pic>
     </p:spTree>
     <p:extLst>
       <p:ext uri="{BB962C8B-B14F-4D97-AF65-F5344CB8AC3E}">
-        <p14:creationId xmlns:p14="http://schemas.microsoft.com/office/powerpoint/2010/main" val="3043812096"/>
+        <p14:creationId xmlns:p14="http://schemas.microsoft.com/office/powerpoint/2010/main" val="2191891701"/>
       </p:ext>
     </p:extLst>
   </p:cSld>
@@ -8864,7 +8940,7 @@
       </p:sp>
       <p:pic>
         <p:nvPicPr>
-          <p:cNvPr id="5" name="그림 4"/>
+          <p:cNvPr id="7" name="그림 6"/>
           <p:cNvPicPr>
             <a:picLocks noChangeAspect="1"/>
           </p:cNvPicPr>
@@ -8884,8 +8960,8 @@
         </p:blipFill>
         <p:spPr>
           <a:xfrm>
-            <a:off x="1640631" y="1988840"/>
-            <a:ext cx="3313269" cy="3240360"/>
+            <a:off x="1630964" y="1817690"/>
+            <a:ext cx="5322733" cy="4568442"/>
           </a:xfrm>
           <a:prstGeom prst="rect">
             <a:avLst/>
@@ -8899,47 +8975,10 @@
           </a:ln>
         </p:spPr>
       </p:pic>
-      <p:pic>
-        <p:nvPicPr>
-          <p:cNvPr id="11" name="그림 10"/>
-          <p:cNvPicPr>
-            <a:picLocks noChangeAspect="1"/>
-          </p:cNvPicPr>
-          <p:nvPr/>
-        </p:nvPicPr>
-        <p:blipFill>
-          <a:blip r:embed="rId3">
-            <a:extLst>
-              <a:ext uri="{28A0092B-C50C-407E-A947-70E740481C1C}">
-                <a14:useLocalDpi xmlns:a14="http://schemas.microsoft.com/office/drawing/2010/main" val="0"/>
-              </a:ext>
-            </a:extLst>
-          </a:blip>
-          <a:stretch>
-            <a:fillRect/>
-          </a:stretch>
-        </p:blipFill>
-        <p:spPr>
-          <a:xfrm>
-            <a:off x="5313040" y="2708919"/>
-            <a:ext cx="2263336" cy="861135"/>
-          </a:xfrm>
-          <a:prstGeom prst="rect">
-            <a:avLst/>
-          </a:prstGeom>
-          <a:ln>
-            <a:solidFill>
-              <a:schemeClr val="bg1">
-                <a:lumMod val="85000"/>
-              </a:schemeClr>
-            </a:solidFill>
-          </a:ln>
-        </p:spPr>
-      </p:pic>
     </p:spTree>
     <p:extLst>
       <p:ext uri="{BB962C8B-B14F-4D97-AF65-F5344CB8AC3E}">
-        <p14:creationId xmlns:p14="http://schemas.microsoft.com/office/powerpoint/2010/main" val="2191891701"/>
+        <p14:creationId xmlns:p14="http://schemas.microsoft.com/office/powerpoint/2010/main" val="3592198239"/>
       </p:ext>
     </p:extLst>
   </p:cSld>
@@ -8996,15 +9035,7 @@
             </a:r>
             <a:r>
               <a:rPr lang="ko-KR" altLang="en-US" dirty="0" smtClean="0"/>
-              <a:t>성적 입력 처리 </a:t>
-            </a:r>
-            <a:r>
-              <a:rPr lang="en-US" altLang="ko-KR" dirty="0" smtClean="0"/>
-              <a:t>- </a:t>
-            </a:r>
-            <a:r>
-              <a:rPr lang="ko-KR" altLang="en-US" dirty="0" smtClean="0"/>
-              <a:t>반복</a:t>
+              <a:t>이차원 리스트 만들기</a:t>
             </a:r>
             <a:endParaRPr lang="ko-KR" altLang="en-US" sz="2800" dirty="0"/>
           </a:p>
@@ -9035,14 +9066,14 @@
       </p:sp>
       <p:sp>
         <p:nvSpPr>
-          <p:cNvPr id="9" name="TextBox 8"/>
+          <p:cNvPr id="14" name="TextBox 13"/>
           <p:cNvSpPr txBox="1"/>
           <p:nvPr/>
         </p:nvSpPr>
         <p:spPr>
           <a:xfrm>
-            <a:off x="1131656" y="1268760"/>
-            <a:ext cx="5477528" cy="400110"/>
+            <a:off x="1208584" y="1196752"/>
+            <a:ext cx="5688632" cy="553998"/>
           </a:xfrm>
           <a:prstGeom prst="rect">
             <a:avLst/>
@@ -9056,28 +9087,31 @@
           <a:lstStyle/>
           <a:p>
             <a:pPr marL="342900" indent="-342900">
+              <a:lnSpc>
+                <a:spcPct val="150000"/>
+              </a:lnSpc>
               <a:buFont typeface="Wingdings" panose="05000000000000000000" pitchFamily="2" charset="2"/>
-              <a:buChar char="u"/>
+              <a:buChar char="§"/>
             </a:pPr>
             <a:r>
+              <a:rPr lang="en-US" altLang="ko-KR" sz="2000" b="1" dirty="0" err="1" smtClean="0"/>
+              <a:t>readline</a:t>
+            </a:r>
+            <a:r>
+              <a:rPr lang="en-US" altLang="ko-KR" sz="2000" b="1" dirty="0" smtClean="0"/>
+              <a:t>() </a:t>
+            </a:r>
+            <a:r>
               <a:rPr lang="ko-KR" altLang="en-US" sz="2000" b="1" dirty="0" smtClean="0"/>
-              <a:t>반복해</a:t>
-            </a:r>
-            <a:r>
-              <a:rPr lang="ko-KR" altLang="en-US" sz="2000" b="1" dirty="0"/>
-              <a:t>서</a:t>
-            </a:r>
-            <a:r>
-              <a:rPr lang="ko-KR" altLang="en-US" sz="2000" b="1" dirty="0" smtClean="0"/>
-              <a:t> 과목의 성적을 저장하는 프로그램</a:t>
-            </a:r>
-            <a:endParaRPr lang="ko-KR" altLang="en-US" sz="2000" b="1" dirty="0"/>
+              <a:t>을 이용한 이차원 리스트 만들기</a:t>
+            </a:r>
+            <a:endParaRPr lang="en-US" altLang="ko-KR" sz="2000" dirty="0" smtClean="0"/>
           </a:p>
         </p:txBody>
       </p:sp>
       <p:pic>
         <p:nvPicPr>
-          <p:cNvPr id="7" name="그림 6"/>
+          <p:cNvPr id="5" name="그림 4"/>
           <p:cNvPicPr>
             <a:picLocks noChangeAspect="1"/>
           </p:cNvPicPr>
@@ -9097,8 +9131,8 @@
         </p:blipFill>
         <p:spPr>
           <a:xfrm>
-            <a:off x="1630964" y="1817690"/>
-            <a:ext cx="5322733" cy="4568442"/>
+            <a:off x="1350237" y="1920198"/>
+            <a:ext cx="1295512" cy="1447926"/>
           </a:xfrm>
           <a:prstGeom prst="rect">
             <a:avLst/>
@@ -9112,10 +9146,84 @@
           </a:ln>
         </p:spPr>
       </p:pic>
+      <p:pic>
+        <p:nvPicPr>
+          <p:cNvPr id="6" name="그림 5"/>
+          <p:cNvPicPr>
+            <a:picLocks noChangeAspect="1"/>
+          </p:cNvPicPr>
+          <p:nvPr/>
+        </p:nvPicPr>
+        <p:blipFill>
+          <a:blip r:embed="rId3">
+            <a:extLst>
+              <a:ext uri="{28A0092B-C50C-407E-A947-70E740481C1C}">
+                <a14:useLocalDpi xmlns:a14="http://schemas.microsoft.com/office/drawing/2010/main" val="0"/>
+              </a:ext>
+            </a:extLst>
+          </a:blip>
+          <a:stretch>
+            <a:fillRect/>
+          </a:stretch>
+        </p:blipFill>
+        <p:spPr>
+          <a:xfrm>
+            <a:off x="2862405" y="1920199"/>
+            <a:ext cx="3299497" cy="2228882"/>
+          </a:xfrm>
+          <a:prstGeom prst="rect">
+            <a:avLst/>
+          </a:prstGeom>
+          <a:ln>
+            <a:solidFill>
+              <a:schemeClr val="bg1">
+                <a:lumMod val="85000"/>
+              </a:schemeClr>
+            </a:solidFill>
+          </a:ln>
+        </p:spPr>
+      </p:pic>
+      <p:pic>
+        <p:nvPicPr>
+          <p:cNvPr id="7" name="그림 6"/>
+          <p:cNvPicPr>
+            <a:picLocks noChangeAspect="1"/>
+          </p:cNvPicPr>
+          <p:nvPr/>
+        </p:nvPicPr>
+        <p:blipFill>
+          <a:blip r:embed="rId4">
+            <a:extLst>
+              <a:ext uri="{28A0092B-C50C-407E-A947-70E740481C1C}">
+                <a14:useLocalDpi xmlns:a14="http://schemas.microsoft.com/office/drawing/2010/main" val="0"/>
+              </a:ext>
+            </a:extLst>
+          </a:blip>
+          <a:stretch>
+            <a:fillRect/>
+          </a:stretch>
+        </p:blipFill>
+        <p:spPr>
+          <a:xfrm>
+            <a:off x="4432528" y="2276871"/>
+            <a:ext cx="3544807" cy="4424769"/>
+          </a:xfrm>
+          <a:prstGeom prst="rect">
+            <a:avLst/>
+          </a:prstGeom>
+          <a:ln>
+            <a:solidFill>
+              <a:schemeClr val="bg1">
+                <a:lumMod val="85000"/>
+              </a:schemeClr>
+            </a:solidFill>
+          </a:ln>
+        </p:spPr>
+      </p:pic>
     </p:spTree>
     <p:extLst>
       <p:ext uri="{BB962C8B-B14F-4D97-AF65-F5344CB8AC3E}">
-        <p14:creationId xmlns:p14="http://schemas.microsoft.com/office/powerpoint/2010/main" val="3592198239"/>
+        <p14:creationId xmlns:p14="http://schemas.microsoft.com/office/powerpoint/2010/main" val="1844312839"/>
       </p:ext>
     </p:extLst>
   </p:cSld>
@@ -9172,7 +9280,7 @@
             </a:r>
             <a:r>
               <a:rPr lang="ko-KR" altLang="en-US" dirty="0" smtClean="0"/>
-              <a:t>이차원 리스트 만들기</a:t>
+              <a:t>성적표 만들기</a:t>
             </a:r>
             <a:endParaRPr lang="ko-KR" altLang="en-US" sz="2800" dirty="0"/>
           </a:p>
@@ -9203,14 +9311,14 @@
       </p:sp>
       <p:sp>
         <p:nvSpPr>
-          <p:cNvPr id="14" name="TextBox 13"/>
+          <p:cNvPr id="6" name="TextBox 5"/>
           <p:cNvSpPr txBox="1"/>
           <p:nvPr/>
         </p:nvSpPr>
         <p:spPr>
           <a:xfrm>
-            <a:off x="1208584" y="1196752"/>
-            <a:ext cx="5688632" cy="553998"/>
+            <a:off x="1131656" y="1331476"/>
+            <a:ext cx="5477528" cy="369332"/>
           </a:xfrm>
           <a:prstGeom prst="rect">
             <a:avLst/>
@@ -9224,25 +9332,14 @@
           <a:lstStyle/>
           <a:p>
             <a:pPr marL="342900" indent="-342900">
-              <a:lnSpc>
-                <a:spcPct val="150000"/>
-              </a:lnSpc>
               <a:buFont typeface="Wingdings" panose="05000000000000000000" pitchFamily="2" charset="2"/>
-              <a:buChar char="§"/>
+              <a:buChar char="u"/>
             </a:pPr>
             <a:r>
-              <a:rPr lang="en-US" altLang="ko-KR" sz="2000" b="1" dirty="0" err="1" smtClean="0"/>
-              <a:t>readline</a:t>
-            </a:r>
-            <a:r>
-              <a:rPr lang="en-US" altLang="ko-KR" sz="2000" b="1" dirty="0" smtClean="0"/>
-              <a:t>() </a:t>
-            </a:r>
-            <a:r>
-              <a:rPr lang="ko-KR" altLang="en-US" sz="2000" b="1" dirty="0" smtClean="0"/>
-              <a:t>을 이용한 이차원 리스트 만들기</a:t>
-            </a:r>
-            <a:endParaRPr lang="en-US" altLang="ko-KR" sz="2000" dirty="0" smtClean="0"/>
+              <a:rPr lang="ko-KR" altLang="en-US" b="1" dirty="0" smtClean="0"/>
+              <a:t>성적 파일을 읽어서 성적표 만들기</a:t>
+            </a:r>
+            <a:endParaRPr lang="ko-KR" altLang="en-US" b="1" dirty="0"/>
           </a:p>
         </p:txBody>
       </p:sp>
@@ -9268,8 +9365,8 @@
         </p:blipFill>
         <p:spPr>
           <a:xfrm>
-            <a:off x="1350237" y="1920198"/>
-            <a:ext cx="1295512" cy="1447926"/>
+            <a:off x="1856656" y="1970990"/>
+            <a:ext cx="3592944" cy="3474234"/>
           </a:xfrm>
           <a:prstGeom prst="rect">
             <a:avLst/>
@@ -9285,7 +9382,7 @@
       </p:pic>
       <p:pic>
         <p:nvPicPr>
-          <p:cNvPr id="6" name="그림 5"/>
+          <p:cNvPr id="8" name="그림 7"/>
           <p:cNvPicPr>
             <a:picLocks noChangeAspect="1"/>
           </p:cNvPicPr>
@@ -9305,8 +9402,8 @@
         </p:blipFill>
         <p:spPr>
           <a:xfrm>
-            <a:off x="2862405" y="1920199"/>
-            <a:ext cx="3299497" cy="2228882"/>
+            <a:off x="6014952" y="2564904"/>
+            <a:ext cx="1874683" cy="1478408"/>
           </a:xfrm>
           <a:prstGeom prst="rect">
             <a:avLst/>
@@ -9320,47 +9417,10 @@
           </a:ln>
         </p:spPr>
       </p:pic>
-      <p:pic>
-        <p:nvPicPr>
-          <p:cNvPr id="7" name="그림 6"/>
-          <p:cNvPicPr>
-            <a:picLocks noChangeAspect="1"/>
-          </p:cNvPicPr>
-          <p:nvPr/>
-        </p:nvPicPr>
-        <p:blipFill>
-          <a:blip r:embed="rId4">
-            <a:extLst>
-              <a:ext uri="{28A0092B-C50C-407E-A947-70E740481C1C}">
-                <a14:useLocalDpi xmlns:a14="http://schemas.microsoft.com/office/drawing/2010/main" val="0"/>
-              </a:ext>
-            </a:extLst>
-          </a:blip>
-          <a:stretch>
-            <a:fillRect/>
-          </a:stretch>
-        </p:blipFill>
-        <p:spPr>
-          <a:xfrm>
-            <a:off x="4432528" y="2276871"/>
-            <a:ext cx="3544807" cy="4424769"/>
-          </a:xfrm>
-          <a:prstGeom prst="rect">
-            <a:avLst/>
-          </a:prstGeom>
-          <a:ln>
-            <a:solidFill>
-              <a:schemeClr val="bg1">
-                <a:lumMod val="85000"/>
-              </a:schemeClr>
-            </a:solidFill>
-          </a:ln>
-        </p:spPr>
-      </p:pic>
     </p:spTree>
     <p:extLst>
       <p:ext uri="{BB962C8B-B14F-4D97-AF65-F5344CB8AC3E}">
-        <p14:creationId xmlns:p14="http://schemas.microsoft.com/office/powerpoint/2010/main" val="1844312839"/>
+        <p14:creationId xmlns:p14="http://schemas.microsoft.com/office/powerpoint/2010/main" val="669819457"/>
       </p:ext>
     </p:extLst>
   </p:cSld>
@@ -9474,7 +9534,7 @@
             </a:pPr>
             <a:r>
               <a:rPr lang="ko-KR" altLang="en-US" b="1" dirty="0" smtClean="0"/>
-              <a:t>성적 파일을 읽어서 성적표 만들기</a:t>
+              <a:t>성적표 만들기</a:t>
             </a:r>
             <a:endParaRPr lang="ko-KR" altLang="en-US" b="1" dirty="0"/>
           </a:p>
@@ -9482,7 +9542,7 @@
       </p:sp>
       <p:pic>
         <p:nvPicPr>
-          <p:cNvPr id="5" name="그림 4"/>
+          <p:cNvPr id="3" name="그림 2"/>
           <p:cNvPicPr>
             <a:picLocks noChangeAspect="1"/>
           </p:cNvPicPr>
@@ -9502,8 +9562,8 @@
         </p:blipFill>
         <p:spPr>
           <a:xfrm>
-            <a:off x="1856656" y="1970990"/>
-            <a:ext cx="3592944" cy="3474234"/>
+            <a:off x="1640632" y="1815009"/>
+            <a:ext cx="6264696" cy="4667236"/>
           </a:xfrm>
           <a:prstGeom prst="rect">
             <a:avLst/>
@@ -9517,47 +9577,10 @@
           </a:ln>
         </p:spPr>
       </p:pic>
-      <p:pic>
-        <p:nvPicPr>
-          <p:cNvPr id="8" name="그림 7"/>
-          <p:cNvPicPr>
-            <a:picLocks noChangeAspect="1"/>
-          </p:cNvPicPr>
-          <p:nvPr/>
-        </p:nvPicPr>
-        <p:blipFill>
-          <a:blip r:embed="rId3">
-            <a:extLst>
-              <a:ext uri="{28A0092B-C50C-407E-A947-70E740481C1C}">
-                <a14:useLocalDpi xmlns:a14="http://schemas.microsoft.com/office/drawing/2010/main" val="0"/>
-              </a:ext>
-            </a:extLst>
-          </a:blip>
-          <a:stretch>
-            <a:fillRect/>
-          </a:stretch>
-        </p:blipFill>
-        <p:spPr>
-          <a:xfrm>
-            <a:off x="6014952" y="2564904"/>
-            <a:ext cx="1874683" cy="1478408"/>
-          </a:xfrm>
-          <a:prstGeom prst="rect">
-            <a:avLst/>
-          </a:prstGeom>
-          <a:ln>
-            <a:solidFill>
-              <a:schemeClr val="bg1">
-                <a:lumMod val="85000"/>
-              </a:schemeClr>
-            </a:solidFill>
-          </a:ln>
-        </p:spPr>
-      </p:pic>
     </p:spTree>
     <p:extLst>
       <p:ext uri="{BB962C8B-B14F-4D97-AF65-F5344CB8AC3E}">
-        <p14:creationId xmlns:p14="http://schemas.microsoft.com/office/powerpoint/2010/main" val="669819457"/>
+        <p14:creationId xmlns:p14="http://schemas.microsoft.com/office/powerpoint/2010/main" val="1059692701"/>
       </p:ext>
     </p:extLst>
   </p:cSld>
@@ -9651,7 +9674,7 @@
         </p:nvSpPr>
         <p:spPr>
           <a:xfrm>
-            <a:off x="1131656" y="1331476"/>
+            <a:off x="1131656" y="1268760"/>
             <a:ext cx="5477528" cy="369332"/>
           </a:xfrm>
           <a:prstGeom prst="rect">
@@ -9671,11 +9694,7 @@
             </a:pPr>
             <a:r>
               <a:rPr lang="ko-KR" altLang="en-US" b="1" dirty="0" smtClean="0"/>
-              <a:t>성적표 </a:t>
-            </a:r>
-            <a:r>
-              <a:rPr lang="ko-KR" altLang="en-US" b="1" dirty="0" smtClean="0"/>
-              <a:t>만들기</a:t>
+              <a:t>성적 파일을 읽어서 성적표 만들기</a:t>
             </a:r>
             <a:endParaRPr lang="ko-KR" altLang="en-US" b="1" dirty="0"/>
           </a:p>
@@ -9703,8 +9722,8 @@
         </p:blipFill>
         <p:spPr>
           <a:xfrm>
-            <a:off x="1640632" y="1815009"/>
-            <a:ext cx="6264696" cy="4667236"/>
+            <a:off x="1644677" y="1685181"/>
+            <a:ext cx="5861277" cy="4768155"/>
           </a:xfrm>
           <a:prstGeom prst="rect">
             <a:avLst/>
@@ -9721,7 +9740,7 @@
     </p:spTree>
     <p:extLst>
       <p:ext uri="{BB962C8B-B14F-4D97-AF65-F5344CB8AC3E}">
-        <p14:creationId xmlns:p14="http://schemas.microsoft.com/office/powerpoint/2010/main" val="1059692701"/>
+        <p14:creationId xmlns:p14="http://schemas.microsoft.com/office/powerpoint/2010/main" val="1360109036"/>
       </p:ext>
     </p:extLst>
   </p:cSld>
@@ -9777,8 +9796,8 @@
               <a:t> </a:t>
             </a:r>
             <a:r>
-              <a:rPr lang="ko-KR" altLang="en-US" dirty="0" smtClean="0"/>
-              <a:t>성적표 만들기</a:t>
+              <a:rPr lang="ko-KR" altLang="en-US" sz="2800" dirty="0" smtClean="0"/>
+              <a:t>바이너리 파일 읽고 쓰기</a:t>
             </a:r>
             <a:endParaRPr lang="ko-KR" altLang="en-US" sz="2800" dirty="0"/>
           </a:p>
@@ -9802,166 +9821,6 @@
             <a:fld id="{1BDE3FE7-3AEA-4B05-AC5A-802D1816ACF0}" type="slidenum">
               <a:rPr lang="ko-KR" altLang="en-US" smtClean="0"/>
               <a:t>28</a:t>
-            </a:fld>
-            <a:endParaRPr lang="ko-KR" altLang="en-US"/>
-          </a:p>
-        </p:txBody>
-      </p:sp>
-      <p:sp>
-        <p:nvSpPr>
-          <p:cNvPr id="6" name="TextBox 5"/>
-          <p:cNvSpPr txBox="1"/>
-          <p:nvPr/>
-        </p:nvSpPr>
-        <p:spPr>
-          <a:xfrm>
-            <a:off x="1131656" y="1268760"/>
-            <a:ext cx="5477528" cy="369332"/>
-          </a:xfrm>
-          <a:prstGeom prst="rect">
-            <a:avLst/>
-          </a:prstGeom>
-          <a:noFill/>
-        </p:spPr>
-        <p:txBody>
-          <a:bodyPr wrap="square" rtlCol="0">
-            <a:spAutoFit/>
-          </a:bodyPr>
-          <a:lstStyle/>
-          <a:p>
-            <a:pPr marL="342900" indent="-342900">
-              <a:buFont typeface="Wingdings" panose="05000000000000000000" pitchFamily="2" charset="2"/>
-              <a:buChar char="u"/>
-            </a:pPr>
-            <a:r>
-              <a:rPr lang="ko-KR" altLang="en-US" b="1" dirty="0" smtClean="0"/>
-              <a:t>성적 파일을 읽어서 성적표 만들기</a:t>
-            </a:r>
-            <a:endParaRPr lang="ko-KR" altLang="en-US" b="1" dirty="0"/>
-          </a:p>
-        </p:txBody>
-      </p:sp>
-      <p:pic>
-        <p:nvPicPr>
-          <p:cNvPr id="3" name="그림 2"/>
-          <p:cNvPicPr>
-            <a:picLocks noChangeAspect="1"/>
-          </p:cNvPicPr>
-          <p:nvPr/>
-        </p:nvPicPr>
-        <p:blipFill>
-          <a:blip r:embed="rId2">
-            <a:extLst>
-              <a:ext uri="{28A0092B-C50C-407E-A947-70E740481C1C}">
-                <a14:useLocalDpi xmlns:a14="http://schemas.microsoft.com/office/drawing/2010/main" val="0"/>
-              </a:ext>
-            </a:extLst>
-          </a:blip>
-          <a:stretch>
-            <a:fillRect/>
-          </a:stretch>
-        </p:blipFill>
-        <p:spPr>
-          <a:xfrm>
-            <a:off x="1644677" y="1685181"/>
-            <a:ext cx="5861277" cy="4768155"/>
-          </a:xfrm>
-          <a:prstGeom prst="rect">
-            <a:avLst/>
-          </a:prstGeom>
-          <a:ln>
-            <a:solidFill>
-              <a:schemeClr val="bg1">
-                <a:lumMod val="85000"/>
-              </a:schemeClr>
-            </a:solidFill>
-          </a:ln>
-        </p:spPr>
-      </p:pic>
-    </p:spTree>
-    <p:extLst>
-      <p:ext uri="{BB962C8B-B14F-4D97-AF65-F5344CB8AC3E}">
-        <p14:creationId xmlns:p14="http://schemas.microsoft.com/office/powerpoint/2010/main" val="1360109036"/>
-      </p:ext>
-    </p:extLst>
-  </p:cSld>
-  <p:clrMapOvr>
-    <a:masterClrMapping/>
-  </p:clrMapOvr>
-  <p:timing>
-    <p:tnLst>
-      <p:par>
-        <p:cTn id="1" dur="indefinite" restart="never" nodeType="tmRoot"/>
-      </p:par>
-    </p:tnLst>
-  </p:timing>
-</p:sld>
-</file>
-
-<file path=ppt/slides/slide29.xml><?xml version="1.0" encoding="utf-8"?>
-<p:sld xmlns:a="http://schemas.openxmlformats.org/drawingml/2006/main" xmlns:r="http://schemas.openxmlformats.org/officeDocument/2006/relationships" xmlns:p="http://schemas.openxmlformats.org/presentationml/2006/main">
-  <p:cSld>
-    <p:spTree>
-      <p:nvGrpSpPr>
-        <p:cNvPr id="1" name=""/>
-        <p:cNvGrpSpPr/>
-        <p:nvPr/>
-      </p:nvGrpSpPr>
-      <p:grpSpPr>
-        <a:xfrm>
-          <a:off x="0" y="0"/>
-          <a:ext cx="0" cy="0"/>
-          <a:chOff x="0" y="0"/>
-          <a:chExt cx="0" cy="0"/>
-        </a:xfrm>
-      </p:grpSpPr>
-      <p:sp>
-        <p:nvSpPr>
-          <p:cNvPr id="2" name="제목 1"/>
-          <p:cNvSpPr>
-            <a:spLocks noGrp="1"/>
-          </p:cNvSpPr>
-          <p:nvPr>
-            <p:ph type="title"/>
-          </p:nvPr>
-        </p:nvSpPr>
-        <p:spPr/>
-        <p:txBody>
-          <a:bodyPr>
-            <a:normAutofit/>
-          </a:bodyPr>
-          <a:lstStyle/>
-          <a:p>
-            <a:r>
-              <a:rPr lang="en-US" altLang="ko-KR" sz="2800" dirty="0"/>
-              <a:t> </a:t>
-            </a:r>
-            <a:r>
-              <a:rPr lang="ko-KR" altLang="en-US" sz="2800" dirty="0" smtClean="0"/>
-              <a:t>바이너리 파일 읽고 쓰기</a:t>
-            </a:r>
-            <a:endParaRPr lang="ko-KR" altLang="en-US" sz="2800" dirty="0"/>
-          </a:p>
-        </p:txBody>
-      </p:sp>
-      <p:sp>
-        <p:nvSpPr>
-          <p:cNvPr id="4" name="슬라이드 번호 개체 틀 3"/>
-          <p:cNvSpPr>
-            <a:spLocks noGrp="1"/>
-          </p:cNvSpPr>
-          <p:nvPr>
-            <p:ph type="sldNum" sz="quarter" idx="12"/>
-          </p:nvPr>
-        </p:nvSpPr>
-        <p:spPr/>
-        <p:txBody>
-          <a:bodyPr/>
-          <a:lstStyle/>
-          <a:p>
-            <a:fld id="{1BDE3FE7-3AEA-4B05-AC5A-802D1816ACF0}" type="slidenum">
-              <a:rPr lang="ko-KR" altLang="en-US" smtClean="0"/>
-              <a:t>29</a:t>
             </a:fld>
             <a:endParaRPr lang="ko-KR" altLang="en-US"/>
           </a:p>
@@ -10167,14 +10026,14 @@
                 <a:gridCol w="1256912">
                   <a:extLst>
                     <a:ext uri="{9D8B030D-6E8A-4147-A177-3AD203B41FA5}">
-                      <a16:colId xmlns:a16="http://schemas.microsoft.com/office/drawing/2014/main" xmlns="" val="20000"/>
+                      <a16:colId xmlns:a16="http://schemas.microsoft.com/office/drawing/2014/main" val="20000"/>
                     </a:ext>
                   </a:extLst>
                 </a:gridCol>
                 <a:gridCol w="1939949">
                   <a:extLst>
                     <a:ext uri="{9D8B030D-6E8A-4147-A177-3AD203B41FA5}">
-                      <a16:colId xmlns:a16="http://schemas.microsoft.com/office/drawing/2014/main" xmlns="" val="20004"/>
+                      <a16:colId xmlns:a16="http://schemas.microsoft.com/office/drawing/2014/main" val="20004"/>
                     </a:ext>
                   </a:extLst>
                 </a:gridCol>
@@ -10249,7 +10108,7 @@
                 </a:tc>
                 <a:extLst>
                   <a:ext uri="{0D108BD9-81ED-4DB2-BD59-A6C34878D82A}">
-                    <a16:rowId xmlns:a16="http://schemas.microsoft.com/office/drawing/2014/main" xmlns="" val="10000"/>
+                    <a16:rowId xmlns:a16="http://schemas.microsoft.com/office/drawing/2014/main" val="10000"/>
                   </a:ext>
                 </a:extLst>
               </a:tr>
@@ -10310,7 +10169,7 @@
                 </a:tc>
                 <a:extLst>
                   <a:ext uri="{0D108BD9-81ED-4DB2-BD59-A6C34878D82A}">
-                    <a16:rowId xmlns:a16="http://schemas.microsoft.com/office/drawing/2014/main" xmlns="" val="10001"/>
+                    <a16:rowId xmlns:a16="http://schemas.microsoft.com/office/drawing/2014/main" val="10001"/>
                   </a:ext>
                 </a:extLst>
               </a:tr>
@@ -10371,7 +10230,7 @@
                 </a:tc>
                 <a:extLst>
                   <a:ext uri="{0D108BD9-81ED-4DB2-BD59-A6C34878D82A}">
-                    <a16:rowId xmlns:a16="http://schemas.microsoft.com/office/drawing/2014/main" xmlns="" val="10002"/>
+                    <a16:rowId xmlns:a16="http://schemas.microsoft.com/office/drawing/2014/main" val="10002"/>
                   </a:ext>
                 </a:extLst>
               </a:tr>
@@ -10483,6 +10342,228 @@
     <p:extLst>
       <p:ext uri="{BB962C8B-B14F-4D97-AF65-F5344CB8AC3E}">
         <p14:creationId xmlns:p14="http://schemas.microsoft.com/office/powerpoint/2010/main" val="1842276845"/>
+      </p:ext>
+    </p:extLst>
+  </p:cSld>
+  <p:clrMapOvr>
+    <a:masterClrMapping/>
+  </p:clrMapOvr>
+  <p:timing>
+    <p:tnLst>
+      <p:par>
+        <p:cTn id="1" dur="indefinite" restart="never" nodeType="tmRoot"/>
+      </p:par>
+    </p:tnLst>
+  </p:timing>
+</p:sld>
+</file>
+
+<file path=ppt/slides/slide29.xml><?xml version="1.0" encoding="utf-8"?>
+<p:sld xmlns:a="http://schemas.openxmlformats.org/drawingml/2006/main" xmlns:r="http://schemas.openxmlformats.org/officeDocument/2006/relationships" xmlns:p="http://schemas.openxmlformats.org/presentationml/2006/main">
+  <p:cSld>
+    <p:spTree>
+      <p:nvGrpSpPr>
+        <p:cNvPr id="1" name=""/>
+        <p:cNvGrpSpPr/>
+        <p:nvPr/>
+      </p:nvGrpSpPr>
+      <p:grpSpPr>
+        <a:xfrm>
+          <a:off x="0" y="0"/>
+          <a:ext cx="0" cy="0"/>
+          <a:chOff x="0" y="0"/>
+          <a:chExt cx="0" cy="0"/>
+        </a:xfrm>
+      </p:grpSpPr>
+      <p:sp>
+        <p:nvSpPr>
+          <p:cNvPr id="2" name="제목 1"/>
+          <p:cNvSpPr>
+            <a:spLocks noGrp="1"/>
+          </p:cNvSpPr>
+          <p:nvPr>
+            <p:ph type="title"/>
+          </p:nvPr>
+        </p:nvSpPr>
+        <p:spPr/>
+        <p:txBody>
+          <a:bodyPr>
+            <a:normAutofit/>
+          </a:bodyPr>
+          <a:lstStyle/>
+          <a:p>
+            <a:r>
+              <a:rPr lang="en-US" altLang="ko-KR" sz="2800" dirty="0"/>
+              <a:t> </a:t>
+            </a:r>
+            <a:r>
+              <a:rPr lang="ko-KR" altLang="en-US" sz="2800" dirty="0" smtClean="0"/>
+              <a:t>바이너리 파일 읽고 쓰기</a:t>
+            </a:r>
+            <a:endParaRPr lang="ko-KR" altLang="en-US" sz="2800" dirty="0"/>
+          </a:p>
+        </p:txBody>
+      </p:sp>
+      <p:sp>
+        <p:nvSpPr>
+          <p:cNvPr id="4" name="슬라이드 번호 개체 틀 3"/>
+          <p:cNvSpPr>
+            <a:spLocks noGrp="1"/>
+          </p:cNvSpPr>
+          <p:nvPr>
+            <p:ph type="sldNum" sz="quarter" idx="12"/>
+          </p:nvPr>
+        </p:nvSpPr>
+        <p:spPr/>
+        <p:txBody>
+          <a:bodyPr/>
+          <a:lstStyle/>
+          <a:p>
+            <a:fld id="{1BDE3FE7-3AEA-4B05-AC5A-802D1816ACF0}" type="slidenum">
+              <a:rPr lang="ko-KR" altLang="en-US" smtClean="0"/>
+              <a:t>29</a:t>
+            </a:fld>
+            <a:endParaRPr lang="ko-KR" altLang="en-US"/>
+          </a:p>
+        </p:txBody>
+      </p:sp>
+      <p:sp>
+        <p:nvSpPr>
+          <p:cNvPr id="9" name="TextBox 8"/>
+          <p:cNvSpPr txBox="1"/>
+          <p:nvPr/>
+        </p:nvSpPr>
+        <p:spPr>
+          <a:xfrm>
+            <a:off x="1280770" y="1240884"/>
+            <a:ext cx="2664118" cy="553998"/>
+          </a:xfrm>
+          <a:prstGeom prst="rect">
+            <a:avLst/>
+          </a:prstGeom>
+          <a:ln>
+            <a:noFill/>
+          </a:ln>
+        </p:spPr>
+        <p:style>
+          <a:lnRef idx="2">
+            <a:schemeClr val="dk1"/>
+          </a:lnRef>
+          <a:fillRef idx="1">
+            <a:schemeClr val="lt1"/>
+          </a:fillRef>
+          <a:effectRef idx="0">
+            <a:schemeClr val="dk1"/>
+          </a:effectRef>
+          <a:fontRef idx="minor">
+            <a:schemeClr val="dk1"/>
+          </a:fontRef>
+        </p:style>
+        <p:txBody>
+          <a:bodyPr wrap="square" rtlCol="0">
+            <a:spAutoFit/>
+          </a:bodyPr>
+          <a:lstStyle/>
+          <a:p>
+            <a:pPr marL="342900" indent="-342900">
+              <a:lnSpc>
+                <a:spcPct val="150000"/>
+              </a:lnSpc>
+              <a:buFont typeface="Wingdings" panose="05000000000000000000" pitchFamily="2" charset="2"/>
+              <a:buChar char="u"/>
+            </a:pPr>
+            <a:r>
+              <a:rPr lang="ko-KR" altLang="en-US" sz="2000" dirty="0" smtClean="0">
+                <a:latin typeface="휴먼엑스포" panose="02030504000101010101" pitchFamily="18" charset="-127"/>
+                <a:ea typeface="휴먼엑스포" panose="02030504000101010101" pitchFamily="18" charset="-127"/>
+              </a:rPr>
+              <a:t>바이너리 파일</a:t>
+            </a:r>
+            <a:endParaRPr lang="en-US" altLang="ko-KR" sz="2000" dirty="0" smtClean="0">
+              <a:latin typeface="휴먼엑스포" panose="02030504000101010101" pitchFamily="18" charset="-127"/>
+              <a:ea typeface="휴먼엑스포" panose="02030504000101010101" pitchFamily="18" charset="-127"/>
+            </a:endParaRPr>
+          </a:p>
+        </p:txBody>
+      </p:sp>
+      <p:pic>
+        <p:nvPicPr>
+          <p:cNvPr id="6" name="그림 5"/>
+          <p:cNvPicPr>
+            <a:picLocks noChangeAspect="1"/>
+          </p:cNvPicPr>
+          <p:nvPr/>
+        </p:nvPicPr>
+        <p:blipFill>
+          <a:blip r:embed="rId2">
+            <a:extLst>
+              <a:ext uri="{28A0092B-C50C-407E-A947-70E740481C1C}">
+                <a14:useLocalDpi xmlns:a14="http://schemas.microsoft.com/office/drawing/2010/main" val="0"/>
+              </a:ext>
+            </a:extLst>
+          </a:blip>
+          <a:stretch>
+            <a:fillRect/>
+          </a:stretch>
+        </p:blipFill>
+        <p:spPr>
+          <a:xfrm>
+            <a:off x="1712640" y="4951027"/>
+            <a:ext cx="7110077" cy="609653"/>
+          </a:xfrm>
+          <a:prstGeom prst="rect">
+            <a:avLst/>
+          </a:prstGeom>
+          <a:ln>
+            <a:solidFill>
+              <a:schemeClr val="bg1">
+                <a:lumMod val="85000"/>
+              </a:schemeClr>
+            </a:solidFill>
+          </a:ln>
+        </p:spPr>
+      </p:pic>
+      <p:pic>
+        <p:nvPicPr>
+          <p:cNvPr id="5" name="그림 4"/>
+          <p:cNvPicPr>
+            <a:picLocks noChangeAspect="1"/>
+          </p:cNvPicPr>
+          <p:nvPr/>
+        </p:nvPicPr>
+        <p:blipFill>
+          <a:blip r:embed="rId3">
+            <a:extLst>
+              <a:ext uri="{28A0092B-C50C-407E-A947-70E740481C1C}">
+                <a14:useLocalDpi xmlns:a14="http://schemas.microsoft.com/office/drawing/2010/main" val="0"/>
+              </a:ext>
+            </a:extLst>
+          </a:blip>
+          <a:stretch>
+            <a:fillRect/>
+          </a:stretch>
+        </p:blipFill>
+        <p:spPr>
+          <a:xfrm>
+            <a:off x="1712640" y="1983030"/>
+            <a:ext cx="4663844" cy="2613887"/>
+          </a:xfrm>
+          <a:prstGeom prst="rect">
+            <a:avLst/>
+          </a:prstGeom>
+          <a:ln>
+            <a:solidFill>
+              <a:schemeClr val="bg1">
+                <a:lumMod val="85000"/>
+              </a:schemeClr>
+            </a:solidFill>
+          </a:ln>
+        </p:spPr>
+      </p:pic>
+    </p:spTree>
+    <p:extLst>
+      <p:ext uri="{BB962C8B-B14F-4D97-AF65-F5344CB8AC3E}">
+        <p14:creationId xmlns:p14="http://schemas.microsoft.com/office/powerpoint/2010/main" val="1900896871"/>
       </p:ext>
     </p:extLst>
   </p:cSld>
@@ -11173,8 +11254,8 @@
         </p:nvSpPr>
         <p:spPr>
           <a:xfrm>
-            <a:off x="1280770" y="1240884"/>
-            <a:ext cx="2664118" cy="553998"/>
+            <a:off x="1136754" y="1240884"/>
+            <a:ext cx="6336526" cy="969496"/>
           </a:xfrm>
           <a:prstGeom prst="rect">
             <a:avLst/>
@@ -11215,11 +11296,36 @@
                 <a:latin typeface="휴먼엑스포" panose="02030504000101010101" pitchFamily="18" charset="-127"/>
                 <a:ea typeface="휴먼엑스포" panose="02030504000101010101" pitchFamily="18" charset="-127"/>
               </a:rPr>
-              <a:t>바이너리 파일</a:t>
+              <a:t>이미지 복사하기</a:t>
             </a:r>
             <a:endParaRPr lang="en-US" altLang="ko-KR" sz="2000" dirty="0" smtClean="0">
               <a:latin typeface="휴먼엑스포" panose="02030504000101010101" pitchFamily="18" charset="-127"/>
               <a:ea typeface="휴먼엑스포" panose="02030504000101010101" pitchFamily="18" charset="-127"/>
+            </a:endParaRPr>
+          </a:p>
+          <a:p>
+            <a:pPr>
+              <a:lnSpc>
+                <a:spcPct val="150000"/>
+              </a:lnSpc>
+            </a:pPr>
+            <a:r>
+              <a:rPr lang="ko-KR" altLang="en-US" dirty="0" smtClean="0">
+                <a:latin typeface="휴먼엑스포" panose="02030504000101010101" pitchFamily="18" charset="-127"/>
+                <a:ea typeface="휴먼엑스포" panose="02030504000101010101" pitchFamily="18" charset="-127"/>
+              </a:rPr>
+              <a:t>     </a:t>
+            </a:r>
+            <a:r>
+              <a:rPr lang="ko-KR" altLang="en-US" dirty="0" smtClean="0">
+                <a:latin typeface="굴림" panose="020B0600000101010101" pitchFamily="50" charset="-127"/>
+                <a:ea typeface="굴림" panose="020B0600000101010101" pitchFamily="50" charset="-127"/>
+              </a:rPr>
+              <a:t>이미지 파일 읽어와서 다른 이름으로 쓰기</a:t>
+            </a:r>
+            <a:endParaRPr lang="en-US" altLang="ko-KR" dirty="0" smtClean="0">
+              <a:latin typeface="굴림" panose="020B0600000101010101" pitchFamily="50" charset="-127"/>
+              <a:ea typeface="굴림" panose="020B0600000101010101" pitchFamily="50" charset="-127"/>
             </a:endParaRPr>
           </a:p>
         </p:txBody>
@@ -11246,8 +11352,8 @@
         </p:blipFill>
         <p:spPr>
           <a:xfrm>
-            <a:off x="1856656" y="1950592"/>
-            <a:ext cx="4740051" cy="2956816"/>
+            <a:off x="1759145" y="4437112"/>
+            <a:ext cx="5425911" cy="2057578"/>
           </a:xfrm>
           <a:prstGeom prst="rect">
             <a:avLst/>
@@ -11283,25 +11389,18 @@
         </p:blipFill>
         <p:spPr>
           <a:xfrm>
-            <a:off x="1856656" y="5229200"/>
-            <a:ext cx="7110077" cy="609653"/>
+            <a:off x="1748733" y="2348880"/>
+            <a:ext cx="3384376" cy="1926285"/>
           </a:xfrm>
           <a:prstGeom prst="rect">
             <a:avLst/>
           </a:prstGeom>
-          <a:ln>
-            <a:solidFill>
-              <a:schemeClr val="bg1">
-                <a:lumMod val="85000"/>
-              </a:schemeClr>
-            </a:solidFill>
-          </a:ln>
         </p:spPr>
       </p:pic>
     </p:spTree>
     <p:extLst>
       <p:ext uri="{BB962C8B-B14F-4D97-AF65-F5344CB8AC3E}">
-        <p14:creationId xmlns:p14="http://schemas.microsoft.com/office/powerpoint/2010/main" val="1900896871"/>
+        <p14:creationId xmlns:p14="http://schemas.microsoft.com/office/powerpoint/2010/main" val="712168232"/>
       </p:ext>
     </p:extLst>
   </p:cSld>
@@ -11353,12 +11452,20 @@
           <a:lstStyle/>
           <a:p>
             <a:r>
-              <a:rPr lang="en-US" altLang="ko-KR" sz="2800" dirty="0"/>
+              <a:rPr lang="en-US" altLang="ko-KR" sz="2800" dirty="0" smtClean="0"/>
               <a:t> </a:t>
             </a:r>
             <a:r>
+              <a:rPr lang="en-US" altLang="ko-KR" sz="2800" b="1" dirty="0" smtClean="0"/>
+              <a:t>pickle</a:t>
+            </a:r>
+            <a:r>
+              <a:rPr lang="en-US" altLang="ko-KR" sz="2800" dirty="0" smtClean="0"/>
+              <a:t> </a:t>
+            </a:r>
+            <a:r>
               <a:rPr lang="ko-KR" altLang="en-US" sz="2800" dirty="0" smtClean="0"/>
-              <a:t>바이너리 파일 읽고 쓰기</a:t>
+              <a:t>모듈</a:t>
             </a:r>
             <a:endParaRPr lang="ko-KR" altLang="en-US" sz="2800" dirty="0"/>
           </a:p>
@@ -11382,254 +11489,6 @@
             <a:fld id="{1BDE3FE7-3AEA-4B05-AC5A-802D1816ACF0}" type="slidenum">
               <a:rPr lang="ko-KR" altLang="en-US" smtClean="0"/>
               <a:t>31</a:t>
-            </a:fld>
-            <a:endParaRPr lang="ko-KR" altLang="en-US"/>
-          </a:p>
-        </p:txBody>
-      </p:sp>
-      <p:sp>
-        <p:nvSpPr>
-          <p:cNvPr id="9" name="TextBox 8"/>
-          <p:cNvSpPr txBox="1"/>
-          <p:nvPr/>
-        </p:nvSpPr>
-        <p:spPr>
-          <a:xfrm>
-            <a:off x="1136754" y="1240884"/>
-            <a:ext cx="6336526" cy="969496"/>
-          </a:xfrm>
-          <a:prstGeom prst="rect">
-            <a:avLst/>
-          </a:prstGeom>
-          <a:ln>
-            <a:noFill/>
-          </a:ln>
-        </p:spPr>
-        <p:style>
-          <a:lnRef idx="2">
-            <a:schemeClr val="dk1"/>
-          </a:lnRef>
-          <a:fillRef idx="1">
-            <a:schemeClr val="lt1"/>
-          </a:fillRef>
-          <a:effectRef idx="0">
-            <a:schemeClr val="dk1"/>
-          </a:effectRef>
-          <a:fontRef idx="minor">
-            <a:schemeClr val="dk1"/>
-          </a:fontRef>
-        </p:style>
-        <p:txBody>
-          <a:bodyPr wrap="square" rtlCol="0">
-            <a:spAutoFit/>
-          </a:bodyPr>
-          <a:lstStyle/>
-          <a:p>
-            <a:pPr marL="342900" indent="-342900">
-              <a:lnSpc>
-                <a:spcPct val="150000"/>
-              </a:lnSpc>
-              <a:buFont typeface="Wingdings" panose="05000000000000000000" pitchFamily="2" charset="2"/>
-              <a:buChar char="u"/>
-            </a:pPr>
-            <a:r>
-              <a:rPr lang="ko-KR" altLang="en-US" sz="2000" dirty="0" smtClean="0">
-                <a:latin typeface="휴먼엑스포" panose="02030504000101010101" pitchFamily="18" charset="-127"/>
-                <a:ea typeface="휴먼엑스포" panose="02030504000101010101" pitchFamily="18" charset="-127"/>
-              </a:rPr>
-              <a:t>이미지 복사하기</a:t>
-            </a:r>
-            <a:endParaRPr lang="en-US" altLang="ko-KR" sz="2000" dirty="0" smtClean="0">
-              <a:latin typeface="휴먼엑스포" panose="02030504000101010101" pitchFamily="18" charset="-127"/>
-              <a:ea typeface="휴먼엑스포" panose="02030504000101010101" pitchFamily="18" charset="-127"/>
-            </a:endParaRPr>
-          </a:p>
-          <a:p>
-            <a:pPr>
-              <a:lnSpc>
-                <a:spcPct val="150000"/>
-              </a:lnSpc>
-            </a:pPr>
-            <a:r>
-              <a:rPr lang="ko-KR" altLang="en-US" dirty="0" smtClean="0">
-                <a:latin typeface="휴먼엑스포" panose="02030504000101010101" pitchFamily="18" charset="-127"/>
-                <a:ea typeface="휴먼엑스포" panose="02030504000101010101" pitchFamily="18" charset="-127"/>
-              </a:rPr>
-              <a:t>     </a:t>
-            </a:r>
-            <a:r>
-              <a:rPr lang="ko-KR" altLang="en-US" dirty="0" smtClean="0">
-                <a:latin typeface="굴림" panose="020B0600000101010101" pitchFamily="50" charset="-127"/>
-                <a:ea typeface="굴림" panose="020B0600000101010101" pitchFamily="50" charset="-127"/>
-              </a:rPr>
-              <a:t>이미지 파일 읽어와서 다른 이름으로 쓰기</a:t>
-            </a:r>
-            <a:endParaRPr lang="en-US" altLang="ko-KR" dirty="0" smtClean="0">
-              <a:latin typeface="굴림" panose="020B0600000101010101" pitchFamily="50" charset="-127"/>
-              <a:ea typeface="굴림" panose="020B0600000101010101" pitchFamily="50" charset="-127"/>
-            </a:endParaRPr>
-          </a:p>
-        </p:txBody>
-      </p:sp>
-      <p:pic>
-        <p:nvPicPr>
-          <p:cNvPr id="3" name="그림 2"/>
-          <p:cNvPicPr>
-            <a:picLocks noChangeAspect="1"/>
-          </p:cNvPicPr>
-          <p:nvPr/>
-        </p:nvPicPr>
-        <p:blipFill>
-          <a:blip r:embed="rId2">
-            <a:extLst>
-              <a:ext uri="{28A0092B-C50C-407E-A947-70E740481C1C}">
-                <a14:useLocalDpi xmlns:a14="http://schemas.microsoft.com/office/drawing/2010/main" val="0"/>
-              </a:ext>
-            </a:extLst>
-          </a:blip>
-          <a:stretch>
-            <a:fillRect/>
-          </a:stretch>
-        </p:blipFill>
-        <p:spPr>
-          <a:xfrm>
-            <a:off x="1759145" y="4437112"/>
-            <a:ext cx="5425911" cy="2057578"/>
-          </a:xfrm>
-          <a:prstGeom prst="rect">
-            <a:avLst/>
-          </a:prstGeom>
-          <a:ln>
-            <a:solidFill>
-              <a:schemeClr val="bg1">
-                <a:lumMod val="85000"/>
-              </a:schemeClr>
-            </a:solidFill>
-          </a:ln>
-        </p:spPr>
-      </p:pic>
-      <p:pic>
-        <p:nvPicPr>
-          <p:cNvPr id="6" name="그림 5"/>
-          <p:cNvPicPr>
-            <a:picLocks noChangeAspect="1"/>
-          </p:cNvPicPr>
-          <p:nvPr/>
-        </p:nvPicPr>
-        <p:blipFill>
-          <a:blip r:embed="rId3">
-            <a:extLst>
-              <a:ext uri="{28A0092B-C50C-407E-A947-70E740481C1C}">
-                <a14:useLocalDpi xmlns:a14="http://schemas.microsoft.com/office/drawing/2010/main" val="0"/>
-              </a:ext>
-            </a:extLst>
-          </a:blip>
-          <a:stretch>
-            <a:fillRect/>
-          </a:stretch>
-        </p:blipFill>
-        <p:spPr>
-          <a:xfrm>
-            <a:off x="1748733" y="2348880"/>
-            <a:ext cx="3384376" cy="1926285"/>
-          </a:xfrm>
-          <a:prstGeom prst="rect">
-            <a:avLst/>
-          </a:prstGeom>
-        </p:spPr>
-      </p:pic>
-    </p:spTree>
-    <p:extLst>
-      <p:ext uri="{BB962C8B-B14F-4D97-AF65-F5344CB8AC3E}">
-        <p14:creationId xmlns:p14="http://schemas.microsoft.com/office/powerpoint/2010/main" val="712168232"/>
-      </p:ext>
-    </p:extLst>
-  </p:cSld>
-  <p:clrMapOvr>
-    <a:masterClrMapping/>
-  </p:clrMapOvr>
-  <p:timing>
-    <p:tnLst>
-      <p:par>
-        <p:cTn id="1" dur="indefinite" restart="never" nodeType="tmRoot"/>
-      </p:par>
-    </p:tnLst>
-  </p:timing>
-</p:sld>
-</file>
-
-<file path=ppt/slides/slide32.xml><?xml version="1.0" encoding="utf-8"?>
-<p:sld xmlns:a="http://schemas.openxmlformats.org/drawingml/2006/main" xmlns:r="http://schemas.openxmlformats.org/officeDocument/2006/relationships" xmlns:p="http://schemas.openxmlformats.org/presentationml/2006/main">
-  <p:cSld>
-    <p:spTree>
-      <p:nvGrpSpPr>
-        <p:cNvPr id="1" name=""/>
-        <p:cNvGrpSpPr/>
-        <p:nvPr/>
-      </p:nvGrpSpPr>
-      <p:grpSpPr>
-        <a:xfrm>
-          <a:off x="0" y="0"/>
-          <a:ext cx="0" cy="0"/>
-          <a:chOff x="0" y="0"/>
-          <a:chExt cx="0" cy="0"/>
-        </a:xfrm>
-      </p:grpSpPr>
-      <p:sp>
-        <p:nvSpPr>
-          <p:cNvPr id="2" name="제목 1"/>
-          <p:cNvSpPr>
-            <a:spLocks noGrp="1"/>
-          </p:cNvSpPr>
-          <p:nvPr>
-            <p:ph type="title"/>
-          </p:nvPr>
-        </p:nvSpPr>
-        <p:spPr/>
-        <p:txBody>
-          <a:bodyPr>
-            <a:normAutofit/>
-          </a:bodyPr>
-          <a:lstStyle/>
-          <a:p>
-            <a:r>
-              <a:rPr lang="en-US" altLang="ko-KR" sz="2800" dirty="0" smtClean="0"/>
-              <a:t> </a:t>
-            </a:r>
-            <a:r>
-              <a:rPr lang="en-US" altLang="ko-KR" sz="2800" b="1" dirty="0" smtClean="0"/>
-              <a:t>pickle</a:t>
-            </a:r>
-            <a:r>
-              <a:rPr lang="en-US" altLang="ko-KR" sz="2800" dirty="0" smtClean="0"/>
-              <a:t> </a:t>
-            </a:r>
-            <a:r>
-              <a:rPr lang="ko-KR" altLang="en-US" sz="2800" dirty="0" smtClean="0"/>
-              <a:t>모듈</a:t>
-            </a:r>
-            <a:endParaRPr lang="ko-KR" altLang="en-US" sz="2800" dirty="0"/>
-          </a:p>
-        </p:txBody>
-      </p:sp>
-      <p:sp>
-        <p:nvSpPr>
-          <p:cNvPr id="4" name="슬라이드 번호 개체 틀 3"/>
-          <p:cNvSpPr>
-            <a:spLocks noGrp="1"/>
-          </p:cNvSpPr>
-          <p:nvPr>
-            <p:ph type="sldNum" sz="quarter" idx="12"/>
-          </p:nvPr>
-        </p:nvSpPr>
-        <p:spPr/>
-        <p:txBody>
-          <a:bodyPr/>
-          <a:lstStyle/>
-          <a:p>
-            <a:fld id="{1BDE3FE7-3AEA-4B05-AC5A-802D1816ACF0}" type="slidenum">
-              <a:rPr lang="ko-KR" altLang="en-US" smtClean="0"/>
-              <a:t>32</a:t>
             </a:fld>
             <a:endParaRPr lang="ko-KR" altLang="en-US"/>
           </a:p>
@@ -11891,14 +11750,14 @@
                 <a:gridCol w="1638717">
                   <a:extLst>
                     <a:ext uri="{9D8B030D-6E8A-4147-A177-3AD203B41FA5}">
-                      <a16:colId xmlns="" xmlns:a16="http://schemas.microsoft.com/office/drawing/2014/main" val="20000"/>
+                      <a16:colId xmlns:a16="http://schemas.microsoft.com/office/drawing/2014/main" val="20000"/>
                     </a:ext>
                   </a:extLst>
                 </a:gridCol>
                 <a:gridCol w="1266281">
                   <a:extLst>
                     <a:ext uri="{9D8B030D-6E8A-4147-A177-3AD203B41FA5}">
-                      <a16:colId xmlns="" xmlns:a16="http://schemas.microsoft.com/office/drawing/2014/main" val="20004"/>
+                      <a16:colId xmlns:a16="http://schemas.microsoft.com/office/drawing/2014/main" val="20004"/>
                     </a:ext>
                   </a:extLst>
                 </a:gridCol>
@@ -11973,7 +11832,7 @@
                 </a:tc>
                 <a:extLst>
                   <a:ext uri="{0D108BD9-81ED-4DB2-BD59-A6C34878D82A}">
-                    <a16:rowId xmlns="" xmlns:a16="http://schemas.microsoft.com/office/drawing/2014/main" val="10000"/>
+                    <a16:rowId xmlns:a16="http://schemas.microsoft.com/office/drawing/2014/main" val="10000"/>
                   </a:ext>
                 </a:extLst>
               </a:tr>
@@ -12034,7 +11893,7 @@
                 </a:tc>
                 <a:extLst>
                   <a:ext uri="{0D108BD9-81ED-4DB2-BD59-A6C34878D82A}">
-                    <a16:rowId xmlns="" xmlns:a16="http://schemas.microsoft.com/office/drawing/2014/main" val="10001"/>
+                    <a16:rowId xmlns:a16="http://schemas.microsoft.com/office/drawing/2014/main" val="10001"/>
                   </a:ext>
                 </a:extLst>
               </a:tr>
@@ -12095,7 +11954,7 @@
                 </a:tc>
                 <a:extLst>
                   <a:ext uri="{0D108BD9-81ED-4DB2-BD59-A6C34878D82A}">
-                    <a16:rowId xmlns="" xmlns:a16="http://schemas.microsoft.com/office/drawing/2014/main" val="10002"/>
+                    <a16:rowId xmlns:a16="http://schemas.microsoft.com/office/drawing/2014/main" val="10002"/>
                   </a:ext>
                 </a:extLst>
               </a:tr>
@@ -12123,7 +11982,7 @@
 </p:sld>
 </file>
 
-<file path=ppt/slides/slide33.xml><?xml version="1.0" encoding="utf-8"?>
+<file path=ppt/slides/slide32.xml><?xml version="1.0" encoding="utf-8"?>
 <p:sld xmlns:a="http://schemas.openxmlformats.org/drawingml/2006/main" xmlns:r="http://schemas.openxmlformats.org/officeDocument/2006/relationships" xmlns:p="http://schemas.openxmlformats.org/presentationml/2006/main">
   <p:cSld>
     <p:spTree>
@@ -12194,7 +12053,7 @@
           <a:p>
             <a:fld id="{1BDE3FE7-3AEA-4B05-AC5A-802D1816ACF0}" type="slidenum">
               <a:rPr lang="ko-KR" altLang="en-US" smtClean="0"/>
-              <a:t>33</a:t>
+              <a:t>32</a:t>
             </a:fld>
             <a:endParaRPr lang="ko-KR" altLang="en-US"/>
           </a:p>
@@ -12419,14 +12278,14 @@
                 <a:gridCol w="2234095">
                   <a:extLst>
                     <a:ext uri="{9D8B030D-6E8A-4147-A177-3AD203B41FA5}">
-                      <a16:colId xmlns="" xmlns:a16="http://schemas.microsoft.com/office/drawing/2014/main" val="20000"/>
+                      <a16:colId xmlns:a16="http://schemas.microsoft.com/office/drawing/2014/main" val="20000"/>
                     </a:ext>
                   </a:extLst>
                 </a:gridCol>
                 <a:gridCol w="1726345">
                   <a:extLst>
                     <a:ext uri="{9D8B030D-6E8A-4147-A177-3AD203B41FA5}">
-                      <a16:colId xmlns="" xmlns:a16="http://schemas.microsoft.com/office/drawing/2014/main" val="20004"/>
+                      <a16:colId xmlns:a16="http://schemas.microsoft.com/office/drawing/2014/main" val="20004"/>
                     </a:ext>
                   </a:extLst>
                 </a:gridCol>
@@ -12501,7 +12360,7 @@
                 </a:tc>
                 <a:extLst>
                   <a:ext uri="{0D108BD9-81ED-4DB2-BD59-A6C34878D82A}">
-                    <a16:rowId xmlns="" xmlns:a16="http://schemas.microsoft.com/office/drawing/2014/main" val="10000"/>
+                    <a16:rowId xmlns:a16="http://schemas.microsoft.com/office/drawing/2014/main" val="10000"/>
                   </a:ext>
                 </a:extLst>
               </a:tr>
@@ -12562,7 +12421,7 @@
                 </a:tc>
                 <a:extLst>
                   <a:ext uri="{0D108BD9-81ED-4DB2-BD59-A6C34878D82A}">
-                    <a16:rowId xmlns="" xmlns:a16="http://schemas.microsoft.com/office/drawing/2014/main" val="10001"/>
+                    <a16:rowId xmlns:a16="http://schemas.microsoft.com/office/drawing/2014/main" val="10001"/>
                   </a:ext>
                 </a:extLst>
               </a:tr>
@@ -12623,7 +12482,7 @@
                 </a:tc>
                 <a:extLst>
                   <a:ext uri="{0D108BD9-81ED-4DB2-BD59-A6C34878D82A}">
-                    <a16:rowId xmlns="" xmlns:a16="http://schemas.microsoft.com/office/drawing/2014/main" val="10002"/>
+                    <a16:rowId xmlns:a16="http://schemas.microsoft.com/office/drawing/2014/main" val="10002"/>
                   </a:ext>
                 </a:extLst>
               </a:tr>
@@ -12635,6 +12494,280 @@
     <p:extLst>
       <p:ext uri="{BB962C8B-B14F-4D97-AF65-F5344CB8AC3E}">
         <p14:creationId xmlns:p14="http://schemas.microsoft.com/office/powerpoint/2010/main" val="2015634143"/>
+      </p:ext>
+    </p:extLst>
+  </p:cSld>
+  <p:clrMapOvr>
+    <a:masterClrMapping/>
+  </p:clrMapOvr>
+  <p:timing>
+    <p:tnLst>
+      <p:par>
+        <p:cTn id="1" dur="indefinite" restart="never" nodeType="tmRoot"/>
+      </p:par>
+    </p:tnLst>
+  </p:timing>
+</p:sld>
+</file>
+
+<file path=ppt/slides/slide33.xml><?xml version="1.0" encoding="utf-8"?>
+<p:sld xmlns:a="http://schemas.openxmlformats.org/drawingml/2006/main" xmlns:r="http://schemas.openxmlformats.org/officeDocument/2006/relationships" xmlns:p="http://schemas.openxmlformats.org/presentationml/2006/main">
+  <p:cSld>
+    <p:spTree>
+      <p:nvGrpSpPr>
+        <p:cNvPr id="1" name=""/>
+        <p:cNvGrpSpPr/>
+        <p:nvPr/>
+      </p:nvGrpSpPr>
+      <p:grpSpPr>
+        <a:xfrm>
+          <a:off x="0" y="0"/>
+          <a:ext cx="0" cy="0"/>
+          <a:chOff x="0" y="0"/>
+          <a:chExt cx="0" cy="0"/>
+        </a:xfrm>
+      </p:grpSpPr>
+      <p:sp>
+        <p:nvSpPr>
+          <p:cNvPr id="2" name="제목 1"/>
+          <p:cNvSpPr>
+            <a:spLocks noGrp="1"/>
+          </p:cNvSpPr>
+          <p:nvPr>
+            <p:ph type="title"/>
+          </p:nvPr>
+        </p:nvSpPr>
+        <p:spPr/>
+        <p:txBody>
+          <a:bodyPr>
+            <a:normAutofit/>
+          </a:bodyPr>
+          <a:lstStyle/>
+          <a:p>
+            <a:r>
+              <a:rPr lang="en-US" altLang="ko-KR" sz="2800" dirty="0" smtClean="0"/>
+              <a:t> </a:t>
+            </a:r>
+            <a:r>
+              <a:rPr lang="en-US" altLang="ko-KR" sz="2800" b="1" dirty="0" smtClean="0"/>
+              <a:t>pickle</a:t>
+            </a:r>
+            <a:r>
+              <a:rPr lang="en-US" altLang="ko-KR" sz="2800" dirty="0" smtClean="0"/>
+              <a:t> </a:t>
+            </a:r>
+            <a:r>
+              <a:rPr lang="ko-KR" altLang="en-US" sz="2800" dirty="0" smtClean="0"/>
+              <a:t>모듈</a:t>
+            </a:r>
+            <a:endParaRPr lang="ko-KR" altLang="en-US" sz="2800" dirty="0"/>
+          </a:p>
+        </p:txBody>
+      </p:sp>
+      <p:sp>
+        <p:nvSpPr>
+          <p:cNvPr id="4" name="슬라이드 번호 개체 틀 3"/>
+          <p:cNvSpPr>
+            <a:spLocks noGrp="1"/>
+          </p:cNvSpPr>
+          <p:nvPr>
+            <p:ph type="sldNum" sz="quarter" idx="12"/>
+          </p:nvPr>
+        </p:nvSpPr>
+        <p:spPr/>
+        <p:txBody>
+          <a:bodyPr/>
+          <a:lstStyle/>
+          <a:p>
+            <a:fld id="{1BDE3FE7-3AEA-4B05-AC5A-802D1816ACF0}" type="slidenum">
+              <a:rPr lang="ko-KR" altLang="en-US" smtClean="0"/>
+              <a:t>33</a:t>
+            </a:fld>
+            <a:endParaRPr lang="ko-KR" altLang="en-US"/>
+          </a:p>
+        </p:txBody>
+      </p:sp>
+      <p:sp>
+        <p:nvSpPr>
+          <p:cNvPr id="18" name="모서리가 둥근 직사각형 17"/>
+          <p:cNvSpPr/>
+          <p:nvPr/>
+        </p:nvSpPr>
+        <p:spPr>
+          <a:xfrm>
+            <a:off x="1234630" y="1196752"/>
+            <a:ext cx="4510458" cy="685658"/>
+          </a:xfrm>
+          <a:prstGeom prst="roundRect">
+            <a:avLst/>
+          </a:prstGeom>
+          <a:ln>
+            <a:noFill/>
+          </a:ln>
+        </p:spPr>
+        <p:style>
+          <a:lnRef idx="2">
+            <a:schemeClr val="dk1"/>
+          </a:lnRef>
+          <a:fillRef idx="1">
+            <a:schemeClr val="lt1"/>
+          </a:fillRef>
+          <a:effectRef idx="0">
+            <a:schemeClr val="dk1"/>
+          </a:effectRef>
+          <a:fontRef idx="minor">
+            <a:schemeClr val="dk1"/>
+          </a:fontRef>
+        </p:style>
+        <p:txBody>
+          <a:bodyPr rtlCol="0" anchor="ctr"/>
+          <a:lstStyle/>
+          <a:p>
+            <a:pPr>
+              <a:lnSpc>
+                <a:spcPct val="150000"/>
+              </a:lnSpc>
+            </a:pPr>
+            <a:r>
+              <a:rPr lang="ko-KR" altLang="en-US" dirty="0" smtClean="0">
+                <a:solidFill>
+                  <a:sysClr val="windowText" lastClr="000000"/>
+                </a:solidFill>
+              </a:rPr>
+              <a:t>◎</a:t>
+            </a:r>
+            <a:r>
+              <a:rPr lang="en-US" altLang="ko-KR" dirty="0" smtClean="0">
+                <a:solidFill>
+                  <a:sysClr val="windowText" lastClr="000000"/>
+                </a:solidFill>
+              </a:rPr>
+              <a:t> </a:t>
+            </a:r>
+            <a:r>
+              <a:rPr lang="ko-KR" altLang="en-US" sz="2000" b="1" dirty="0" smtClean="0">
+                <a:solidFill>
+                  <a:sysClr val="windowText" lastClr="000000"/>
+                </a:solidFill>
+              </a:rPr>
+              <a:t>객체 자료 쓰고 읽기</a:t>
+            </a:r>
+            <a:endParaRPr lang="en-US" altLang="ko-KR" dirty="0" smtClean="0">
+              <a:solidFill>
+                <a:sysClr val="windowText" lastClr="000000"/>
+              </a:solidFill>
+            </a:endParaRPr>
+          </a:p>
+        </p:txBody>
+      </p:sp>
+      <p:pic>
+        <p:nvPicPr>
+          <p:cNvPr id="3" name="그림 2"/>
+          <p:cNvPicPr>
+            <a:picLocks noChangeAspect="1"/>
+          </p:cNvPicPr>
+          <p:nvPr/>
+        </p:nvPicPr>
+        <p:blipFill>
+          <a:blip r:embed="rId2">
+            <a:extLst>
+              <a:ext uri="{28A0092B-C50C-407E-A947-70E740481C1C}">
+                <a14:useLocalDpi xmlns:a14="http://schemas.microsoft.com/office/drawing/2010/main" val="0"/>
+              </a:ext>
+            </a:extLst>
+          </a:blip>
+          <a:stretch>
+            <a:fillRect/>
+          </a:stretch>
+        </p:blipFill>
+        <p:spPr>
+          <a:xfrm>
+            <a:off x="1712641" y="2013586"/>
+            <a:ext cx="4608834" cy="3719670"/>
+          </a:xfrm>
+          <a:prstGeom prst="rect">
+            <a:avLst/>
+          </a:prstGeom>
+          <a:ln>
+            <a:solidFill>
+              <a:schemeClr val="bg1">
+                <a:lumMod val="85000"/>
+              </a:schemeClr>
+            </a:solidFill>
+          </a:ln>
+        </p:spPr>
+      </p:pic>
+      <p:pic>
+        <p:nvPicPr>
+          <p:cNvPr id="5" name="그림 4"/>
+          <p:cNvPicPr>
+            <a:picLocks noChangeAspect="1"/>
+          </p:cNvPicPr>
+          <p:nvPr/>
+        </p:nvPicPr>
+        <p:blipFill>
+          <a:blip r:embed="rId3">
+            <a:extLst>
+              <a:ext uri="{28A0092B-C50C-407E-A947-70E740481C1C}">
+                <a14:useLocalDpi xmlns:a14="http://schemas.microsoft.com/office/drawing/2010/main" val="0"/>
+              </a:ext>
+            </a:extLst>
+          </a:blip>
+          <a:stretch>
+            <a:fillRect/>
+          </a:stretch>
+        </p:blipFill>
+        <p:spPr>
+          <a:xfrm>
+            <a:off x="5097015" y="4797153"/>
+            <a:ext cx="3744417" cy="654288"/>
+          </a:xfrm>
+          <a:prstGeom prst="rect">
+            <a:avLst/>
+          </a:prstGeom>
+          <a:ln>
+            <a:solidFill>
+              <a:schemeClr val="bg1">
+                <a:lumMod val="85000"/>
+              </a:schemeClr>
+            </a:solidFill>
+          </a:ln>
+        </p:spPr>
+      </p:pic>
+      <p:pic>
+        <p:nvPicPr>
+          <p:cNvPr id="6" name="그림 5"/>
+          <p:cNvPicPr>
+            <a:picLocks noChangeAspect="1"/>
+          </p:cNvPicPr>
+          <p:nvPr/>
+        </p:nvPicPr>
+        <p:blipFill>
+          <a:blip r:embed="rId4">
+            <a:extLst>
+              <a:ext uri="{28A0092B-C50C-407E-A947-70E740481C1C}">
+                <a14:useLocalDpi xmlns:a14="http://schemas.microsoft.com/office/drawing/2010/main" val="0"/>
+              </a:ext>
+            </a:extLst>
+          </a:blip>
+          <a:stretch>
+            <a:fillRect/>
+          </a:stretch>
+        </p:blipFill>
+        <p:spPr>
+          <a:xfrm>
+            <a:off x="1694859" y="6109264"/>
+            <a:ext cx="6480720" cy="275918"/>
+          </a:xfrm>
+          <a:prstGeom prst="rect">
+            <a:avLst/>
+          </a:prstGeom>
+        </p:spPr>
+      </p:pic>
+    </p:spTree>
+    <p:extLst>
+      <p:ext uri="{BB962C8B-B14F-4D97-AF65-F5344CB8AC3E}">
+        <p14:creationId xmlns:p14="http://schemas.microsoft.com/office/powerpoint/2010/main" val="544749589"/>
       </p:ext>
     </p:extLst>
   </p:cSld>
@@ -12686,20 +12819,12 @@
           <a:lstStyle/>
           <a:p>
             <a:r>
-              <a:rPr lang="en-US" altLang="ko-KR" sz="2800" dirty="0" smtClean="0"/>
+              <a:rPr lang="en-US" altLang="ko-KR" sz="2800" dirty="0"/>
               <a:t> </a:t>
             </a:r>
             <a:r>
-              <a:rPr lang="en-US" altLang="ko-KR" sz="2800" b="1" dirty="0" smtClean="0"/>
-              <a:t>pickle</a:t>
-            </a:r>
-            <a:r>
-              <a:rPr lang="en-US" altLang="ko-KR" sz="2800" dirty="0" smtClean="0"/>
-              <a:t> </a:t>
-            </a:r>
-            <a:r>
-              <a:rPr lang="ko-KR" altLang="en-US" sz="2800" dirty="0" smtClean="0"/>
-              <a:t>모듈</a:t>
+              <a:rPr lang="ko-KR" altLang="en-US" dirty="0" smtClean="0"/>
+              <a:t>로그인 구현 예제</a:t>
             </a:r>
             <a:endParaRPr lang="ko-KR" altLang="en-US" sz="2800" dirty="0"/>
           </a:p>
@@ -12730,80 +12855,264 @@
       </p:sp>
       <p:sp>
         <p:nvSpPr>
-          <p:cNvPr id="18" name="모서리가 둥근 직사각형 17"/>
-          <p:cNvSpPr/>
+          <p:cNvPr id="14" name="TextBox 13"/>
+          <p:cNvSpPr txBox="1"/>
           <p:nvPr/>
         </p:nvSpPr>
         <p:spPr>
           <a:xfrm>
-            <a:off x="1234630" y="1196752"/>
-            <a:ext cx="4510458" cy="685658"/>
-          </a:xfrm>
-          <a:prstGeom prst="roundRect">
+            <a:off x="1280592" y="1124744"/>
+            <a:ext cx="7704856" cy="5355312"/>
+          </a:xfrm>
+          <a:prstGeom prst="rect">
             <a:avLst/>
           </a:prstGeom>
-          <a:ln>
-            <a:noFill/>
-          </a:ln>
-        </p:spPr>
-        <p:style>
-          <a:lnRef idx="2">
-            <a:schemeClr val="dk1"/>
-          </a:lnRef>
-          <a:fillRef idx="1">
-            <a:schemeClr val="lt1"/>
-          </a:fillRef>
-          <a:effectRef idx="0">
-            <a:schemeClr val="dk1"/>
-          </a:effectRef>
-          <a:fontRef idx="minor">
-            <a:schemeClr val="dk1"/>
-          </a:fontRef>
-        </p:style>
-        <p:txBody>
-          <a:bodyPr rtlCol="0" anchor="ctr"/>
-          <a:lstStyle/>
+          <a:noFill/>
+        </p:spPr>
+        <p:txBody>
+          <a:bodyPr wrap="square" rtlCol="0">
+            <a:spAutoFit/>
+          </a:bodyPr>
+          <a:lstStyle/>
+          <a:p>
+            <a:pPr marL="342900" indent="-342900">
+              <a:lnSpc>
+                <a:spcPct val="150000"/>
+              </a:lnSpc>
+              <a:buFont typeface="Wingdings" panose="05000000000000000000" pitchFamily="2" charset="2"/>
+              <a:buChar char="v"/>
+            </a:pPr>
+            <a:r>
+              <a:rPr lang="ko-KR" altLang="en-US" sz="2000" dirty="0" smtClean="0"/>
+              <a:t>로그인 구현하기</a:t>
+            </a:r>
+            <a:endParaRPr lang="en-US" altLang="ko-KR" sz="2000" dirty="0" smtClean="0"/>
+          </a:p>
           <a:p>
             <a:pPr>
               <a:lnSpc>
                 <a:spcPct val="150000"/>
               </a:lnSpc>
             </a:pPr>
-            <a:r>
-              <a:rPr lang="ko-KR" altLang="en-US" dirty="0" smtClean="0">
-                <a:solidFill>
-                  <a:sysClr val="windowText" lastClr="000000"/>
-                </a:solidFill>
-              </a:rPr>
-              <a:t>◎</a:t>
-            </a:r>
-            <a:r>
-              <a:rPr lang="en-US" altLang="ko-KR" dirty="0" smtClean="0">
-                <a:solidFill>
-                  <a:sysClr val="windowText" lastClr="000000"/>
-                </a:solidFill>
-              </a:rPr>
+            <a:endParaRPr lang="en-US" altLang="ko-KR" sz="2000" dirty="0"/>
+          </a:p>
+          <a:p>
+            <a:pPr>
+              <a:lnSpc>
+                <a:spcPct val="150000"/>
+              </a:lnSpc>
+            </a:pPr>
+            <a:endParaRPr lang="en-US" altLang="ko-KR" sz="2000" dirty="0" smtClean="0"/>
+          </a:p>
+          <a:p>
+            <a:pPr>
+              <a:lnSpc>
+                <a:spcPct val="150000"/>
+              </a:lnSpc>
+            </a:pPr>
+            <a:endParaRPr lang="en-US" altLang="ko-KR" sz="2000" dirty="0"/>
+          </a:p>
+          <a:p>
+            <a:pPr>
+              <a:lnSpc>
+                <a:spcPct val="150000"/>
+              </a:lnSpc>
+            </a:pPr>
+            <a:endParaRPr lang="en-US" altLang="ko-KR" sz="2000" dirty="0" smtClean="0"/>
+          </a:p>
+          <a:p>
+            <a:pPr>
+              <a:lnSpc>
+                <a:spcPct val="150000"/>
+              </a:lnSpc>
+            </a:pPr>
+            <a:endParaRPr lang="en-US" altLang="ko-KR" sz="1600" dirty="0" smtClean="0"/>
+          </a:p>
+          <a:p>
+            <a:pPr>
+              <a:lnSpc>
+                <a:spcPct val="150000"/>
+              </a:lnSpc>
+            </a:pPr>
+            <a:endParaRPr lang="en-US" altLang="ko-KR" sz="1600" dirty="0" smtClean="0"/>
+          </a:p>
+          <a:p>
+            <a:pPr marL="914400" lvl="1" indent="-457200">
+              <a:lnSpc>
+                <a:spcPct val="150000"/>
+              </a:lnSpc>
+              <a:buFont typeface="Arial" panose="020B0604020202020204" pitchFamily="34" charset="0"/>
+              <a:buChar char="•"/>
+            </a:pPr>
+            <a:r>
+              <a:rPr lang="ko-KR" altLang="en-US" sz="1600" dirty="0" smtClean="0"/>
+              <a:t>아이디와 비밀번호를 입력 받는다</a:t>
+            </a:r>
+            <a:r>
+              <a:rPr lang="en-US" altLang="ko-KR" sz="1600" dirty="0" smtClean="0"/>
+              <a:t>.</a:t>
+            </a:r>
+          </a:p>
+          <a:p>
+            <a:pPr lvl="1">
+              <a:lnSpc>
+                <a:spcPct val="150000"/>
+              </a:lnSpc>
+            </a:pPr>
+            <a:r>
+              <a:rPr lang="en-US" altLang="ko-KR" sz="1600" dirty="0"/>
               <a:t> </a:t>
             </a:r>
             <a:r>
-              <a:rPr lang="ko-KR" altLang="en-US" sz="2000" b="1" dirty="0" smtClean="0">
-                <a:solidFill>
-                  <a:sysClr val="windowText" lastClr="000000"/>
-                </a:solidFill>
-              </a:rPr>
-              <a:t>객체 자료 쓰고 읽기</a:t>
-            </a:r>
-            <a:endParaRPr lang="en-US" altLang="ko-KR" dirty="0" smtClean="0">
-              <a:solidFill>
-                <a:sysClr val="windowText" lastClr="000000"/>
-              </a:solidFill>
-            </a:endParaRPr>
+              <a:rPr lang="en-US" altLang="ko-KR" sz="1600" dirty="0" smtClean="0"/>
+              <a:t>     (</a:t>
+            </a:r>
+            <a:r>
+              <a:rPr lang="ko-KR" altLang="en-US" sz="1600" dirty="0" smtClean="0"/>
+              <a:t>비밀번호를 표시하지 않도록 </a:t>
+            </a:r>
+            <a:r>
+              <a:rPr lang="en-US" altLang="ko-KR" sz="1600" dirty="0" err="1" smtClean="0"/>
+              <a:t>getpass</a:t>
+            </a:r>
+            <a:r>
+              <a:rPr lang="en-US" altLang="ko-KR" sz="1600" dirty="0" smtClean="0"/>
+              <a:t> </a:t>
+            </a:r>
+            <a:r>
+              <a:rPr lang="ko-KR" altLang="en-US" sz="1600" dirty="0" smtClean="0"/>
+              <a:t>모듈을 </a:t>
+            </a:r>
+            <a:r>
+              <a:rPr lang="en-US" altLang="ko-KR" sz="1600" dirty="0" smtClean="0"/>
+              <a:t>import</a:t>
+            </a:r>
+            <a:r>
+              <a:rPr lang="ko-KR" altLang="en-US" sz="1600" dirty="0" smtClean="0"/>
+              <a:t>함</a:t>
+            </a:r>
+            <a:r>
+              <a:rPr lang="en-US" altLang="ko-KR" sz="1600" dirty="0" smtClean="0"/>
+              <a:t>)</a:t>
+            </a:r>
+          </a:p>
+          <a:p>
+            <a:pPr marL="914400" lvl="1" indent="-457200">
+              <a:lnSpc>
+                <a:spcPct val="150000"/>
+              </a:lnSpc>
+              <a:buFont typeface="Arial" panose="020B0604020202020204" pitchFamily="34" charset="0"/>
+              <a:buChar char="•"/>
+            </a:pPr>
+            <a:r>
+              <a:rPr lang="en-US" altLang="ko-KR" sz="1600" dirty="0" smtClean="0"/>
+              <a:t>member.txt </a:t>
+            </a:r>
+            <a:r>
+              <a:rPr lang="ko-KR" altLang="en-US" sz="1600" dirty="0" smtClean="0"/>
+              <a:t>읽어온다</a:t>
+            </a:r>
+            <a:r>
+              <a:rPr lang="en-US" altLang="ko-KR" sz="1600" dirty="0" smtClean="0"/>
+              <a:t>.</a:t>
+            </a:r>
+          </a:p>
+          <a:p>
+            <a:pPr marL="914400" lvl="1" indent="-457200">
+              <a:lnSpc>
+                <a:spcPct val="150000"/>
+              </a:lnSpc>
+              <a:buFont typeface="Arial" panose="020B0604020202020204" pitchFamily="34" charset="0"/>
+              <a:buChar char="•"/>
+            </a:pPr>
+            <a:r>
+              <a:rPr lang="ko-KR" altLang="en-US" sz="1600" dirty="0" smtClean="0"/>
+              <a:t>아이디와 비밀번호를 </a:t>
+            </a:r>
+            <a:r>
+              <a:rPr lang="en-US" altLang="ko-KR" sz="1600" dirty="0" smtClean="0"/>
+              <a:t>2</a:t>
+            </a:r>
+            <a:r>
+              <a:rPr lang="ko-KR" altLang="en-US" sz="1600" dirty="0" smtClean="0"/>
+              <a:t>차원 리스트로 만든다</a:t>
+            </a:r>
+            <a:r>
+              <a:rPr lang="en-US" altLang="ko-KR" sz="1600" dirty="0" smtClean="0"/>
+              <a:t>.</a:t>
+            </a:r>
+          </a:p>
+          <a:p>
+            <a:pPr marL="914400" lvl="1" indent="-457200">
+              <a:lnSpc>
+                <a:spcPct val="150000"/>
+              </a:lnSpc>
+              <a:buFont typeface="Arial" panose="020B0604020202020204" pitchFamily="34" charset="0"/>
+              <a:buChar char="•"/>
+            </a:pPr>
+            <a:r>
+              <a:rPr lang="ko-KR" altLang="en-US" sz="1600" dirty="0" smtClean="0"/>
+              <a:t>입력한 아이디와 비번이 </a:t>
+            </a:r>
+            <a:r>
+              <a:rPr lang="en-US" altLang="ko-KR" sz="1600" dirty="0" smtClean="0"/>
+              <a:t>member.txt</a:t>
+            </a:r>
+            <a:r>
+              <a:rPr lang="ko-KR" altLang="en-US" sz="1600" dirty="0" smtClean="0"/>
+              <a:t>와 일치하면 </a:t>
+            </a:r>
+            <a:endParaRPr lang="en-US" altLang="ko-KR" sz="1600" dirty="0" smtClean="0"/>
+          </a:p>
+          <a:p>
+            <a:pPr lvl="1">
+              <a:lnSpc>
+                <a:spcPct val="150000"/>
+              </a:lnSpc>
+            </a:pPr>
+            <a:r>
+              <a:rPr lang="en-US" altLang="ko-KR" sz="1600" dirty="0" smtClean="0"/>
+              <a:t>      ‘</a:t>
+            </a:r>
+            <a:r>
+              <a:rPr lang="ko-KR" altLang="en-US" sz="1600" dirty="0" err="1" smtClean="0"/>
+              <a:t>로그인에</a:t>
+            </a:r>
+            <a:r>
+              <a:rPr lang="ko-KR" altLang="en-US" sz="1600" dirty="0" smtClean="0"/>
+              <a:t> 성공했습니다</a:t>
+            </a:r>
+            <a:r>
+              <a:rPr lang="en-US" altLang="ko-KR" sz="1600" dirty="0" smtClean="0"/>
+              <a:t>.’ </a:t>
+            </a:r>
+            <a:r>
+              <a:rPr lang="ko-KR" altLang="en-US" sz="1600" dirty="0" smtClean="0"/>
+              <a:t>아니면 </a:t>
+            </a:r>
+            <a:r>
+              <a:rPr lang="en-US" altLang="ko-KR" sz="1600" dirty="0" smtClean="0"/>
+              <a:t>‘</a:t>
+            </a:r>
+            <a:r>
+              <a:rPr lang="ko-KR" altLang="en-US" sz="1600" dirty="0" smtClean="0"/>
+              <a:t>아이디나 비번이 다릅니다</a:t>
+            </a:r>
+            <a:r>
+              <a:rPr lang="en-US" altLang="ko-KR" sz="1600" dirty="0" smtClean="0"/>
+              <a:t>.’ </a:t>
+            </a:r>
+            <a:r>
+              <a:rPr lang="ko-KR" altLang="en-US" sz="1600" dirty="0" smtClean="0"/>
+              <a:t>표시</a:t>
+            </a:r>
+            <a:endParaRPr lang="en-US" altLang="ko-KR" sz="1600" dirty="0" smtClean="0"/>
           </a:p>
         </p:txBody>
       </p:sp>
       <p:pic>
         <p:nvPicPr>
-          <p:cNvPr id="3" name="그림 2"/>
+          <p:cNvPr id="7" name="그림 6"/>
           <p:cNvPicPr>
             <a:picLocks noChangeAspect="1"/>
           </p:cNvPicPr>
@@ -12823,8 +13132,8 @@
         </p:blipFill>
         <p:spPr>
           <a:xfrm>
-            <a:off x="1712641" y="2013586"/>
-            <a:ext cx="4608834" cy="3719670"/>
+            <a:off x="1928664" y="1774104"/>
+            <a:ext cx="3672408" cy="2047566"/>
           </a:xfrm>
           <a:prstGeom prst="rect">
             <a:avLst/>
@@ -12838,77 +13147,10 @@
           </a:ln>
         </p:spPr>
       </p:pic>
-      <p:pic>
-        <p:nvPicPr>
-          <p:cNvPr id="5" name="그림 4"/>
-          <p:cNvPicPr>
-            <a:picLocks noChangeAspect="1"/>
-          </p:cNvPicPr>
-          <p:nvPr/>
-        </p:nvPicPr>
-        <p:blipFill>
-          <a:blip r:embed="rId3">
-            <a:extLst>
-              <a:ext uri="{28A0092B-C50C-407E-A947-70E740481C1C}">
-                <a14:useLocalDpi xmlns:a14="http://schemas.microsoft.com/office/drawing/2010/main" val="0"/>
-              </a:ext>
-            </a:extLst>
-          </a:blip>
-          <a:stretch>
-            <a:fillRect/>
-          </a:stretch>
-        </p:blipFill>
-        <p:spPr>
-          <a:xfrm>
-            <a:off x="5097015" y="4797153"/>
-            <a:ext cx="3744417" cy="654288"/>
-          </a:xfrm>
-          <a:prstGeom prst="rect">
-            <a:avLst/>
-          </a:prstGeom>
-          <a:ln>
-            <a:solidFill>
-              <a:schemeClr val="bg1">
-                <a:lumMod val="85000"/>
-              </a:schemeClr>
-            </a:solidFill>
-          </a:ln>
-        </p:spPr>
-      </p:pic>
-      <p:pic>
-        <p:nvPicPr>
-          <p:cNvPr id="6" name="그림 5"/>
-          <p:cNvPicPr>
-            <a:picLocks noChangeAspect="1"/>
-          </p:cNvPicPr>
-          <p:nvPr/>
-        </p:nvPicPr>
-        <p:blipFill>
-          <a:blip r:embed="rId4">
-            <a:extLst>
-              <a:ext uri="{28A0092B-C50C-407E-A947-70E740481C1C}">
-                <a14:useLocalDpi xmlns:a14="http://schemas.microsoft.com/office/drawing/2010/main" val="0"/>
-              </a:ext>
-            </a:extLst>
-          </a:blip>
-          <a:stretch>
-            <a:fillRect/>
-          </a:stretch>
-        </p:blipFill>
-        <p:spPr>
-          <a:xfrm>
-            <a:off x="1694859" y="6109264"/>
-            <a:ext cx="6480720" cy="275918"/>
-          </a:xfrm>
-          <a:prstGeom prst="rect">
-            <a:avLst/>
-          </a:prstGeom>
-        </p:spPr>
-      </p:pic>
     </p:spTree>
     <p:extLst>
       <p:ext uri="{BB962C8B-B14F-4D97-AF65-F5344CB8AC3E}">
-        <p14:creationId xmlns:p14="http://schemas.microsoft.com/office/powerpoint/2010/main" val="544749589"/>
+        <p14:creationId xmlns:p14="http://schemas.microsoft.com/office/powerpoint/2010/main" val="698855782"/>
       </p:ext>
     </p:extLst>
   </p:cSld>
@@ -12989,389 +13231,6 @@
             <a:fld id="{1BDE3FE7-3AEA-4B05-AC5A-802D1816ACF0}" type="slidenum">
               <a:rPr lang="ko-KR" altLang="en-US" smtClean="0"/>
               <a:t>35</a:t>
-            </a:fld>
-            <a:endParaRPr lang="ko-KR" altLang="en-US"/>
-          </a:p>
-        </p:txBody>
-      </p:sp>
-      <p:sp>
-        <p:nvSpPr>
-          <p:cNvPr id="14" name="TextBox 13"/>
-          <p:cNvSpPr txBox="1"/>
-          <p:nvPr/>
-        </p:nvSpPr>
-        <p:spPr>
-          <a:xfrm>
-            <a:off x="1280592" y="1124744"/>
-            <a:ext cx="7704856" cy="5355312"/>
-          </a:xfrm>
-          <a:prstGeom prst="rect">
-            <a:avLst/>
-          </a:prstGeom>
-          <a:noFill/>
-        </p:spPr>
-        <p:txBody>
-          <a:bodyPr wrap="square" rtlCol="0">
-            <a:spAutoFit/>
-          </a:bodyPr>
-          <a:lstStyle/>
-          <a:p>
-            <a:pPr marL="342900" indent="-342900">
-              <a:lnSpc>
-                <a:spcPct val="150000"/>
-              </a:lnSpc>
-              <a:buFont typeface="Wingdings" panose="05000000000000000000" pitchFamily="2" charset="2"/>
-              <a:buChar char="v"/>
-            </a:pPr>
-            <a:r>
-              <a:rPr lang="ko-KR" altLang="en-US" sz="2000" dirty="0" smtClean="0"/>
-              <a:t>로그인 구현하기</a:t>
-            </a:r>
-            <a:endParaRPr lang="en-US" altLang="ko-KR" sz="2000" dirty="0" smtClean="0"/>
-          </a:p>
-          <a:p>
-            <a:pPr>
-              <a:lnSpc>
-                <a:spcPct val="150000"/>
-              </a:lnSpc>
-            </a:pPr>
-            <a:endParaRPr lang="en-US" altLang="ko-KR" sz="2000" dirty="0"/>
-          </a:p>
-          <a:p>
-            <a:pPr>
-              <a:lnSpc>
-                <a:spcPct val="150000"/>
-              </a:lnSpc>
-            </a:pPr>
-            <a:endParaRPr lang="en-US" altLang="ko-KR" sz="2000" dirty="0" smtClean="0"/>
-          </a:p>
-          <a:p>
-            <a:pPr>
-              <a:lnSpc>
-                <a:spcPct val="150000"/>
-              </a:lnSpc>
-            </a:pPr>
-            <a:endParaRPr lang="en-US" altLang="ko-KR" sz="2000" dirty="0"/>
-          </a:p>
-          <a:p>
-            <a:pPr>
-              <a:lnSpc>
-                <a:spcPct val="150000"/>
-              </a:lnSpc>
-            </a:pPr>
-            <a:endParaRPr lang="en-US" altLang="ko-KR" sz="2000" dirty="0" smtClean="0"/>
-          </a:p>
-          <a:p>
-            <a:pPr>
-              <a:lnSpc>
-                <a:spcPct val="150000"/>
-              </a:lnSpc>
-            </a:pPr>
-            <a:endParaRPr lang="en-US" altLang="ko-KR" sz="1600" dirty="0" smtClean="0"/>
-          </a:p>
-          <a:p>
-            <a:pPr>
-              <a:lnSpc>
-                <a:spcPct val="150000"/>
-              </a:lnSpc>
-            </a:pPr>
-            <a:endParaRPr lang="en-US" altLang="ko-KR" sz="1600" dirty="0" smtClean="0"/>
-          </a:p>
-          <a:p>
-            <a:pPr marL="914400" lvl="1" indent="-457200">
-              <a:lnSpc>
-                <a:spcPct val="150000"/>
-              </a:lnSpc>
-              <a:buFont typeface="Arial" panose="020B0604020202020204" pitchFamily="34" charset="0"/>
-              <a:buChar char="•"/>
-            </a:pPr>
-            <a:r>
-              <a:rPr lang="ko-KR" altLang="en-US" sz="1600" dirty="0" smtClean="0"/>
-              <a:t>아이디와 비밀번호를 입력 받는다</a:t>
-            </a:r>
-            <a:r>
-              <a:rPr lang="en-US" altLang="ko-KR" sz="1600" dirty="0" smtClean="0"/>
-              <a:t>.</a:t>
-            </a:r>
-          </a:p>
-          <a:p>
-            <a:pPr lvl="1">
-              <a:lnSpc>
-                <a:spcPct val="150000"/>
-              </a:lnSpc>
-            </a:pPr>
-            <a:r>
-              <a:rPr lang="en-US" altLang="ko-KR" sz="1600" dirty="0"/>
-              <a:t> </a:t>
-            </a:r>
-            <a:r>
-              <a:rPr lang="en-US" altLang="ko-KR" sz="1600" dirty="0" smtClean="0"/>
-              <a:t>     (</a:t>
-            </a:r>
-            <a:r>
-              <a:rPr lang="ko-KR" altLang="en-US" sz="1600" dirty="0" smtClean="0"/>
-              <a:t>비밀번호를 표시하지 않도록 </a:t>
-            </a:r>
-            <a:r>
-              <a:rPr lang="en-US" altLang="ko-KR" sz="1600" dirty="0" err="1" smtClean="0"/>
-              <a:t>getpass</a:t>
-            </a:r>
-            <a:r>
-              <a:rPr lang="en-US" altLang="ko-KR" sz="1600" dirty="0" smtClean="0"/>
-              <a:t> </a:t>
-            </a:r>
-            <a:r>
-              <a:rPr lang="ko-KR" altLang="en-US" sz="1600" dirty="0" smtClean="0"/>
-              <a:t>모듈을 </a:t>
-            </a:r>
-            <a:r>
-              <a:rPr lang="en-US" altLang="ko-KR" sz="1600" dirty="0" smtClean="0"/>
-              <a:t>import</a:t>
-            </a:r>
-            <a:r>
-              <a:rPr lang="ko-KR" altLang="en-US" sz="1600" dirty="0" smtClean="0"/>
-              <a:t>함</a:t>
-            </a:r>
-            <a:r>
-              <a:rPr lang="en-US" altLang="ko-KR" sz="1600" dirty="0" smtClean="0"/>
-              <a:t>)</a:t>
-            </a:r>
-          </a:p>
-          <a:p>
-            <a:pPr marL="914400" lvl="1" indent="-457200">
-              <a:lnSpc>
-                <a:spcPct val="150000"/>
-              </a:lnSpc>
-              <a:buFont typeface="Arial" panose="020B0604020202020204" pitchFamily="34" charset="0"/>
-              <a:buChar char="•"/>
-            </a:pPr>
-            <a:r>
-              <a:rPr lang="en-US" altLang="ko-KR" sz="1600" dirty="0" smtClean="0"/>
-              <a:t>member.txt </a:t>
-            </a:r>
-            <a:r>
-              <a:rPr lang="ko-KR" altLang="en-US" sz="1600" dirty="0" smtClean="0"/>
-              <a:t>읽어온다</a:t>
-            </a:r>
-            <a:r>
-              <a:rPr lang="en-US" altLang="ko-KR" sz="1600" dirty="0" smtClean="0"/>
-              <a:t>.</a:t>
-            </a:r>
-          </a:p>
-          <a:p>
-            <a:pPr marL="914400" lvl="1" indent="-457200">
-              <a:lnSpc>
-                <a:spcPct val="150000"/>
-              </a:lnSpc>
-              <a:buFont typeface="Arial" panose="020B0604020202020204" pitchFamily="34" charset="0"/>
-              <a:buChar char="•"/>
-            </a:pPr>
-            <a:r>
-              <a:rPr lang="ko-KR" altLang="en-US" sz="1600" dirty="0" smtClean="0"/>
-              <a:t>아이디와 비밀번호를 </a:t>
-            </a:r>
-            <a:r>
-              <a:rPr lang="en-US" altLang="ko-KR" sz="1600" dirty="0" smtClean="0"/>
-              <a:t>2</a:t>
-            </a:r>
-            <a:r>
-              <a:rPr lang="ko-KR" altLang="en-US" sz="1600" dirty="0" smtClean="0"/>
-              <a:t>차원 리스트로 만든다</a:t>
-            </a:r>
-            <a:r>
-              <a:rPr lang="en-US" altLang="ko-KR" sz="1600" dirty="0" smtClean="0"/>
-              <a:t>.</a:t>
-            </a:r>
-          </a:p>
-          <a:p>
-            <a:pPr marL="914400" lvl="1" indent="-457200">
-              <a:lnSpc>
-                <a:spcPct val="150000"/>
-              </a:lnSpc>
-              <a:buFont typeface="Arial" panose="020B0604020202020204" pitchFamily="34" charset="0"/>
-              <a:buChar char="•"/>
-            </a:pPr>
-            <a:r>
-              <a:rPr lang="ko-KR" altLang="en-US" sz="1600" dirty="0" smtClean="0"/>
-              <a:t>입력한 아이디와 비번이 </a:t>
-            </a:r>
-            <a:r>
-              <a:rPr lang="en-US" altLang="ko-KR" sz="1600" dirty="0" smtClean="0"/>
-              <a:t>member.txt</a:t>
-            </a:r>
-            <a:r>
-              <a:rPr lang="ko-KR" altLang="en-US" sz="1600" dirty="0" smtClean="0"/>
-              <a:t>와 일치하면 </a:t>
-            </a:r>
-            <a:endParaRPr lang="en-US" altLang="ko-KR" sz="1600" dirty="0" smtClean="0"/>
-          </a:p>
-          <a:p>
-            <a:pPr lvl="1">
-              <a:lnSpc>
-                <a:spcPct val="150000"/>
-              </a:lnSpc>
-            </a:pPr>
-            <a:r>
-              <a:rPr lang="en-US" altLang="ko-KR" sz="1600" dirty="0" smtClean="0"/>
-              <a:t>      ‘</a:t>
-            </a:r>
-            <a:r>
-              <a:rPr lang="ko-KR" altLang="en-US" sz="1600" dirty="0" err="1" smtClean="0"/>
-              <a:t>로그인에</a:t>
-            </a:r>
-            <a:r>
-              <a:rPr lang="ko-KR" altLang="en-US" sz="1600" dirty="0" smtClean="0"/>
-              <a:t> 성공했습니다</a:t>
-            </a:r>
-            <a:r>
-              <a:rPr lang="en-US" altLang="ko-KR" sz="1600" dirty="0" smtClean="0"/>
-              <a:t>.’ </a:t>
-            </a:r>
-            <a:r>
-              <a:rPr lang="ko-KR" altLang="en-US" sz="1600" dirty="0" smtClean="0"/>
-              <a:t>아니면 </a:t>
-            </a:r>
-            <a:r>
-              <a:rPr lang="en-US" altLang="ko-KR" sz="1600" dirty="0" smtClean="0"/>
-              <a:t>‘</a:t>
-            </a:r>
-            <a:r>
-              <a:rPr lang="ko-KR" altLang="en-US" sz="1600" dirty="0" smtClean="0"/>
-              <a:t>아이디나 비번이 다릅니다</a:t>
-            </a:r>
-            <a:r>
-              <a:rPr lang="en-US" altLang="ko-KR" sz="1600" dirty="0" smtClean="0"/>
-              <a:t>.’ </a:t>
-            </a:r>
-            <a:r>
-              <a:rPr lang="ko-KR" altLang="en-US" sz="1600" dirty="0" smtClean="0"/>
-              <a:t>표시</a:t>
-            </a:r>
-            <a:endParaRPr lang="en-US" altLang="ko-KR" sz="1600" dirty="0" smtClean="0"/>
-          </a:p>
-        </p:txBody>
-      </p:sp>
-      <p:pic>
-        <p:nvPicPr>
-          <p:cNvPr id="7" name="그림 6"/>
-          <p:cNvPicPr>
-            <a:picLocks noChangeAspect="1"/>
-          </p:cNvPicPr>
-          <p:nvPr/>
-        </p:nvPicPr>
-        <p:blipFill>
-          <a:blip r:embed="rId2">
-            <a:extLst>
-              <a:ext uri="{28A0092B-C50C-407E-A947-70E740481C1C}">
-                <a14:useLocalDpi xmlns:a14="http://schemas.microsoft.com/office/drawing/2010/main" val="0"/>
-              </a:ext>
-            </a:extLst>
-          </a:blip>
-          <a:stretch>
-            <a:fillRect/>
-          </a:stretch>
-        </p:blipFill>
-        <p:spPr>
-          <a:xfrm>
-            <a:off x="1928664" y="1774104"/>
-            <a:ext cx="3672408" cy="2047566"/>
-          </a:xfrm>
-          <a:prstGeom prst="rect">
-            <a:avLst/>
-          </a:prstGeom>
-          <a:ln>
-            <a:solidFill>
-              <a:schemeClr val="bg1">
-                <a:lumMod val="85000"/>
-              </a:schemeClr>
-            </a:solidFill>
-          </a:ln>
-        </p:spPr>
-      </p:pic>
-    </p:spTree>
-    <p:extLst>
-      <p:ext uri="{BB962C8B-B14F-4D97-AF65-F5344CB8AC3E}">
-        <p14:creationId xmlns:p14="http://schemas.microsoft.com/office/powerpoint/2010/main" val="698855782"/>
-      </p:ext>
-    </p:extLst>
-  </p:cSld>
-  <p:clrMapOvr>
-    <a:masterClrMapping/>
-  </p:clrMapOvr>
-  <p:timing>
-    <p:tnLst>
-      <p:par>
-        <p:cTn id="1" dur="indefinite" restart="never" nodeType="tmRoot"/>
-      </p:par>
-    </p:tnLst>
-  </p:timing>
-</p:sld>
-</file>
-
-<file path=ppt/slides/slide36.xml><?xml version="1.0" encoding="utf-8"?>
-<p:sld xmlns:a="http://schemas.openxmlformats.org/drawingml/2006/main" xmlns:r="http://schemas.openxmlformats.org/officeDocument/2006/relationships" xmlns:p="http://schemas.openxmlformats.org/presentationml/2006/main">
-  <p:cSld>
-    <p:spTree>
-      <p:nvGrpSpPr>
-        <p:cNvPr id="1" name=""/>
-        <p:cNvGrpSpPr/>
-        <p:nvPr/>
-      </p:nvGrpSpPr>
-      <p:grpSpPr>
-        <a:xfrm>
-          <a:off x="0" y="0"/>
-          <a:ext cx="0" cy="0"/>
-          <a:chOff x="0" y="0"/>
-          <a:chExt cx="0" cy="0"/>
-        </a:xfrm>
-      </p:grpSpPr>
-      <p:sp>
-        <p:nvSpPr>
-          <p:cNvPr id="2" name="제목 1"/>
-          <p:cNvSpPr>
-            <a:spLocks noGrp="1"/>
-          </p:cNvSpPr>
-          <p:nvPr>
-            <p:ph type="title"/>
-          </p:nvPr>
-        </p:nvSpPr>
-        <p:spPr/>
-        <p:txBody>
-          <a:bodyPr>
-            <a:normAutofit/>
-          </a:bodyPr>
-          <a:lstStyle/>
-          <a:p>
-            <a:r>
-              <a:rPr lang="en-US" altLang="ko-KR" sz="2800" dirty="0"/>
-              <a:t> </a:t>
-            </a:r>
-            <a:r>
-              <a:rPr lang="ko-KR" altLang="en-US" dirty="0" smtClean="0"/>
-              <a:t>로그인 구현 예제</a:t>
-            </a:r>
-            <a:endParaRPr lang="ko-KR" altLang="en-US" sz="2800" dirty="0"/>
-          </a:p>
-        </p:txBody>
-      </p:sp>
-      <p:sp>
-        <p:nvSpPr>
-          <p:cNvPr id="4" name="슬라이드 번호 개체 틀 3"/>
-          <p:cNvSpPr>
-            <a:spLocks noGrp="1"/>
-          </p:cNvSpPr>
-          <p:nvPr>
-            <p:ph type="sldNum" sz="quarter" idx="12"/>
-          </p:nvPr>
-        </p:nvSpPr>
-        <p:spPr/>
-        <p:txBody>
-          <a:bodyPr/>
-          <a:lstStyle/>
-          <a:p>
-            <a:fld id="{1BDE3FE7-3AEA-4B05-AC5A-802D1816ACF0}" type="slidenum">
-              <a:rPr lang="ko-KR" altLang="en-US" smtClean="0"/>
-              <a:t>36</a:t>
             </a:fld>
             <a:endParaRPr lang="ko-KR" altLang="en-US"/>
           </a:p>
@@ -13593,7 +13452,7 @@
 </p:sld>
 </file>
 
-<file path=ppt/slides/slide37.xml><?xml version="1.0" encoding="utf-8"?>
+<file path=ppt/slides/slide36.xml><?xml version="1.0" encoding="utf-8"?>
 <p:sld xmlns:a="http://schemas.openxmlformats.org/drawingml/2006/main" xmlns:r="http://schemas.openxmlformats.org/officeDocument/2006/relationships" xmlns:p="http://schemas.openxmlformats.org/presentationml/2006/main">
   <p:cSld>
     <p:spTree>
@@ -13656,7 +13515,7 @@
           <a:p>
             <a:fld id="{1BDE3FE7-3AEA-4B05-AC5A-802D1816ACF0}" type="slidenum">
               <a:rPr lang="ko-KR" altLang="en-US" smtClean="0"/>
-              <a:t>37</a:t>
+              <a:t>36</a:t>
             </a:fld>
             <a:endParaRPr lang="ko-KR" altLang="en-US"/>
           </a:p>
@@ -13703,6 +13562,495 @@
     <p:extLst>
       <p:ext uri="{BB962C8B-B14F-4D97-AF65-F5344CB8AC3E}">
         <p14:creationId xmlns:p14="http://schemas.microsoft.com/office/powerpoint/2010/main" val="2583132527"/>
+      </p:ext>
+    </p:extLst>
+  </p:cSld>
+  <p:clrMapOvr>
+    <a:masterClrMapping/>
+  </p:clrMapOvr>
+  <p:timing>
+    <p:tnLst>
+      <p:par>
+        <p:cTn id="1" dur="indefinite" restart="never" nodeType="tmRoot"/>
+      </p:par>
+    </p:tnLst>
+  </p:timing>
+</p:sld>
+</file>
+
+<file path=ppt/slides/slide37.xml><?xml version="1.0" encoding="utf-8"?>
+<p:sld xmlns:a="http://schemas.openxmlformats.org/drawingml/2006/main" xmlns:r="http://schemas.openxmlformats.org/officeDocument/2006/relationships" xmlns:p="http://schemas.openxmlformats.org/presentationml/2006/main">
+  <p:cSld>
+    <p:spTree>
+      <p:nvGrpSpPr>
+        <p:cNvPr id="1" name=""/>
+        <p:cNvGrpSpPr/>
+        <p:nvPr/>
+      </p:nvGrpSpPr>
+      <p:grpSpPr>
+        <a:xfrm>
+          <a:off x="0" y="0"/>
+          <a:ext cx="0" cy="0"/>
+          <a:chOff x="0" y="0"/>
+          <a:chExt cx="0" cy="0"/>
+        </a:xfrm>
+      </p:grpSpPr>
+      <p:sp>
+        <p:nvSpPr>
+          <p:cNvPr id="17" name="TextBox 16">
+            <a:extLst>
+              <a:ext uri="{FF2B5EF4-FFF2-40B4-BE49-F238E27FC236}">
+                <a16:creationId xmlns:a16="http://schemas.microsoft.com/office/drawing/2014/main" id="{5DD81B33-3C10-4B58-9ACC-5628B021DE57}"/>
+              </a:ext>
+            </a:extLst>
+          </p:cNvPr>
+          <p:cNvSpPr txBox="1"/>
+          <p:nvPr/>
+        </p:nvSpPr>
+        <p:spPr>
+          <a:xfrm>
+            <a:off x="919809" y="1268760"/>
+            <a:ext cx="8496944" cy="4154984"/>
+          </a:xfrm>
+          <a:prstGeom prst="rect">
+            <a:avLst/>
+          </a:prstGeom>
+          <a:noFill/>
+        </p:spPr>
+        <p:txBody>
+          <a:bodyPr wrap="square" rtlCol="0">
+            <a:spAutoFit/>
+          </a:bodyPr>
+          <a:lstStyle/>
+          <a:p>
+            <a:pPr>
+              <a:lnSpc>
+                <a:spcPct val="150000"/>
+              </a:lnSpc>
+            </a:pPr>
+            <a:r>
+              <a:rPr lang="ko-KR" altLang="en-US" dirty="0" smtClean="0"/>
+              <a:t>  </a:t>
+            </a:r>
+            <a:r>
+              <a:rPr lang="ko-KR" altLang="en-US" sz="2000" b="1" dirty="0" smtClean="0"/>
+              <a:t>에</a:t>
+            </a:r>
+            <a:r>
+              <a:rPr lang="ko-KR" altLang="en-US" sz="2000" b="1" dirty="0"/>
+              <a:t>러</a:t>
+            </a:r>
+            <a:r>
+              <a:rPr lang="en-US" altLang="ko-KR" sz="2000" b="1" dirty="0" smtClean="0"/>
+              <a:t>(Error)</a:t>
+            </a:r>
+            <a:endParaRPr lang="en-US" altLang="ko-KR" sz="2000" b="1" dirty="0"/>
+          </a:p>
+          <a:p>
+            <a:pPr marL="603647" lvl="1" indent="-232172">
+              <a:lnSpc>
+                <a:spcPct val="150000"/>
+              </a:lnSpc>
+              <a:buFont typeface="Arial" panose="020B0604020202020204" pitchFamily="34" charset="0"/>
+              <a:buChar char="•"/>
+            </a:pPr>
+            <a:r>
+              <a:rPr lang="ko-KR" altLang="en-US" b="1" dirty="0" smtClean="0">
+                <a:solidFill>
+                  <a:srgbClr val="C00000"/>
+                </a:solidFill>
+              </a:rPr>
+              <a:t>구문</a:t>
+            </a:r>
+            <a:r>
+              <a:rPr lang="en-US" altLang="ko-KR" b="1" dirty="0" smtClean="0">
+                <a:solidFill>
+                  <a:srgbClr val="C00000"/>
+                </a:solidFill>
+              </a:rPr>
+              <a:t>(</a:t>
+            </a:r>
+            <a:r>
+              <a:rPr lang="en-US" altLang="ko-KR" b="1" dirty="0" err="1" smtClean="0">
+                <a:solidFill>
+                  <a:srgbClr val="C00000"/>
+                </a:solidFill>
+              </a:rPr>
+              <a:t>syntex</a:t>
+            </a:r>
+            <a:r>
+              <a:rPr lang="en-US" altLang="ko-KR" b="1" dirty="0" smtClean="0">
+                <a:solidFill>
+                  <a:srgbClr val="C00000"/>
+                </a:solidFill>
+              </a:rPr>
+              <a:t>)</a:t>
+            </a:r>
+            <a:r>
+              <a:rPr lang="ko-KR" altLang="en-US" b="1" dirty="0" smtClean="0">
+                <a:solidFill>
+                  <a:srgbClr val="C00000"/>
+                </a:solidFill>
+              </a:rPr>
+              <a:t> 오류 </a:t>
+            </a:r>
+            <a:r>
+              <a:rPr lang="en-US" altLang="ko-KR" dirty="0" smtClean="0"/>
+              <a:t>: </a:t>
+            </a:r>
+            <a:r>
+              <a:rPr lang="ko-KR" altLang="en-US" dirty="0" smtClean="0"/>
+              <a:t>문법에 맞지 않거나 오타가 났을 경우 발생하는 오류</a:t>
+            </a:r>
+            <a:endParaRPr lang="en-US" altLang="ko-KR" dirty="0"/>
+          </a:p>
+          <a:p>
+            <a:pPr marL="371475" lvl="1">
+              <a:lnSpc>
+                <a:spcPct val="150000"/>
+              </a:lnSpc>
+            </a:pPr>
+            <a:r>
+              <a:rPr lang="en-US" altLang="ko-KR" dirty="0" smtClean="0"/>
+              <a:t>                  IDE</a:t>
+            </a:r>
+            <a:r>
+              <a:rPr lang="ko-KR" altLang="en-US" dirty="0" smtClean="0"/>
+              <a:t>에서 실행 전에 알 수 있음</a:t>
+            </a:r>
+            <a:endParaRPr lang="en-US" altLang="ko-KR" dirty="0" smtClean="0"/>
+          </a:p>
+          <a:p>
+            <a:pPr marL="371475" lvl="1">
+              <a:lnSpc>
+                <a:spcPct val="150000"/>
+              </a:lnSpc>
+            </a:pPr>
+            <a:endParaRPr lang="en-US" altLang="ko-KR" sz="1600" dirty="0" smtClean="0"/>
+          </a:p>
+          <a:p>
+            <a:pPr>
+              <a:lnSpc>
+                <a:spcPct val="150000"/>
+              </a:lnSpc>
+            </a:pPr>
+            <a:r>
+              <a:rPr lang="ko-KR" altLang="en-US" dirty="0" smtClean="0"/>
+              <a:t>  </a:t>
+            </a:r>
+            <a:r>
+              <a:rPr lang="ko-KR" altLang="en-US" sz="2000" b="1" dirty="0" smtClean="0"/>
+              <a:t>예외</a:t>
+            </a:r>
+            <a:r>
+              <a:rPr lang="en-US" altLang="ko-KR" sz="2000" b="1" dirty="0"/>
+              <a:t>(Exception) </a:t>
+            </a:r>
+            <a:endParaRPr lang="en-US" altLang="ko-KR" b="1" dirty="0" smtClean="0"/>
+          </a:p>
+          <a:p>
+            <a:pPr marL="742950" lvl="1" indent="-285750">
+              <a:lnSpc>
+                <a:spcPct val="150000"/>
+              </a:lnSpc>
+              <a:buFont typeface="Arial" panose="020B0604020202020204" pitchFamily="34" charset="0"/>
+              <a:buChar char="•"/>
+            </a:pPr>
+            <a:r>
+              <a:rPr lang="ko-KR" altLang="en-US" b="1" dirty="0" smtClean="0">
+                <a:solidFill>
+                  <a:srgbClr val="C00000"/>
+                </a:solidFill>
+              </a:rPr>
+              <a:t>실행</a:t>
+            </a:r>
+            <a:r>
+              <a:rPr lang="en-US" altLang="ko-KR" b="1" dirty="0" smtClean="0">
+                <a:solidFill>
+                  <a:srgbClr val="C00000"/>
+                </a:solidFill>
+              </a:rPr>
+              <a:t>(runtime)</a:t>
+            </a:r>
+            <a:r>
+              <a:rPr lang="ko-KR" altLang="en-US" b="1" dirty="0" smtClean="0">
+                <a:solidFill>
+                  <a:srgbClr val="C00000"/>
+                </a:solidFill>
+              </a:rPr>
+              <a:t> 오류</a:t>
+            </a:r>
+            <a:r>
+              <a:rPr lang="ko-KR" altLang="en-US" dirty="0" smtClean="0">
+                <a:solidFill>
+                  <a:srgbClr val="C00000"/>
+                </a:solidFill>
+              </a:rPr>
+              <a:t> </a:t>
+            </a:r>
+            <a:r>
+              <a:rPr lang="en-US" altLang="ko-KR" dirty="0" smtClean="0"/>
+              <a:t>: </a:t>
+            </a:r>
+            <a:r>
+              <a:rPr lang="ko-KR" altLang="en-US" dirty="0" smtClean="0"/>
+              <a:t>문법적인 오류는 없지만 실행</a:t>
+            </a:r>
+            <a:r>
+              <a:rPr lang="en-US" altLang="ko-KR" dirty="0" smtClean="0"/>
+              <a:t>(run)</a:t>
+            </a:r>
+            <a:r>
+              <a:rPr lang="ko-KR" altLang="en-US" dirty="0" smtClean="0"/>
+              <a:t> 될 때  에러가 발생하는 것을 말한다</a:t>
+            </a:r>
+            <a:r>
+              <a:rPr lang="en-US" altLang="ko-KR" dirty="0" smtClean="0"/>
+              <a:t>.</a:t>
+            </a:r>
+          </a:p>
+          <a:p>
+            <a:pPr lvl="1">
+              <a:lnSpc>
+                <a:spcPct val="150000"/>
+              </a:lnSpc>
+            </a:pPr>
+            <a:r>
+              <a:rPr lang="en-US" altLang="ko-KR" sz="1600" dirty="0"/>
+              <a:t> </a:t>
+            </a:r>
+            <a:r>
+              <a:rPr lang="en-US" altLang="ko-KR" sz="1600" dirty="0" smtClean="0"/>
+              <a:t>    </a:t>
+            </a:r>
+            <a:r>
+              <a:rPr lang="ko-KR" altLang="en-US" sz="1600" dirty="0" smtClean="0"/>
+              <a:t>예</a:t>
+            </a:r>
+            <a:r>
+              <a:rPr lang="en-US" altLang="ko-KR" sz="1600" dirty="0" smtClean="0"/>
+              <a:t>) </a:t>
+            </a:r>
+            <a:r>
+              <a:rPr lang="ko-KR" altLang="en-US" sz="1600" dirty="0" smtClean="0"/>
+              <a:t>파일을 </a:t>
+            </a:r>
+            <a:r>
+              <a:rPr lang="ko-KR" altLang="en-US" sz="1600" dirty="0"/>
+              <a:t>읽어 사용하려는데 파일이 없는 경우</a:t>
+            </a:r>
+            <a:r>
+              <a:rPr lang="en-US" altLang="ko-KR" sz="1600" dirty="0"/>
+              <a:t>,  </a:t>
+            </a:r>
+            <a:endParaRPr lang="en-US" altLang="ko-KR" sz="1600" dirty="0" smtClean="0"/>
+          </a:p>
+          <a:p>
+            <a:pPr lvl="1">
+              <a:lnSpc>
+                <a:spcPct val="150000"/>
+              </a:lnSpc>
+            </a:pPr>
+            <a:r>
+              <a:rPr lang="en-US" altLang="ko-KR" sz="1600" dirty="0"/>
+              <a:t> </a:t>
+            </a:r>
+            <a:r>
+              <a:rPr lang="en-US" altLang="ko-KR" sz="1600" dirty="0" smtClean="0"/>
+              <a:t>         </a:t>
+            </a:r>
+            <a:r>
+              <a:rPr lang="ko-KR" altLang="en-US" sz="1600" dirty="0" smtClean="0"/>
+              <a:t>리스</a:t>
+            </a:r>
+            <a:r>
+              <a:rPr lang="ko-KR" altLang="en-US" sz="1600" dirty="0"/>
+              <a:t>트</a:t>
+            </a:r>
+            <a:r>
+              <a:rPr lang="ko-KR" altLang="en-US" sz="1600" dirty="0" smtClean="0"/>
+              <a:t> </a:t>
+            </a:r>
+            <a:r>
+              <a:rPr lang="ko-KR" altLang="en-US" sz="1600" dirty="0"/>
+              <a:t>값을 출력하려는데 </a:t>
+            </a:r>
+            <a:r>
+              <a:rPr lang="ko-KR" altLang="en-US" sz="1600" dirty="0" smtClean="0"/>
+              <a:t>리스</a:t>
+            </a:r>
+            <a:r>
+              <a:rPr lang="ko-KR" altLang="en-US" sz="1600" dirty="0"/>
+              <a:t>트</a:t>
+            </a:r>
+            <a:r>
+              <a:rPr lang="ko-KR" altLang="en-US" sz="1600" dirty="0" smtClean="0"/>
+              <a:t> </a:t>
+            </a:r>
+            <a:r>
+              <a:rPr lang="ko-KR" altLang="en-US" sz="1600" dirty="0"/>
+              <a:t>요소가 없는 경우 등</a:t>
+            </a:r>
+            <a:r>
+              <a:rPr lang="en-US" altLang="ko-KR" sz="1600" dirty="0"/>
+              <a:t>..</a:t>
+            </a:r>
+          </a:p>
+          <a:p>
+            <a:pPr lvl="1">
+              <a:lnSpc>
+                <a:spcPct val="150000"/>
+              </a:lnSpc>
+            </a:pPr>
+            <a:r>
+              <a:rPr lang="en-US" altLang="ko-KR" sz="1600" dirty="0"/>
+              <a:t>  </a:t>
+            </a:r>
+            <a:r>
+              <a:rPr lang="en-US" altLang="ko-KR" sz="1600" dirty="0" smtClean="0"/>
+              <a:t>        </a:t>
+            </a:r>
+            <a:r>
+              <a:rPr lang="ko-KR" altLang="en-US" sz="1600" b="1" i="1" dirty="0" smtClean="0">
+                <a:solidFill>
+                  <a:srgbClr val="C00000"/>
+                </a:solidFill>
+              </a:rPr>
+              <a:t>에러가 </a:t>
+            </a:r>
+            <a:r>
+              <a:rPr lang="ko-KR" altLang="en-US" sz="1600" b="1" i="1" dirty="0">
+                <a:solidFill>
+                  <a:srgbClr val="C00000"/>
+                </a:solidFill>
+              </a:rPr>
+              <a:t>발생되면 </a:t>
+            </a:r>
+            <a:r>
+              <a:rPr lang="ko-KR" altLang="en-US" sz="1600" b="1" i="1" dirty="0" smtClean="0">
+                <a:solidFill>
+                  <a:srgbClr val="C00000"/>
+                </a:solidFill>
+              </a:rPr>
+              <a:t>프로그램의 동작이 중지 또는 종료된다</a:t>
+            </a:r>
+            <a:endParaRPr lang="en-US" altLang="ko-KR" sz="1600" b="1" i="1" dirty="0">
+              <a:solidFill>
+                <a:srgbClr val="C00000"/>
+              </a:solidFill>
+            </a:endParaRPr>
+          </a:p>
+        </p:txBody>
+      </p:sp>
+      <p:pic>
+        <p:nvPicPr>
+          <p:cNvPr id="3" name="그림 2">
+            <a:extLst>
+              <a:ext uri="{FF2B5EF4-FFF2-40B4-BE49-F238E27FC236}">
+                <a16:creationId xmlns:a16="http://schemas.microsoft.com/office/drawing/2014/main" id="{4F5D6D29-219F-41EC-85A0-8FFF1CDF4C81}"/>
+              </a:ext>
+            </a:extLst>
+          </p:cNvPr>
+          <p:cNvPicPr>
+            <a:picLocks noChangeAspect="1"/>
+          </p:cNvPicPr>
+          <p:nvPr/>
+        </p:nvPicPr>
+        <p:blipFill>
+          <a:blip r:embed="rId2" cstate="print">
+            <a:extLst>
+              <a:ext uri="{28A0092B-C50C-407E-A947-70E740481C1C}">
+                <a14:useLocalDpi xmlns:a14="http://schemas.microsoft.com/office/drawing/2010/main" val="0"/>
+              </a:ext>
+              <a:ext uri="{837473B0-CC2E-450A-ABE3-18F120FF3D39}">
+                <a1611:picAttrSrcUrl xmlns="" xmlns:a1611="http://schemas.microsoft.com/office/drawing/2016/11/main" r:id="rId3"/>
+              </a:ext>
+            </a:extLst>
+          </a:blip>
+          <a:stretch>
+            <a:fillRect/>
+          </a:stretch>
+        </p:blipFill>
+        <p:spPr>
+          <a:xfrm>
+            <a:off x="7833320" y="4653136"/>
+            <a:ext cx="1225206" cy="1225206"/>
+          </a:xfrm>
+          <a:prstGeom prst="rect">
+            <a:avLst/>
+          </a:prstGeom>
+        </p:spPr>
+      </p:pic>
+      <p:sp>
+        <p:nvSpPr>
+          <p:cNvPr id="7" name="제목 1"/>
+          <p:cNvSpPr txBox="1">
+            <a:spLocks/>
+          </p:cNvSpPr>
+          <p:nvPr/>
+        </p:nvSpPr>
+        <p:spPr>
+          <a:xfrm>
+            <a:off x="560512" y="404664"/>
+            <a:ext cx="6201139" cy="648072"/>
+          </a:xfrm>
+          <a:prstGeom prst="rect">
+            <a:avLst/>
+          </a:prstGeom>
+        </p:spPr>
+        <p:txBody>
+          <a:bodyPr>
+            <a:normAutofit/>
+          </a:bodyPr>
+          <a:lstStyle>
+            <a:lvl1pPr algn="l" defTabSz="914400" rtl="0" eaLnBrk="1" latinLnBrk="1" hangingPunct="1">
+              <a:spcBef>
+                <a:spcPct val="0"/>
+              </a:spcBef>
+              <a:buNone/>
+              <a:defRPr sz="3200" kern="1200">
+                <a:solidFill>
+                  <a:sysClr val="windowText" lastClr="000000"/>
+                </a:solidFill>
+                <a:latin typeface="휴먼엑스포" panose="02030504000101010101" pitchFamily="18" charset="-127"/>
+                <a:ea typeface="휴먼엑스포" panose="02030504000101010101" pitchFamily="18" charset="-127"/>
+                <a:cs typeface="+mj-cs"/>
+              </a:defRPr>
+            </a:lvl1pPr>
+          </a:lstStyle>
+          <a:p>
+            <a:r>
+              <a:rPr lang="en-US" altLang="ko-KR" sz="2800" dirty="0" smtClean="0"/>
+              <a:t> </a:t>
+            </a:r>
+            <a:r>
+              <a:rPr lang="ko-KR" altLang="en-US" sz="2800" dirty="0" smtClean="0"/>
+              <a:t>에</a:t>
+            </a:r>
+            <a:r>
+              <a:rPr lang="ko-KR" altLang="en-US" sz="2800" dirty="0"/>
+              <a:t>러</a:t>
+            </a:r>
+            <a:r>
+              <a:rPr lang="en-US" altLang="ko-KR" sz="2800" dirty="0" smtClean="0"/>
+              <a:t>(Error)</a:t>
+            </a:r>
+            <a:r>
+              <a:rPr lang="ko-KR" altLang="en-US" sz="2800" dirty="0" smtClean="0"/>
+              <a:t>와 예외</a:t>
+            </a:r>
+            <a:r>
+              <a:rPr lang="en-US" altLang="ko-KR" sz="2800" dirty="0" smtClean="0"/>
+              <a:t>(Exception)</a:t>
+            </a:r>
+            <a:endParaRPr lang="ko-KR" altLang="en-US" sz="2800" dirty="0"/>
+          </a:p>
+        </p:txBody>
+      </p:sp>
+    </p:spTree>
+    <p:extLst>
+      <p:ext uri="{BB962C8B-B14F-4D97-AF65-F5344CB8AC3E}">
+        <p14:creationId xmlns:p14="http://schemas.microsoft.com/office/powerpoint/2010/main" val="1085751182"/>
       </p:ext>
     </p:extLst>
   </p:cSld>
@@ -13738,392 +14086,6 @@
       </p:grpSpPr>
       <p:sp>
         <p:nvSpPr>
-          <p:cNvPr id="17" name="TextBox 16">
-            <a:extLst>
-              <a:ext uri="{FF2B5EF4-FFF2-40B4-BE49-F238E27FC236}">
-                <a16:creationId xmlns:a16="http://schemas.microsoft.com/office/drawing/2014/main" xmlns="" id="{5DD81B33-3C10-4B58-9ACC-5628B021DE57}"/>
-              </a:ext>
-            </a:extLst>
-          </p:cNvPr>
-          <p:cNvSpPr txBox="1"/>
-          <p:nvPr/>
-        </p:nvSpPr>
-        <p:spPr>
-          <a:xfrm>
-            <a:off x="919809" y="1268760"/>
-            <a:ext cx="8496944" cy="4154984"/>
-          </a:xfrm>
-          <a:prstGeom prst="rect">
-            <a:avLst/>
-          </a:prstGeom>
-          <a:noFill/>
-        </p:spPr>
-        <p:txBody>
-          <a:bodyPr wrap="square" rtlCol="0">
-            <a:spAutoFit/>
-          </a:bodyPr>
-          <a:lstStyle/>
-          <a:p>
-            <a:pPr>
-              <a:lnSpc>
-                <a:spcPct val="150000"/>
-              </a:lnSpc>
-            </a:pPr>
-            <a:r>
-              <a:rPr lang="ko-KR" altLang="en-US" dirty="0" smtClean="0"/>
-              <a:t>  </a:t>
-            </a:r>
-            <a:r>
-              <a:rPr lang="ko-KR" altLang="en-US" sz="2000" b="1" dirty="0" smtClean="0"/>
-              <a:t>에</a:t>
-            </a:r>
-            <a:r>
-              <a:rPr lang="ko-KR" altLang="en-US" sz="2000" b="1" dirty="0"/>
-              <a:t>러</a:t>
-            </a:r>
-            <a:r>
-              <a:rPr lang="en-US" altLang="ko-KR" sz="2000" b="1" dirty="0" smtClean="0"/>
-              <a:t>(Error)</a:t>
-            </a:r>
-            <a:endParaRPr lang="en-US" altLang="ko-KR" sz="2000" b="1" dirty="0"/>
-          </a:p>
-          <a:p>
-            <a:pPr marL="603647" lvl="1" indent="-232172">
-              <a:lnSpc>
-                <a:spcPct val="150000"/>
-              </a:lnSpc>
-              <a:buFont typeface="Arial" panose="020B0604020202020204" pitchFamily="34" charset="0"/>
-              <a:buChar char="•"/>
-            </a:pPr>
-            <a:r>
-              <a:rPr lang="ko-KR" altLang="en-US" b="1" dirty="0" smtClean="0">
-                <a:solidFill>
-                  <a:srgbClr val="C00000"/>
-                </a:solidFill>
-              </a:rPr>
-              <a:t>구문</a:t>
-            </a:r>
-            <a:r>
-              <a:rPr lang="en-US" altLang="ko-KR" b="1" dirty="0" smtClean="0">
-                <a:solidFill>
-                  <a:srgbClr val="C00000"/>
-                </a:solidFill>
-              </a:rPr>
-              <a:t>(</a:t>
-            </a:r>
-            <a:r>
-              <a:rPr lang="en-US" altLang="ko-KR" b="1" dirty="0" err="1" smtClean="0">
-                <a:solidFill>
-                  <a:srgbClr val="C00000"/>
-                </a:solidFill>
-              </a:rPr>
-              <a:t>syntex</a:t>
-            </a:r>
-            <a:r>
-              <a:rPr lang="en-US" altLang="ko-KR" b="1" dirty="0" smtClean="0">
-                <a:solidFill>
-                  <a:srgbClr val="C00000"/>
-                </a:solidFill>
-              </a:rPr>
-              <a:t>)</a:t>
-            </a:r>
-            <a:r>
-              <a:rPr lang="ko-KR" altLang="en-US" b="1" dirty="0" smtClean="0">
-                <a:solidFill>
-                  <a:srgbClr val="C00000"/>
-                </a:solidFill>
-              </a:rPr>
-              <a:t> 오류 </a:t>
-            </a:r>
-            <a:r>
-              <a:rPr lang="en-US" altLang="ko-KR" dirty="0" smtClean="0"/>
-              <a:t>: </a:t>
-            </a:r>
-            <a:r>
-              <a:rPr lang="ko-KR" altLang="en-US" dirty="0" smtClean="0"/>
-              <a:t>문법에 맞지 않거나 오타가 났을 경우 발생하는 오류</a:t>
-            </a:r>
-            <a:endParaRPr lang="en-US" altLang="ko-KR" dirty="0"/>
-          </a:p>
-          <a:p>
-            <a:pPr marL="371475" lvl="1">
-              <a:lnSpc>
-                <a:spcPct val="150000"/>
-              </a:lnSpc>
-            </a:pPr>
-            <a:r>
-              <a:rPr lang="en-US" altLang="ko-KR" dirty="0" smtClean="0"/>
-              <a:t>                  IDE</a:t>
-            </a:r>
-            <a:r>
-              <a:rPr lang="ko-KR" altLang="en-US" dirty="0" smtClean="0"/>
-              <a:t>에서 실행 전에 알 수 있음</a:t>
-            </a:r>
-            <a:endParaRPr lang="en-US" altLang="ko-KR" dirty="0" smtClean="0"/>
-          </a:p>
-          <a:p>
-            <a:pPr marL="371475" lvl="1">
-              <a:lnSpc>
-                <a:spcPct val="150000"/>
-              </a:lnSpc>
-            </a:pPr>
-            <a:endParaRPr lang="en-US" altLang="ko-KR" sz="1600" dirty="0" smtClean="0"/>
-          </a:p>
-          <a:p>
-            <a:pPr>
-              <a:lnSpc>
-                <a:spcPct val="150000"/>
-              </a:lnSpc>
-            </a:pPr>
-            <a:r>
-              <a:rPr lang="ko-KR" altLang="en-US" dirty="0" smtClean="0"/>
-              <a:t>  </a:t>
-            </a:r>
-            <a:r>
-              <a:rPr lang="ko-KR" altLang="en-US" sz="2000" b="1" dirty="0" smtClean="0"/>
-              <a:t>예외</a:t>
-            </a:r>
-            <a:r>
-              <a:rPr lang="en-US" altLang="ko-KR" sz="2000" b="1" dirty="0"/>
-              <a:t>(Exception) </a:t>
-            </a:r>
-            <a:endParaRPr lang="en-US" altLang="ko-KR" b="1" dirty="0" smtClean="0"/>
-          </a:p>
-          <a:p>
-            <a:pPr marL="742950" lvl="1" indent="-285750">
-              <a:lnSpc>
-                <a:spcPct val="150000"/>
-              </a:lnSpc>
-              <a:buFont typeface="Arial" panose="020B0604020202020204" pitchFamily="34" charset="0"/>
-              <a:buChar char="•"/>
-            </a:pPr>
-            <a:r>
-              <a:rPr lang="ko-KR" altLang="en-US" b="1" dirty="0" smtClean="0">
-                <a:solidFill>
-                  <a:srgbClr val="C00000"/>
-                </a:solidFill>
-              </a:rPr>
-              <a:t>실행</a:t>
-            </a:r>
-            <a:r>
-              <a:rPr lang="en-US" altLang="ko-KR" b="1" dirty="0" smtClean="0">
-                <a:solidFill>
-                  <a:srgbClr val="C00000"/>
-                </a:solidFill>
-              </a:rPr>
-              <a:t>(runtime)</a:t>
-            </a:r>
-            <a:r>
-              <a:rPr lang="ko-KR" altLang="en-US" b="1" dirty="0" smtClean="0">
-                <a:solidFill>
-                  <a:srgbClr val="C00000"/>
-                </a:solidFill>
-              </a:rPr>
-              <a:t> 오류</a:t>
-            </a:r>
-            <a:r>
-              <a:rPr lang="ko-KR" altLang="en-US" dirty="0" smtClean="0">
-                <a:solidFill>
-                  <a:srgbClr val="C00000"/>
-                </a:solidFill>
-              </a:rPr>
-              <a:t> </a:t>
-            </a:r>
-            <a:r>
-              <a:rPr lang="en-US" altLang="ko-KR" dirty="0" smtClean="0"/>
-              <a:t>: </a:t>
-            </a:r>
-            <a:r>
-              <a:rPr lang="ko-KR" altLang="en-US" dirty="0" smtClean="0"/>
-              <a:t>문법적인 오류는 없지만 실행</a:t>
-            </a:r>
-            <a:r>
-              <a:rPr lang="en-US" altLang="ko-KR" dirty="0" smtClean="0"/>
-              <a:t>(run)</a:t>
-            </a:r>
-            <a:r>
-              <a:rPr lang="ko-KR" altLang="en-US" dirty="0" smtClean="0"/>
-              <a:t> 될 때  에러가 발생하는 것을 말한다</a:t>
-            </a:r>
-            <a:r>
-              <a:rPr lang="en-US" altLang="ko-KR" dirty="0" smtClean="0"/>
-              <a:t>.</a:t>
-            </a:r>
-          </a:p>
-          <a:p>
-            <a:pPr lvl="1">
-              <a:lnSpc>
-                <a:spcPct val="150000"/>
-              </a:lnSpc>
-            </a:pPr>
-            <a:r>
-              <a:rPr lang="en-US" altLang="ko-KR" sz="1600" dirty="0"/>
-              <a:t> </a:t>
-            </a:r>
-            <a:r>
-              <a:rPr lang="en-US" altLang="ko-KR" sz="1600" dirty="0" smtClean="0"/>
-              <a:t>    </a:t>
-            </a:r>
-            <a:r>
-              <a:rPr lang="ko-KR" altLang="en-US" sz="1600" dirty="0" smtClean="0"/>
-              <a:t>예</a:t>
-            </a:r>
-            <a:r>
-              <a:rPr lang="en-US" altLang="ko-KR" sz="1600" dirty="0" smtClean="0"/>
-              <a:t>) </a:t>
-            </a:r>
-            <a:r>
-              <a:rPr lang="ko-KR" altLang="en-US" sz="1600" dirty="0" smtClean="0"/>
-              <a:t>파일을 </a:t>
-            </a:r>
-            <a:r>
-              <a:rPr lang="ko-KR" altLang="en-US" sz="1600" dirty="0"/>
-              <a:t>읽어 사용하려는데 파일이 없는 경우</a:t>
-            </a:r>
-            <a:r>
-              <a:rPr lang="en-US" altLang="ko-KR" sz="1600" dirty="0"/>
-              <a:t>,  </a:t>
-            </a:r>
-            <a:endParaRPr lang="en-US" altLang="ko-KR" sz="1600" dirty="0" smtClean="0"/>
-          </a:p>
-          <a:p>
-            <a:pPr lvl="1">
-              <a:lnSpc>
-                <a:spcPct val="150000"/>
-              </a:lnSpc>
-            </a:pPr>
-            <a:r>
-              <a:rPr lang="en-US" altLang="ko-KR" sz="1600" dirty="0"/>
-              <a:t> </a:t>
-            </a:r>
-            <a:r>
-              <a:rPr lang="en-US" altLang="ko-KR" sz="1600" dirty="0" smtClean="0"/>
-              <a:t>         </a:t>
-            </a:r>
-            <a:r>
-              <a:rPr lang="ko-KR" altLang="en-US" sz="1600" dirty="0" smtClean="0"/>
-              <a:t>리스</a:t>
-            </a:r>
-            <a:r>
-              <a:rPr lang="ko-KR" altLang="en-US" sz="1600" dirty="0"/>
-              <a:t>트</a:t>
-            </a:r>
-            <a:r>
-              <a:rPr lang="ko-KR" altLang="en-US" sz="1600" dirty="0" smtClean="0"/>
-              <a:t> </a:t>
-            </a:r>
-            <a:r>
-              <a:rPr lang="ko-KR" altLang="en-US" sz="1600" dirty="0"/>
-              <a:t>값을 출력하려는데 </a:t>
-            </a:r>
-            <a:r>
-              <a:rPr lang="ko-KR" altLang="en-US" sz="1600" dirty="0" smtClean="0"/>
-              <a:t>리스</a:t>
-            </a:r>
-            <a:r>
-              <a:rPr lang="ko-KR" altLang="en-US" sz="1600" dirty="0"/>
-              <a:t>트</a:t>
-            </a:r>
-            <a:r>
-              <a:rPr lang="ko-KR" altLang="en-US" sz="1600" dirty="0" smtClean="0"/>
-              <a:t> </a:t>
-            </a:r>
-            <a:r>
-              <a:rPr lang="ko-KR" altLang="en-US" sz="1600" dirty="0"/>
-              <a:t>요소가 없는 경우 등</a:t>
-            </a:r>
-            <a:r>
-              <a:rPr lang="en-US" altLang="ko-KR" sz="1600" dirty="0"/>
-              <a:t>..</a:t>
-            </a:r>
-          </a:p>
-          <a:p>
-            <a:pPr lvl="1">
-              <a:lnSpc>
-                <a:spcPct val="150000"/>
-              </a:lnSpc>
-            </a:pPr>
-            <a:r>
-              <a:rPr lang="en-US" altLang="ko-KR" sz="1600" dirty="0"/>
-              <a:t>  </a:t>
-            </a:r>
-            <a:r>
-              <a:rPr lang="en-US" altLang="ko-KR" sz="1600" dirty="0" smtClean="0"/>
-              <a:t>        </a:t>
-            </a:r>
-            <a:r>
-              <a:rPr lang="ko-KR" altLang="en-US" sz="1600" b="1" i="1" dirty="0" smtClean="0">
-                <a:solidFill>
-                  <a:srgbClr val="C00000"/>
-                </a:solidFill>
-              </a:rPr>
-              <a:t>에러가 </a:t>
-            </a:r>
-            <a:r>
-              <a:rPr lang="ko-KR" altLang="en-US" sz="1600" b="1" i="1" dirty="0">
-                <a:solidFill>
-                  <a:srgbClr val="C00000"/>
-                </a:solidFill>
-              </a:rPr>
-              <a:t>발생되면 </a:t>
-            </a:r>
-            <a:r>
-              <a:rPr lang="ko-KR" altLang="en-US" sz="1600" b="1" i="1" dirty="0" smtClean="0">
-                <a:solidFill>
-                  <a:srgbClr val="C00000"/>
-                </a:solidFill>
-              </a:rPr>
-              <a:t>프로그램의 동작이 중지 또는 종료된다</a:t>
-            </a:r>
-            <a:endParaRPr lang="en-US" altLang="ko-KR" sz="1600" b="1" i="1" dirty="0">
-              <a:solidFill>
-                <a:srgbClr val="C00000"/>
-              </a:solidFill>
-            </a:endParaRPr>
-          </a:p>
-        </p:txBody>
-      </p:sp>
-      <p:pic>
-        <p:nvPicPr>
-          <p:cNvPr id="3" name="그림 2">
-            <a:extLst>
-              <a:ext uri="{FF2B5EF4-FFF2-40B4-BE49-F238E27FC236}">
-                <a16:creationId xmlns:a16="http://schemas.microsoft.com/office/drawing/2014/main" xmlns="" id="{4F5D6D29-219F-41EC-85A0-8FFF1CDF4C81}"/>
-              </a:ext>
-            </a:extLst>
-          </p:cNvPr>
-          <p:cNvPicPr>
-            <a:picLocks noChangeAspect="1"/>
-          </p:cNvPicPr>
-          <p:nvPr/>
-        </p:nvPicPr>
-        <p:blipFill>
-          <a:blip r:embed="rId2" cstate="print">
-            <a:extLst>
-              <a:ext uri="{28A0092B-C50C-407E-A947-70E740481C1C}">
-                <a14:useLocalDpi xmlns:a14="http://schemas.microsoft.com/office/drawing/2010/main" val="0"/>
-              </a:ext>
-              <a:ext uri="{837473B0-CC2E-450A-ABE3-18F120FF3D39}">
-                <a1611:picAttrSrcUrl xmlns:a1611="http://schemas.microsoft.com/office/drawing/2016/11/main" xmlns="" r:id="rId3"/>
-              </a:ext>
-            </a:extLst>
-          </a:blip>
-          <a:stretch>
-            <a:fillRect/>
-          </a:stretch>
-        </p:blipFill>
-        <p:spPr>
-          <a:xfrm>
-            <a:off x="7833320" y="4653136"/>
-            <a:ext cx="1225206" cy="1225206"/>
-          </a:xfrm>
-          <a:prstGeom prst="rect">
-            <a:avLst/>
-          </a:prstGeom>
-        </p:spPr>
-      </p:pic>
-      <p:sp>
-        <p:nvSpPr>
           <p:cNvPr id="7" name="제목 1"/>
           <p:cNvSpPr txBox="1">
             <a:spLocks/>
@@ -14166,19 +14128,7 @@
             </a:r>
             <a:r>
               <a:rPr lang="ko-KR" altLang="en-US" sz="2800" dirty="0" smtClean="0"/>
-              <a:t>에</a:t>
-            </a:r>
-            <a:r>
-              <a:rPr lang="ko-KR" altLang="en-US" sz="2800" dirty="0"/>
-              <a:t>러</a:t>
-            </a:r>
-            <a:r>
-              <a:rPr lang="en-US" altLang="ko-KR" sz="2800" dirty="0" smtClean="0"/>
-              <a:t>(Error)</a:t>
-            </a:r>
-            <a:r>
-              <a:rPr lang="ko-KR" altLang="en-US" sz="2800" dirty="0" smtClean="0"/>
-              <a:t>와 예외</a:t>
+              <a:t>예외</a:t>
             </a:r>
             <a:r>
               <a:rPr lang="en-US" altLang="ko-KR" sz="2800" dirty="0" smtClean="0"/>
@@ -14188,10 +14138,84 @@
           </a:p>
         </p:txBody>
       </p:sp>
+      <p:pic>
+        <p:nvPicPr>
+          <p:cNvPr id="2" name="그림 1"/>
+          <p:cNvPicPr>
+            <a:picLocks noChangeAspect="1"/>
+          </p:cNvPicPr>
+          <p:nvPr/>
+        </p:nvPicPr>
+        <p:blipFill>
+          <a:blip r:embed="rId2">
+            <a:extLst>
+              <a:ext uri="{28A0092B-C50C-407E-A947-70E740481C1C}">
+                <a14:useLocalDpi xmlns:a14="http://schemas.microsoft.com/office/drawing/2010/main" val="0"/>
+              </a:ext>
+            </a:extLst>
+          </a:blip>
+          <a:stretch>
+            <a:fillRect/>
+          </a:stretch>
+        </p:blipFill>
+        <p:spPr>
+          <a:xfrm>
+            <a:off x="995750" y="2420888"/>
+            <a:ext cx="7991251" cy="4104456"/>
+          </a:xfrm>
+          <a:prstGeom prst="rect">
+            <a:avLst/>
+          </a:prstGeom>
+          <a:ln>
+            <a:solidFill>
+              <a:schemeClr val="bg1">
+                <a:lumMod val="85000"/>
+              </a:schemeClr>
+            </a:solidFill>
+          </a:ln>
+        </p:spPr>
+      </p:pic>
+      <p:pic>
+        <p:nvPicPr>
+          <p:cNvPr id="4" name="그림 3"/>
+          <p:cNvPicPr>
+            <a:picLocks noChangeAspect="1"/>
+          </p:cNvPicPr>
+          <p:nvPr/>
+        </p:nvPicPr>
+        <p:blipFill>
+          <a:blip r:embed="rId3">
+            <a:extLst>
+              <a:ext uri="{28A0092B-C50C-407E-A947-70E740481C1C}">
+                <a14:useLocalDpi xmlns:a14="http://schemas.microsoft.com/office/drawing/2010/main" val="0"/>
+              </a:ext>
+            </a:extLst>
+          </a:blip>
+          <a:stretch>
+            <a:fillRect/>
+          </a:stretch>
+        </p:blipFill>
+        <p:spPr>
+          <a:xfrm>
+            <a:off x="1020159" y="1268760"/>
+            <a:ext cx="7011008" cy="967824"/>
+          </a:xfrm>
+          <a:prstGeom prst="rect">
+            <a:avLst/>
+          </a:prstGeom>
+          <a:ln>
+            <a:solidFill>
+              <a:schemeClr val="bg1">
+                <a:lumMod val="85000"/>
+              </a:schemeClr>
+            </a:solidFill>
+          </a:ln>
+        </p:spPr>
+      </p:pic>
     </p:spTree>
     <p:extLst>
       <p:ext uri="{BB962C8B-B14F-4D97-AF65-F5344CB8AC3E}">
-        <p14:creationId xmlns:p14="http://schemas.microsoft.com/office/powerpoint/2010/main" val="1085751182"/>
+        <p14:creationId xmlns:p14="http://schemas.microsoft.com/office/powerpoint/2010/main" val="2414451629"/>
       </p:ext>
     </p:extLst>
   </p:cSld>
@@ -14227,7 +14251,695 @@
       </p:grpSpPr>
       <p:sp>
         <p:nvSpPr>
-          <p:cNvPr id="7" name="제목 1"/>
+          <p:cNvPr id="40" name="사각형: 둥근 모서리 4">
+            <a:extLst>
+              <a:ext uri="{FF2B5EF4-FFF2-40B4-BE49-F238E27FC236}">
+                <a16:creationId xmlns:a16="http://schemas.microsoft.com/office/drawing/2014/main" id="{ED129E99-50A4-4BB8-A859-B2E96B81D3BF}"/>
+              </a:ext>
+            </a:extLst>
+          </p:cNvPr>
+          <p:cNvSpPr/>
+          <p:nvPr/>
+        </p:nvSpPr>
+        <p:spPr>
+          <a:xfrm>
+            <a:off x="3847985" y="1556791"/>
+            <a:ext cx="2066009" cy="743451"/>
+          </a:xfrm>
+          <a:prstGeom prst="roundRect">
+            <a:avLst/>
+          </a:prstGeom>
+        </p:spPr>
+        <p:style>
+          <a:lnRef idx="1">
+            <a:schemeClr val="dk1"/>
+          </a:lnRef>
+          <a:fillRef idx="2">
+            <a:schemeClr val="dk1"/>
+          </a:fillRef>
+          <a:effectRef idx="1">
+            <a:schemeClr val="dk1"/>
+          </a:effectRef>
+          <a:fontRef idx="minor">
+            <a:schemeClr val="dk1"/>
+          </a:fontRef>
+        </p:style>
+        <p:txBody>
+          <a:bodyPr rtlCol="0" anchor="ctr"/>
+          <a:lstStyle/>
+          <a:p>
+            <a:pPr algn="ctr"/>
+            <a:endParaRPr lang="en-US" altLang="ko-KR" dirty="0"/>
+          </a:p>
+          <a:p>
+            <a:pPr algn="ctr"/>
+            <a:endParaRPr lang="en-US" altLang="ko-KR" dirty="0"/>
+          </a:p>
+          <a:p>
+            <a:pPr algn="ctr"/>
+            <a:endParaRPr lang="en-US" altLang="ko-KR" dirty="0"/>
+          </a:p>
+          <a:p>
+            <a:pPr algn="ctr"/>
+            <a:r>
+              <a:rPr lang="en-US" altLang="ko-KR" dirty="0" smtClean="0"/>
+              <a:t>Exception</a:t>
+            </a:r>
+            <a:endParaRPr lang="en-US" altLang="ko-KR" dirty="0"/>
+          </a:p>
+          <a:p>
+            <a:pPr algn="ctr"/>
+            <a:endParaRPr lang="en-US" altLang="ko-KR" dirty="0"/>
+          </a:p>
+          <a:p>
+            <a:pPr algn="ctr"/>
+            <a:endParaRPr lang="en-US" altLang="ko-KR" dirty="0"/>
+          </a:p>
+          <a:p>
+            <a:pPr algn="ctr"/>
+            <a:endParaRPr lang="ko-KR" altLang="en-US" dirty="0"/>
+          </a:p>
+        </p:txBody>
+      </p:sp>
+      <p:sp>
+        <p:nvSpPr>
+          <p:cNvPr id="55" name="사각형: 둥근 모서리 4">
+            <a:extLst>
+              <a:ext uri="{FF2B5EF4-FFF2-40B4-BE49-F238E27FC236}">
+                <a16:creationId xmlns:a16="http://schemas.microsoft.com/office/drawing/2014/main" id="{ED129E99-50A4-4BB8-A859-B2E96B81D3BF}"/>
+              </a:ext>
+            </a:extLst>
+          </p:cNvPr>
+          <p:cNvSpPr/>
+          <p:nvPr/>
+        </p:nvSpPr>
+        <p:spPr>
+          <a:xfrm>
+            <a:off x="1928664" y="2924943"/>
+            <a:ext cx="1872208" cy="864096"/>
+          </a:xfrm>
+          <a:prstGeom prst="roundRect">
+            <a:avLst/>
+          </a:prstGeom>
+        </p:spPr>
+        <p:style>
+          <a:lnRef idx="1">
+            <a:schemeClr val="accent4"/>
+          </a:lnRef>
+          <a:fillRef idx="2">
+            <a:schemeClr val="accent4"/>
+          </a:fillRef>
+          <a:effectRef idx="1">
+            <a:schemeClr val="accent4"/>
+          </a:effectRef>
+          <a:fontRef idx="minor">
+            <a:schemeClr val="dk1"/>
+          </a:fontRef>
+        </p:style>
+        <p:txBody>
+          <a:bodyPr rtlCol="0" anchor="ctr"/>
+          <a:lstStyle/>
+          <a:p>
+            <a:pPr algn="ctr"/>
+            <a:endParaRPr lang="en-US" altLang="ko-KR" sz="1600" dirty="0"/>
+          </a:p>
+          <a:p>
+            <a:pPr algn="ctr"/>
+            <a:endParaRPr lang="en-US" altLang="ko-KR" sz="1600" dirty="0"/>
+          </a:p>
+          <a:p>
+            <a:pPr algn="ctr"/>
+            <a:r>
+              <a:rPr lang="en-US" altLang="ko-KR" sz="1600" dirty="0" err="1" smtClean="0"/>
+              <a:t>ArithmeticError</a:t>
+            </a:r>
+            <a:endParaRPr lang="en-US" altLang="ko-KR" sz="1600" dirty="0"/>
+          </a:p>
+          <a:p>
+            <a:pPr algn="ctr"/>
+            <a:endParaRPr lang="en-US" altLang="ko-KR" sz="1600" dirty="0"/>
+          </a:p>
+          <a:p>
+            <a:pPr algn="ctr"/>
+            <a:endParaRPr lang="ko-KR" altLang="en-US" sz="1600" dirty="0"/>
+          </a:p>
+        </p:txBody>
+      </p:sp>
+      <p:sp>
+        <p:nvSpPr>
+          <p:cNvPr id="56" name="사각형: 둥근 모서리 4">
+            <a:extLst>
+              <a:ext uri="{FF2B5EF4-FFF2-40B4-BE49-F238E27FC236}">
+                <a16:creationId xmlns:a16="http://schemas.microsoft.com/office/drawing/2014/main" id="{ED129E99-50A4-4BB8-A859-B2E96B81D3BF}"/>
+              </a:ext>
+            </a:extLst>
+          </p:cNvPr>
+          <p:cNvSpPr/>
+          <p:nvPr/>
+        </p:nvSpPr>
+        <p:spPr>
+          <a:xfrm>
+            <a:off x="6285148" y="2924943"/>
+            <a:ext cx="1602178" cy="864096"/>
+          </a:xfrm>
+          <a:prstGeom prst="roundRect">
+            <a:avLst/>
+          </a:prstGeom>
+        </p:spPr>
+        <p:style>
+          <a:lnRef idx="1">
+            <a:schemeClr val="accent2"/>
+          </a:lnRef>
+          <a:fillRef idx="2">
+            <a:schemeClr val="accent2"/>
+          </a:fillRef>
+          <a:effectRef idx="1">
+            <a:schemeClr val="accent2"/>
+          </a:effectRef>
+          <a:fontRef idx="minor">
+            <a:schemeClr val="dk1"/>
+          </a:fontRef>
+        </p:style>
+        <p:txBody>
+          <a:bodyPr rtlCol="0" anchor="ctr"/>
+          <a:lstStyle/>
+          <a:p>
+            <a:pPr algn="ctr"/>
+            <a:endParaRPr lang="en-US" altLang="ko-KR" sz="1600" dirty="0"/>
+          </a:p>
+          <a:p>
+            <a:pPr algn="ctr"/>
+            <a:endParaRPr lang="en-US" altLang="ko-KR" sz="1600" dirty="0"/>
+          </a:p>
+          <a:p>
+            <a:pPr algn="ctr"/>
+            <a:endParaRPr lang="en-US" altLang="ko-KR" sz="1600" dirty="0"/>
+          </a:p>
+          <a:p>
+            <a:pPr algn="ctr"/>
+            <a:r>
+              <a:rPr lang="en-US" altLang="ko-KR" sz="1600" dirty="0" err="1" smtClean="0"/>
+              <a:t>LookupError</a:t>
+            </a:r>
+            <a:endParaRPr lang="en-US" altLang="ko-KR" sz="1600" dirty="0"/>
+          </a:p>
+          <a:p>
+            <a:pPr algn="ctr"/>
+            <a:endParaRPr lang="en-US" altLang="ko-KR" sz="1600" dirty="0"/>
+          </a:p>
+          <a:p>
+            <a:pPr algn="ctr"/>
+            <a:endParaRPr lang="en-US" altLang="ko-KR" sz="1600" dirty="0"/>
+          </a:p>
+          <a:p>
+            <a:pPr algn="ctr"/>
+            <a:endParaRPr lang="ko-KR" altLang="en-US" sz="1600" dirty="0"/>
+          </a:p>
+        </p:txBody>
+      </p:sp>
+      <p:cxnSp>
+        <p:nvCxnSpPr>
+          <p:cNvPr id="6" name="꺾인 연결선 5"/>
+          <p:cNvCxnSpPr>
+            <a:stCxn id="55" idx="0"/>
+            <a:endCxn id="40" idx="2"/>
+          </p:cNvCxnSpPr>
+          <p:nvPr/>
+        </p:nvCxnSpPr>
+        <p:spPr>
+          <a:xfrm rot="5400000" flipH="1" flipV="1">
+            <a:off x="3560529" y="1604482"/>
+            <a:ext cx="624701" cy="2016222"/>
+          </a:xfrm>
+          <a:prstGeom prst="bentConnector3">
+            <a:avLst/>
+          </a:prstGeom>
+          <a:ln>
+            <a:tailEnd type="triangle"/>
+          </a:ln>
+        </p:spPr>
+        <p:style>
+          <a:lnRef idx="1">
+            <a:schemeClr val="accent1"/>
+          </a:lnRef>
+          <a:fillRef idx="0">
+            <a:schemeClr val="accent1"/>
+          </a:fillRef>
+          <a:effectRef idx="0">
+            <a:schemeClr val="accent1"/>
+          </a:effectRef>
+          <a:fontRef idx="minor">
+            <a:schemeClr val="tx1"/>
+          </a:fontRef>
+        </p:style>
+      </p:cxnSp>
+      <p:sp>
+        <p:nvSpPr>
+          <p:cNvPr id="58" name="사각형: 둥근 모서리 4">
+            <a:extLst>
+              <a:ext uri="{FF2B5EF4-FFF2-40B4-BE49-F238E27FC236}">
+                <a16:creationId xmlns:a16="http://schemas.microsoft.com/office/drawing/2014/main" id="{ED129E99-50A4-4BB8-A859-B2E96B81D3BF}"/>
+              </a:ext>
+            </a:extLst>
+          </p:cNvPr>
+          <p:cNvSpPr/>
+          <p:nvPr/>
+        </p:nvSpPr>
+        <p:spPr>
+          <a:xfrm>
+            <a:off x="848543" y="4417148"/>
+            <a:ext cx="1944216" cy="864096"/>
+          </a:xfrm>
+          <a:prstGeom prst="roundRect">
+            <a:avLst/>
+          </a:prstGeom>
+          <a:ln w="12700"/>
+        </p:spPr>
+        <p:style>
+          <a:lnRef idx="2">
+            <a:schemeClr val="accent4"/>
+          </a:lnRef>
+          <a:fillRef idx="1">
+            <a:schemeClr val="lt1"/>
+          </a:fillRef>
+          <a:effectRef idx="0">
+            <a:schemeClr val="accent4"/>
+          </a:effectRef>
+          <a:fontRef idx="minor">
+            <a:schemeClr val="dk1"/>
+          </a:fontRef>
+        </p:style>
+        <p:txBody>
+          <a:bodyPr rtlCol="0" anchor="ctr"/>
+          <a:lstStyle/>
+          <a:p>
+            <a:pPr algn="ctr"/>
+            <a:endParaRPr lang="en-US" altLang="ko-KR" sz="1600" dirty="0"/>
+          </a:p>
+          <a:p>
+            <a:pPr algn="ctr"/>
+            <a:endParaRPr lang="en-US" altLang="ko-KR" sz="1600" dirty="0"/>
+          </a:p>
+          <a:p>
+            <a:pPr algn="ctr"/>
+            <a:endParaRPr lang="en-US" altLang="ko-KR" sz="1600" dirty="0"/>
+          </a:p>
+          <a:p>
+            <a:pPr algn="ctr"/>
+            <a:r>
+              <a:rPr lang="en-US" altLang="ko-KR" sz="1600" dirty="0" err="1" smtClean="0"/>
+              <a:t>ZeroDivisionError</a:t>
+            </a:r>
+            <a:endParaRPr lang="en-US" altLang="ko-KR" sz="1600" dirty="0"/>
+          </a:p>
+          <a:p>
+            <a:pPr algn="ctr"/>
+            <a:endParaRPr lang="en-US" altLang="ko-KR" sz="1600" dirty="0"/>
+          </a:p>
+          <a:p>
+            <a:pPr algn="ctr"/>
+            <a:endParaRPr lang="en-US" altLang="ko-KR" sz="1600" dirty="0"/>
+          </a:p>
+          <a:p>
+            <a:pPr algn="ctr"/>
+            <a:endParaRPr lang="ko-KR" altLang="en-US" sz="1600" dirty="0"/>
+          </a:p>
+        </p:txBody>
+      </p:sp>
+      <p:sp>
+        <p:nvSpPr>
+          <p:cNvPr id="59" name="사각형: 둥근 모서리 4">
+            <a:extLst>
+              <a:ext uri="{FF2B5EF4-FFF2-40B4-BE49-F238E27FC236}">
+                <a16:creationId xmlns:a16="http://schemas.microsoft.com/office/drawing/2014/main" id="{ED129E99-50A4-4BB8-A859-B2E96B81D3BF}"/>
+              </a:ext>
+            </a:extLst>
+          </p:cNvPr>
+          <p:cNvSpPr/>
+          <p:nvPr/>
+        </p:nvSpPr>
+        <p:spPr>
+          <a:xfrm>
+            <a:off x="2936775" y="4413740"/>
+            <a:ext cx="2304256" cy="864096"/>
+          </a:xfrm>
+          <a:prstGeom prst="roundRect">
+            <a:avLst/>
+          </a:prstGeom>
+          <a:ln w="12700"/>
+        </p:spPr>
+        <p:style>
+          <a:lnRef idx="2">
+            <a:schemeClr val="accent4"/>
+          </a:lnRef>
+          <a:fillRef idx="1">
+            <a:schemeClr val="lt1"/>
+          </a:fillRef>
+          <a:effectRef idx="0">
+            <a:schemeClr val="accent4"/>
+          </a:effectRef>
+          <a:fontRef idx="minor">
+            <a:schemeClr val="dk1"/>
+          </a:fontRef>
+        </p:style>
+        <p:txBody>
+          <a:bodyPr rtlCol="0" anchor="ctr"/>
+          <a:lstStyle/>
+          <a:p>
+            <a:pPr algn="ctr"/>
+            <a:endParaRPr lang="en-US" altLang="ko-KR" sz="1600" dirty="0"/>
+          </a:p>
+          <a:p>
+            <a:pPr algn="ctr"/>
+            <a:endParaRPr lang="en-US" altLang="ko-KR" sz="1600" dirty="0"/>
+          </a:p>
+          <a:p>
+            <a:pPr algn="ctr"/>
+            <a:endParaRPr lang="en-US" altLang="ko-KR" sz="1600" dirty="0"/>
+          </a:p>
+          <a:p>
+            <a:pPr algn="ctr"/>
+            <a:r>
+              <a:rPr lang="en-US" altLang="ko-KR" sz="1600" dirty="0" err="1" smtClean="0"/>
+              <a:t>FloatingPointingError</a:t>
+            </a:r>
+            <a:endParaRPr lang="en-US" altLang="ko-KR" sz="1600" dirty="0"/>
+          </a:p>
+          <a:p>
+            <a:pPr algn="ctr"/>
+            <a:endParaRPr lang="en-US" altLang="ko-KR" sz="1600" dirty="0"/>
+          </a:p>
+          <a:p>
+            <a:pPr algn="ctr"/>
+            <a:endParaRPr lang="en-US" altLang="ko-KR" sz="1600" dirty="0"/>
+          </a:p>
+          <a:p>
+            <a:pPr algn="ctr"/>
+            <a:endParaRPr lang="ko-KR" altLang="en-US" sz="1600" dirty="0"/>
+          </a:p>
+        </p:txBody>
+      </p:sp>
+      <p:cxnSp>
+        <p:nvCxnSpPr>
+          <p:cNvPr id="60" name="꺾인 연결선 59"/>
+          <p:cNvCxnSpPr>
+            <a:stCxn id="58" idx="0"/>
+            <a:endCxn id="55" idx="2"/>
+          </p:cNvCxnSpPr>
+          <p:nvPr/>
+        </p:nvCxnSpPr>
+        <p:spPr>
+          <a:xfrm rot="5400000" flipH="1" flipV="1">
+            <a:off x="2028655" y="3581036"/>
+            <a:ext cx="628109" cy="1044117"/>
+          </a:xfrm>
+          <a:prstGeom prst="bentConnector3">
+            <a:avLst>
+              <a:gd name="adj1" fmla="val 50000"/>
+            </a:avLst>
+          </a:prstGeom>
+          <a:ln>
+            <a:tailEnd type="triangle"/>
+          </a:ln>
+        </p:spPr>
+        <p:style>
+          <a:lnRef idx="1">
+            <a:schemeClr val="accent1"/>
+          </a:lnRef>
+          <a:fillRef idx="0">
+            <a:schemeClr val="accent1"/>
+          </a:fillRef>
+          <a:effectRef idx="0">
+            <a:schemeClr val="accent1"/>
+          </a:effectRef>
+          <a:fontRef idx="minor">
+            <a:schemeClr val="tx1"/>
+          </a:fontRef>
+        </p:style>
+      </p:cxnSp>
+      <p:cxnSp>
+        <p:nvCxnSpPr>
+          <p:cNvPr id="61" name="꺾인 연결선 60"/>
+          <p:cNvCxnSpPr>
+            <a:stCxn id="59" idx="0"/>
+            <a:endCxn id="55" idx="2"/>
+          </p:cNvCxnSpPr>
+          <p:nvPr/>
+        </p:nvCxnSpPr>
+        <p:spPr>
+          <a:xfrm rot="16200000" flipV="1">
+            <a:off x="3164486" y="3489322"/>
+            <a:ext cx="624701" cy="1224135"/>
+          </a:xfrm>
+          <a:prstGeom prst="bentConnector3">
+            <a:avLst>
+              <a:gd name="adj1" fmla="val 50000"/>
+            </a:avLst>
+          </a:prstGeom>
+          <a:ln>
+            <a:tailEnd type="triangle"/>
+          </a:ln>
+        </p:spPr>
+        <p:style>
+          <a:lnRef idx="1">
+            <a:schemeClr val="accent1"/>
+          </a:lnRef>
+          <a:fillRef idx="0">
+            <a:schemeClr val="accent1"/>
+          </a:fillRef>
+          <a:effectRef idx="0">
+            <a:schemeClr val="accent1"/>
+          </a:effectRef>
+          <a:fontRef idx="minor">
+            <a:schemeClr val="tx1"/>
+          </a:fontRef>
+        </p:style>
+      </p:cxnSp>
+      <p:sp>
+        <p:nvSpPr>
+          <p:cNvPr id="62" name="사각형: 둥근 모서리 4">
+            <a:extLst>
+              <a:ext uri="{FF2B5EF4-FFF2-40B4-BE49-F238E27FC236}">
+                <a16:creationId xmlns:a16="http://schemas.microsoft.com/office/drawing/2014/main" id="{ED129E99-50A4-4BB8-A859-B2E96B81D3BF}"/>
+              </a:ext>
+            </a:extLst>
+          </p:cNvPr>
+          <p:cNvSpPr/>
+          <p:nvPr/>
+        </p:nvSpPr>
+        <p:spPr>
+          <a:xfrm>
+            <a:off x="5421052" y="4417149"/>
+            <a:ext cx="1620179" cy="864096"/>
+          </a:xfrm>
+          <a:prstGeom prst="roundRect">
+            <a:avLst/>
+          </a:prstGeom>
+          <a:ln w="12700"/>
+        </p:spPr>
+        <p:style>
+          <a:lnRef idx="2">
+            <a:schemeClr val="accent4"/>
+          </a:lnRef>
+          <a:fillRef idx="1">
+            <a:schemeClr val="lt1"/>
+          </a:fillRef>
+          <a:effectRef idx="0">
+            <a:schemeClr val="accent4"/>
+          </a:effectRef>
+          <a:fontRef idx="minor">
+            <a:schemeClr val="dk1"/>
+          </a:fontRef>
+        </p:style>
+        <p:txBody>
+          <a:bodyPr rtlCol="0" anchor="ctr"/>
+          <a:lstStyle/>
+          <a:p>
+            <a:pPr algn="ctr"/>
+            <a:endParaRPr lang="en-US" altLang="ko-KR" sz="1400" dirty="0"/>
+          </a:p>
+          <a:p>
+            <a:pPr algn="ctr"/>
+            <a:endParaRPr lang="en-US" altLang="ko-KR" sz="1400" dirty="0"/>
+          </a:p>
+          <a:p>
+            <a:pPr algn="ctr"/>
+            <a:endParaRPr lang="en-US" altLang="ko-KR" sz="1400" dirty="0"/>
+          </a:p>
+          <a:p>
+            <a:pPr algn="ctr"/>
+            <a:r>
+              <a:rPr lang="en-US" altLang="ko-KR" sz="1400" dirty="0" err="1" smtClean="0"/>
+              <a:t>IndexError</a:t>
+            </a:r>
+            <a:endParaRPr lang="en-US" altLang="ko-KR" sz="1400" dirty="0" smtClean="0"/>
+          </a:p>
+          <a:p>
+            <a:pPr algn="ctr"/>
+            <a:endParaRPr lang="en-US" altLang="ko-KR" sz="1400" dirty="0"/>
+          </a:p>
+          <a:p>
+            <a:pPr algn="ctr"/>
+            <a:endParaRPr lang="en-US" altLang="ko-KR" sz="1400" dirty="0"/>
+          </a:p>
+          <a:p>
+            <a:pPr algn="ctr"/>
+            <a:endParaRPr lang="ko-KR" altLang="en-US" sz="1400" dirty="0"/>
+          </a:p>
+        </p:txBody>
+      </p:sp>
+      <p:sp>
+        <p:nvSpPr>
+          <p:cNvPr id="63" name="사각형: 둥근 모서리 4">
+            <a:extLst>
+              <a:ext uri="{FF2B5EF4-FFF2-40B4-BE49-F238E27FC236}">
+                <a16:creationId xmlns:a16="http://schemas.microsoft.com/office/drawing/2014/main" id="{ED129E99-50A4-4BB8-A859-B2E96B81D3BF}"/>
+              </a:ext>
+            </a:extLst>
+          </p:cNvPr>
+          <p:cNvSpPr/>
+          <p:nvPr/>
+        </p:nvSpPr>
+        <p:spPr>
+          <a:xfrm>
+            <a:off x="7185247" y="4413741"/>
+            <a:ext cx="1512169" cy="864096"/>
+          </a:xfrm>
+          <a:prstGeom prst="roundRect">
+            <a:avLst/>
+          </a:prstGeom>
+          <a:ln w="12700"/>
+        </p:spPr>
+        <p:style>
+          <a:lnRef idx="2">
+            <a:schemeClr val="accent4"/>
+          </a:lnRef>
+          <a:fillRef idx="1">
+            <a:schemeClr val="lt1"/>
+          </a:fillRef>
+          <a:effectRef idx="0">
+            <a:schemeClr val="accent4"/>
+          </a:effectRef>
+          <a:fontRef idx="minor">
+            <a:schemeClr val="dk1"/>
+          </a:fontRef>
+        </p:style>
+        <p:txBody>
+          <a:bodyPr rtlCol="0" anchor="ctr"/>
+          <a:lstStyle/>
+          <a:p>
+            <a:pPr algn="ctr"/>
+            <a:endParaRPr lang="en-US" altLang="ko-KR" sz="1400" dirty="0"/>
+          </a:p>
+          <a:p>
+            <a:pPr algn="ctr"/>
+            <a:endParaRPr lang="en-US" altLang="ko-KR" sz="1400" dirty="0"/>
+          </a:p>
+          <a:p>
+            <a:pPr algn="ctr"/>
+            <a:endParaRPr lang="en-US" altLang="ko-KR" sz="1400" dirty="0"/>
+          </a:p>
+          <a:p>
+            <a:pPr algn="ctr"/>
+            <a:r>
+              <a:rPr lang="en-US" altLang="ko-KR" sz="1400" dirty="0" err="1" smtClean="0"/>
+              <a:t>KeyError</a:t>
+            </a:r>
+            <a:endParaRPr lang="en-US" altLang="ko-KR" sz="1400" dirty="0" smtClean="0"/>
+          </a:p>
+          <a:p>
+            <a:pPr algn="ctr"/>
+            <a:endParaRPr lang="en-US" altLang="ko-KR" sz="1400" dirty="0"/>
+          </a:p>
+          <a:p>
+            <a:pPr algn="ctr"/>
+            <a:endParaRPr lang="en-US" altLang="ko-KR" sz="1400" dirty="0" smtClean="0"/>
+          </a:p>
+          <a:p>
+            <a:pPr algn="ctr"/>
+            <a:endParaRPr lang="ko-KR" altLang="en-US" sz="1400" dirty="0"/>
+          </a:p>
+        </p:txBody>
+      </p:sp>
+      <p:cxnSp>
+        <p:nvCxnSpPr>
+          <p:cNvPr id="64" name="꺾인 연결선 63"/>
+          <p:cNvCxnSpPr>
+            <a:stCxn id="62" idx="0"/>
+            <a:endCxn id="56" idx="2"/>
+          </p:cNvCxnSpPr>
+          <p:nvPr/>
+        </p:nvCxnSpPr>
+        <p:spPr>
+          <a:xfrm rot="5400000" flipH="1" flipV="1">
+            <a:off x="6344634" y="3675547"/>
+            <a:ext cx="628110" cy="855095"/>
+          </a:xfrm>
+          <a:prstGeom prst="bentConnector3">
+            <a:avLst>
+              <a:gd name="adj1" fmla="val 50000"/>
+            </a:avLst>
+          </a:prstGeom>
+          <a:ln>
+            <a:tailEnd type="triangle"/>
+          </a:ln>
+        </p:spPr>
+        <p:style>
+          <a:lnRef idx="1">
+            <a:schemeClr val="accent1"/>
+          </a:lnRef>
+          <a:fillRef idx="0">
+            <a:schemeClr val="accent1"/>
+          </a:fillRef>
+          <a:effectRef idx="0">
+            <a:schemeClr val="accent1"/>
+          </a:effectRef>
+          <a:fontRef idx="minor">
+            <a:schemeClr val="tx1"/>
+          </a:fontRef>
+        </p:style>
+      </p:cxnSp>
+      <p:cxnSp>
+        <p:nvCxnSpPr>
+          <p:cNvPr id="65" name="꺾인 연결선 64"/>
+          <p:cNvCxnSpPr>
+            <a:stCxn id="63" idx="0"/>
+            <a:endCxn id="56" idx="2"/>
+          </p:cNvCxnSpPr>
+          <p:nvPr/>
+        </p:nvCxnSpPr>
+        <p:spPr>
+          <a:xfrm rot="16200000" flipV="1">
+            <a:off x="7201434" y="3673842"/>
+            <a:ext cx="624702" cy="855095"/>
+          </a:xfrm>
+          <a:prstGeom prst="bentConnector3">
+            <a:avLst>
+              <a:gd name="adj1" fmla="val 50000"/>
+            </a:avLst>
+          </a:prstGeom>
+          <a:ln>
+            <a:tailEnd type="triangle"/>
+          </a:ln>
+        </p:spPr>
+        <p:style>
+          <a:lnRef idx="1">
+            <a:schemeClr val="accent1"/>
+          </a:lnRef>
+          <a:fillRef idx="0">
+            <a:schemeClr val="accent1"/>
+          </a:fillRef>
+          <a:effectRef idx="0">
+            <a:schemeClr val="accent1"/>
+          </a:effectRef>
+          <a:fontRef idx="minor">
+            <a:schemeClr val="tx1"/>
+          </a:fontRef>
+        </p:style>
+      </p:cxnSp>
+      <p:sp>
+        <p:nvSpPr>
+          <p:cNvPr id="21" name="제목 1"/>
           <p:cNvSpPr txBox="1">
             <a:spLocks/>
           </p:cNvSpPr>
@@ -14235,8 +14947,8 @@
         </p:nvSpPr>
         <p:spPr>
           <a:xfrm>
-            <a:off x="560512" y="404664"/>
-            <a:ext cx="6201139" cy="648072"/>
+            <a:off x="675703" y="404664"/>
+            <a:ext cx="4565330" cy="504056"/>
           </a:xfrm>
           <a:prstGeom prst="rect">
             <a:avLst/>
@@ -14244,7 +14956,7 @@
         </p:spPr>
         <p:txBody>
           <a:bodyPr>
-            <a:normAutofit/>
+            <a:normAutofit lnSpcReduction="10000"/>
           </a:bodyPr>
           <a:lstStyle>
             <a:lvl1pPr algn="l" defTabSz="914400" rtl="0" eaLnBrk="1" latinLnBrk="1" hangingPunct="1">
@@ -14265,98 +14977,57 @@
           <a:p>
             <a:r>
               <a:rPr lang="en-US" altLang="ko-KR" sz="2800" dirty="0" smtClean="0"/>
+              <a:t> Exception</a:t>
+            </a:r>
+            <a:r>
+              <a:rPr lang="ko-KR" altLang="en-US" sz="2800" dirty="0"/>
               <a:t> </a:t>
             </a:r>
             <a:r>
               <a:rPr lang="ko-KR" altLang="en-US" sz="2800" dirty="0" smtClean="0"/>
-              <a:t>예외</a:t>
-            </a:r>
-            <a:r>
-              <a:rPr lang="en-US" altLang="ko-KR" sz="2800" dirty="0" smtClean="0"/>
-              <a:t>(Exception)</a:t>
+              <a:t>계층도</a:t>
             </a:r>
             <a:endParaRPr lang="ko-KR" altLang="en-US" sz="2800" dirty="0"/>
           </a:p>
         </p:txBody>
       </p:sp>
-      <p:pic>
-        <p:nvPicPr>
-          <p:cNvPr id="2" name="그림 1"/>
-          <p:cNvPicPr>
-            <a:picLocks noChangeAspect="1"/>
-          </p:cNvPicPr>
+      <p:cxnSp>
+        <p:nvCxnSpPr>
+          <p:cNvPr id="35" name="꺾인 연결선 34"/>
+          <p:cNvCxnSpPr/>
           <p:nvPr/>
-        </p:nvPicPr>
-        <p:blipFill>
-          <a:blip r:embed="rId2">
-            <a:extLst>
-              <a:ext uri="{28A0092B-C50C-407E-A947-70E740481C1C}">
-                <a14:useLocalDpi xmlns:a14="http://schemas.microsoft.com/office/drawing/2010/main" val="0"/>
-              </a:ext>
-            </a:extLst>
-          </a:blip>
-          <a:stretch>
-            <a:fillRect/>
-          </a:stretch>
-        </p:blipFill>
-        <p:spPr>
-          <a:xfrm>
-            <a:off x="995750" y="2420888"/>
-            <a:ext cx="7991251" cy="4104456"/>
-          </a:xfrm>
-          <a:prstGeom prst="rect">
+        </p:nvCxnSpPr>
+        <p:spPr>
+          <a:xfrm rot="16200000" flipH="1">
+            <a:off x="5575555" y="1604482"/>
+            <a:ext cx="624701" cy="2016222"/>
+          </a:xfrm>
+          <a:prstGeom prst="bentConnector3">
             <a:avLst/>
           </a:prstGeom>
           <a:ln>
-            <a:solidFill>
-              <a:schemeClr val="bg1">
-                <a:lumMod val="85000"/>
-              </a:schemeClr>
-            </a:solidFill>
+            <a:tailEnd type="triangle"/>
           </a:ln>
         </p:spPr>
-      </p:pic>
-      <p:pic>
-        <p:nvPicPr>
-          <p:cNvPr id="4" name="그림 3"/>
-          <p:cNvPicPr>
-            <a:picLocks noChangeAspect="1"/>
-          </p:cNvPicPr>
-          <p:nvPr/>
-        </p:nvPicPr>
-        <p:blipFill>
-          <a:blip r:embed="rId3">
-            <a:extLst>
-              <a:ext uri="{28A0092B-C50C-407E-A947-70E740481C1C}">
-                <a14:useLocalDpi xmlns:a14="http://schemas.microsoft.com/office/drawing/2010/main" val="0"/>
-              </a:ext>
-            </a:extLst>
-          </a:blip>
-          <a:stretch>
-            <a:fillRect/>
-          </a:stretch>
-        </p:blipFill>
-        <p:spPr>
-          <a:xfrm>
-            <a:off x="1020159" y="1268760"/>
-            <a:ext cx="7011008" cy="967824"/>
-          </a:xfrm>
-          <a:prstGeom prst="rect">
-            <a:avLst/>
-          </a:prstGeom>
-          <a:ln>
-            <a:solidFill>
-              <a:schemeClr val="bg1">
-                <a:lumMod val="85000"/>
-              </a:schemeClr>
-            </a:solidFill>
-          </a:ln>
-        </p:spPr>
-      </p:pic>
+        <p:style>
+          <a:lnRef idx="1">
+            <a:schemeClr val="accent1"/>
+          </a:lnRef>
+          <a:fillRef idx="0">
+            <a:schemeClr val="accent1"/>
+          </a:fillRef>
+          <a:effectRef idx="0">
+            <a:schemeClr val="accent1"/>
+          </a:effectRef>
+          <a:fontRef idx="minor">
+            <a:schemeClr val="tx1"/>
+          </a:fontRef>
+        </p:style>
+      </p:cxnSp>
     </p:spTree>
     <p:extLst>
       <p:ext uri="{BB962C8B-B14F-4D97-AF65-F5344CB8AC3E}">
-        <p14:creationId xmlns:p14="http://schemas.microsoft.com/office/powerpoint/2010/main" val="2414451629"/>
+        <p14:creationId xmlns:p14="http://schemas.microsoft.com/office/powerpoint/2010/main" val="2136653425"/>
       </p:ext>
     </p:extLst>
   </p:cSld>
@@ -14466,14 +15137,14 @@
                 <a:gridCol w="1104146">
                   <a:extLst>
                     <a:ext uri="{9D8B030D-6E8A-4147-A177-3AD203B41FA5}">
-                      <a16:colId xmlns:a16="http://schemas.microsoft.com/office/drawing/2014/main" xmlns="" val="20000"/>
+                      <a16:colId xmlns:a16="http://schemas.microsoft.com/office/drawing/2014/main" val="20000"/>
                     </a:ext>
                   </a:extLst>
                 </a:gridCol>
                 <a:gridCol w="1704166">
                   <a:extLst>
                     <a:ext uri="{9D8B030D-6E8A-4147-A177-3AD203B41FA5}">
-                      <a16:colId xmlns:a16="http://schemas.microsoft.com/office/drawing/2014/main" xmlns="" val="20004"/>
+                      <a16:colId xmlns:a16="http://schemas.microsoft.com/office/drawing/2014/main" val="20004"/>
                     </a:ext>
                   </a:extLst>
                 </a:gridCol>
@@ -14548,7 +15219,7 @@
                 </a:tc>
                 <a:extLst>
                   <a:ext uri="{0D108BD9-81ED-4DB2-BD59-A6C34878D82A}">
-                    <a16:rowId xmlns:a16="http://schemas.microsoft.com/office/drawing/2014/main" xmlns="" val="10000"/>
+                    <a16:rowId xmlns:a16="http://schemas.microsoft.com/office/drawing/2014/main" val="10000"/>
                   </a:ext>
                 </a:extLst>
               </a:tr>
@@ -14609,7 +15280,7 @@
                 </a:tc>
                 <a:extLst>
                   <a:ext uri="{0D108BD9-81ED-4DB2-BD59-A6C34878D82A}">
-                    <a16:rowId xmlns:a16="http://schemas.microsoft.com/office/drawing/2014/main" xmlns="" val="10001"/>
+                    <a16:rowId xmlns:a16="http://schemas.microsoft.com/office/drawing/2014/main" val="10001"/>
                   </a:ext>
                 </a:extLst>
               </a:tr>
@@ -14670,7 +15341,7 @@
                 </a:tc>
                 <a:extLst>
                   <a:ext uri="{0D108BD9-81ED-4DB2-BD59-A6C34878D82A}">
-                    <a16:rowId xmlns:a16="http://schemas.microsoft.com/office/drawing/2014/main" xmlns="" val="10002"/>
+                    <a16:rowId xmlns:a16="http://schemas.microsoft.com/office/drawing/2014/main" val="10002"/>
                   </a:ext>
                 </a:extLst>
               </a:tr>
@@ -14731,7 +15402,7 @@
                 </a:tc>
                 <a:extLst>
                   <a:ext uri="{0D108BD9-81ED-4DB2-BD59-A6C34878D82A}">
-                    <a16:rowId xmlns:a16="http://schemas.microsoft.com/office/drawing/2014/main" xmlns="" val="10003"/>
+                    <a16:rowId xmlns:a16="http://schemas.microsoft.com/office/drawing/2014/main" val="10003"/>
                   </a:ext>
                 </a:extLst>
               </a:tr>
@@ -14972,783 +15643,248 @@
       </p:grpSpPr>
       <p:sp>
         <p:nvSpPr>
-          <p:cNvPr id="40" name="사각형: 둥근 모서리 4">
+          <p:cNvPr id="2" name="제목 1"/>
+          <p:cNvSpPr>
+            <a:spLocks noGrp="1"/>
+          </p:cNvSpPr>
+          <p:nvPr>
+            <p:ph type="title"/>
+          </p:nvPr>
+        </p:nvSpPr>
+        <p:spPr/>
+        <p:txBody>
+          <a:bodyPr>
+            <a:normAutofit/>
+          </a:bodyPr>
+          <a:lstStyle/>
+          <a:p>
+            <a:r>
+              <a:rPr lang="en-US" altLang="ko-KR" sz="2800" dirty="0"/>
+              <a:t> </a:t>
+            </a:r>
+            <a:r>
+              <a:rPr lang="ko-KR" altLang="en-US" sz="2800" dirty="0" smtClean="0"/>
+              <a:t>예외 처리</a:t>
+            </a:r>
+            <a:r>
+              <a:rPr lang="en-US" altLang="ko-KR" sz="2800" dirty="0" smtClean="0"/>
+              <a:t>(Exception)</a:t>
+            </a:r>
+            <a:endParaRPr lang="ko-KR" altLang="en-US" sz="2800" dirty="0"/>
+          </a:p>
+        </p:txBody>
+      </p:sp>
+      <p:sp>
+        <p:nvSpPr>
+          <p:cNvPr id="4" name="슬라이드 번호 개체 틀 3"/>
+          <p:cNvSpPr>
+            <a:spLocks noGrp="1"/>
+          </p:cNvSpPr>
+          <p:nvPr>
+            <p:ph type="sldNum" sz="quarter" idx="12"/>
+          </p:nvPr>
+        </p:nvSpPr>
+        <p:spPr/>
+        <p:txBody>
+          <a:bodyPr/>
+          <a:lstStyle/>
+          <a:p>
+            <a:fld id="{1BDE3FE7-3AEA-4B05-AC5A-802D1816ACF0}" type="slidenum">
+              <a:rPr lang="ko-KR" altLang="en-US" smtClean="0"/>
+              <a:t>40</a:t>
+            </a:fld>
+            <a:endParaRPr lang="ko-KR" altLang="en-US"/>
+          </a:p>
+        </p:txBody>
+      </p:sp>
+      <p:sp>
+        <p:nvSpPr>
+          <p:cNvPr id="7" name="TextBox 6">
             <a:extLst>
               <a:ext uri="{FF2B5EF4-FFF2-40B4-BE49-F238E27FC236}">
-                <a16:creationId xmlns="" xmlns:a16="http://schemas.microsoft.com/office/drawing/2014/main" id="{ED129E99-50A4-4BB8-A859-B2E96B81D3BF}"/>
+                <a16:creationId xmlns:a16="http://schemas.microsoft.com/office/drawing/2014/main" id="{5DD81B33-3C10-4B58-9ACC-5628B021DE57}"/>
               </a:ext>
             </a:extLst>
           </p:cNvPr>
-          <p:cNvSpPr/>
+          <p:cNvSpPr txBox="1"/>
           <p:nvPr/>
         </p:nvSpPr>
         <p:spPr>
           <a:xfrm>
-            <a:off x="3847985" y="1556791"/>
-            <a:ext cx="2066009" cy="743451"/>
+            <a:off x="919809" y="1412776"/>
+            <a:ext cx="6049415" cy="553998"/>
+          </a:xfrm>
+          <a:prstGeom prst="rect">
+            <a:avLst/>
+          </a:prstGeom>
+          <a:noFill/>
+        </p:spPr>
+        <p:txBody>
+          <a:bodyPr wrap="square" rtlCol="0">
+            <a:spAutoFit/>
+          </a:bodyPr>
+          <a:lstStyle/>
+          <a:p>
+            <a:pPr marL="342900" indent="-342900">
+              <a:lnSpc>
+                <a:spcPct val="150000"/>
+              </a:lnSpc>
+              <a:buFont typeface="Wingdings" panose="05000000000000000000" pitchFamily="2" charset="2"/>
+              <a:buChar char="v"/>
+            </a:pPr>
+            <a:r>
+              <a:rPr lang="ko-KR" altLang="en-US" sz="2000" dirty="0" smtClean="0"/>
+              <a:t> </a:t>
+            </a:r>
+            <a:r>
+              <a:rPr lang="ko-KR" altLang="en-US" sz="2000" b="1" dirty="0" smtClean="0">
+                <a:solidFill>
+                  <a:srgbClr val="C00000"/>
+                </a:solidFill>
+              </a:rPr>
+              <a:t>예외 처리 방법 </a:t>
+            </a:r>
+            <a:r>
+              <a:rPr lang="en-US" altLang="ko-KR" sz="2000" dirty="0" smtClean="0"/>
+              <a:t>: </a:t>
+            </a:r>
+            <a:r>
+              <a:rPr lang="en-US" altLang="ko-KR" sz="2000" b="1" dirty="0" smtClean="0"/>
+              <a:t>try ~ except </a:t>
+            </a:r>
+            <a:r>
+              <a:rPr lang="ko-KR" altLang="en-US" sz="2000" b="1" dirty="0" smtClean="0"/>
+              <a:t>구문 </a:t>
+            </a:r>
+            <a:endParaRPr lang="en-US" altLang="ko-KR" sz="2000" b="1" dirty="0" smtClean="0"/>
+          </a:p>
+        </p:txBody>
+      </p:sp>
+      <p:sp>
+        <p:nvSpPr>
+          <p:cNvPr id="8" name="TextBox 7"/>
+          <p:cNvSpPr txBox="1"/>
+          <p:nvPr/>
+        </p:nvSpPr>
+        <p:spPr>
+          <a:xfrm>
+            <a:off x="1519027" y="2136115"/>
+            <a:ext cx="5418216" cy="2553891"/>
           </a:xfrm>
           <a:prstGeom prst="roundRect">
             <a:avLst/>
           </a:prstGeom>
-        </p:spPr>
-        <p:style>
-          <a:lnRef idx="1">
-            <a:schemeClr val="dk1"/>
-          </a:lnRef>
-          <a:fillRef idx="2">
-            <a:schemeClr val="dk1"/>
-          </a:fillRef>
-          <a:effectRef idx="1">
-            <a:schemeClr val="dk1"/>
-          </a:effectRef>
-          <a:fontRef idx="minor">
-            <a:schemeClr val="dk1"/>
-          </a:fontRef>
-        </p:style>
-        <p:txBody>
-          <a:bodyPr rtlCol="0" anchor="ctr"/>
-          <a:lstStyle/>
-          <a:p>
-            <a:pPr algn="ctr"/>
-            <a:endParaRPr lang="en-US" altLang="ko-KR" dirty="0"/>
-          </a:p>
-          <a:p>
-            <a:pPr algn="ctr"/>
-            <a:endParaRPr lang="en-US" altLang="ko-KR" dirty="0"/>
-          </a:p>
-          <a:p>
-            <a:pPr algn="ctr"/>
-            <a:endParaRPr lang="en-US" altLang="ko-KR" dirty="0"/>
-          </a:p>
-          <a:p>
-            <a:pPr algn="ctr"/>
+          <a:noFill/>
+          <a:ln>
+            <a:solidFill>
+              <a:schemeClr val="tx1">
+                <a:lumMod val="50000"/>
+                <a:lumOff val="50000"/>
+              </a:schemeClr>
+            </a:solidFill>
+          </a:ln>
+        </p:spPr>
+        <p:txBody>
+          <a:bodyPr wrap="square" rtlCol="0">
+            <a:spAutoFit/>
+          </a:bodyPr>
+          <a:lstStyle/>
+          <a:p>
+            <a:pPr>
+              <a:lnSpc>
+                <a:spcPct val="200000"/>
+              </a:lnSpc>
+            </a:pPr>
+            <a:r>
+              <a:rPr lang="en-US" altLang="ko-KR" b="1" dirty="0">
+                <a:solidFill>
+                  <a:srgbClr val="C00000"/>
+                </a:solidFill>
+              </a:rPr>
+              <a:t>t</a:t>
+            </a:r>
+            <a:r>
+              <a:rPr lang="en-US" altLang="ko-KR" b="1" dirty="0" smtClean="0">
+                <a:solidFill>
+                  <a:srgbClr val="C00000"/>
+                </a:solidFill>
+              </a:rPr>
+              <a:t>ry:</a:t>
+            </a:r>
+          </a:p>
+          <a:p>
+            <a:pPr>
+              <a:lnSpc>
+                <a:spcPct val="200000"/>
+              </a:lnSpc>
+            </a:pPr>
+            <a:r>
+              <a:rPr lang="en-US" altLang="ko-KR" dirty="0"/>
+              <a:t> </a:t>
+            </a:r>
             <a:r>
               <a:rPr lang="en-US" altLang="ko-KR" dirty="0" smtClean="0"/>
-              <a:t>Exception</a:t>
-            </a:r>
-            <a:endParaRPr lang="en-US" altLang="ko-KR" dirty="0"/>
-          </a:p>
-          <a:p>
-            <a:pPr algn="ctr"/>
-            <a:endParaRPr lang="en-US" altLang="ko-KR" dirty="0"/>
-          </a:p>
-          <a:p>
-            <a:pPr algn="ctr"/>
-            <a:endParaRPr lang="en-US" altLang="ko-KR" dirty="0"/>
-          </a:p>
-          <a:p>
-            <a:pPr algn="ctr"/>
+              <a:t>  </a:t>
+            </a:r>
+            <a:r>
+              <a:rPr lang="ko-KR" altLang="en-US" dirty="0" smtClean="0"/>
+              <a:t>예외가 발생할 가능성이 있는 코드</a:t>
+            </a:r>
+            <a:endParaRPr lang="en-US" altLang="ko-KR" dirty="0" smtClean="0"/>
+          </a:p>
+          <a:p>
+            <a:pPr>
+              <a:lnSpc>
+                <a:spcPct val="200000"/>
+              </a:lnSpc>
+            </a:pPr>
+            <a:r>
+              <a:rPr lang="en-US" altLang="ko-KR" b="1" dirty="0" smtClean="0">
+                <a:solidFill>
+                  <a:srgbClr val="C00000"/>
+                </a:solidFill>
+              </a:rPr>
+              <a:t>except </a:t>
+            </a:r>
+            <a:r>
+              <a:rPr lang="ko-KR" altLang="en-US" b="1" dirty="0" smtClean="0">
+                <a:solidFill>
+                  <a:srgbClr val="C00000"/>
+                </a:solidFill>
+              </a:rPr>
+              <a:t>예외 클래스</a:t>
+            </a:r>
+            <a:r>
+              <a:rPr lang="en-US" altLang="ko-KR" b="1" dirty="0" smtClean="0">
+                <a:solidFill>
+                  <a:srgbClr val="C00000"/>
+                </a:solidFill>
+              </a:rPr>
+              <a:t>:</a:t>
+            </a:r>
+          </a:p>
+          <a:p>
+            <a:pPr>
+              <a:lnSpc>
+                <a:spcPct val="200000"/>
+              </a:lnSpc>
+            </a:pPr>
+            <a:r>
+              <a:rPr lang="en-US" altLang="ko-KR" dirty="0" smtClean="0"/>
+              <a:t>    </a:t>
+            </a:r>
+            <a:r>
+              <a:rPr lang="ko-KR" altLang="en-US" dirty="0" smtClean="0"/>
+              <a:t>예외가 발생했을 경우 실행 코드</a:t>
+            </a:r>
             <a:endParaRPr lang="ko-KR" altLang="en-US" dirty="0"/>
           </a:p>
         </p:txBody>
       </p:sp>
-      <p:sp>
-        <p:nvSpPr>
-          <p:cNvPr id="55" name="사각형: 둥근 모서리 4">
-            <a:extLst>
-              <a:ext uri="{FF2B5EF4-FFF2-40B4-BE49-F238E27FC236}">
-                <a16:creationId xmlns="" xmlns:a16="http://schemas.microsoft.com/office/drawing/2014/main" id="{ED129E99-50A4-4BB8-A859-B2E96B81D3BF}"/>
-              </a:ext>
-            </a:extLst>
-          </p:cNvPr>
-          <p:cNvSpPr/>
-          <p:nvPr/>
-        </p:nvSpPr>
-        <p:spPr>
-          <a:xfrm>
-            <a:off x="1928664" y="2924943"/>
-            <a:ext cx="1872208" cy="864096"/>
-          </a:xfrm>
-          <a:prstGeom prst="roundRect">
-            <a:avLst/>
-          </a:prstGeom>
-        </p:spPr>
-        <p:style>
-          <a:lnRef idx="1">
-            <a:schemeClr val="accent4"/>
-          </a:lnRef>
-          <a:fillRef idx="2">
-            <a:schemeClr val="accent4"/>
-          </a:fillRef>
-          <a:effectRef idx="1">
-            <a:schemeClr val="accent4"/>
-          </a:effectRef>
-          <a:fontRef idx="minor">
-            <a:schemeClr val="dk1"/>
-          </a:fontRef>
-        </p:style>
-        <p:txBody>
-          <a:bodyPr rtlCol="0" anchor="ctr"/>
-          <a:lstStyle/>
-          <a:p>
-            <a:pPr algn="ctr"/>
-            <a:endParaRPr lang="en-US" altLang="ko-KR" sz="1600" dirty="0"/>
-          </a:p>
-          <a:p>
-            <a:pPr algn="ctr"/>
-            <a:endParaRPr lang="en-US" altLang="ko-KR" sz="1600" dirty="0"/>
-          </a:p>
-          <a:p>
-            <a:pPr algn="ctr"/>
-            <a:r>
-              <a:rPr lang="en-US" altLang="ko-KR" sz="1600" dirty="0" err="1" smtClean="0"/>
-              <a:t>ArithmeticError</a:t>
-            </a:r>
-            <a:endParaRPr lang="en-US" altLang="ko-KR" sz="1600" dirty="0"/>
-          </a:p>
-          <a:p>
-            <a:pPr algn="ctr"/>
-            <a:endParaRPr lang="en-US" altLang="ko-KR" sz="1600" dirty="0"/>
-          </a:p>
-          <a:p>
-            <a:pPr algn="ctr"/>
-            <a:endParaRPr lang="ko-KR" altLang="en-US" sz="1600" dirty="0"/>
-          </a:p>
-        </p:txBody>
-      </p:sp>
-      <p:sp>
-        <p:nvSpPr>
-          <p:cNvPr id="56" name="사각형: 둥근 모서리 4">
-            <a:extLst>
-              <a:ext uri="{FF2B5EF4-FFF2-40B4-BE49-F238E27FC236}">
-                <a16:creationId xmlns="" xmlns:a16="http://schemas.microsoft.com/office/drawing/2014/main" id="{ED129E99-50A4-4BB8-A859-B2E96B81D3BF}"/>
-              </a:ext>
-            </a:extLst>
-          </p:cNvPr>
-          <p:cNvSpPr/>
-          <p:nvPr/>
-        </p:nvSpPr>
-        <p:spPr>
-          <a:xfrm>
-            <a:off x="6285148" y="2924943"/>
-            <a:ext cx="1602178" cy="864096"/>
-          </a:xfrm>
-          <a:prstGeom prst="roundRect">
-            <a:avLst/>
-          </a:prstGeom>
-        </p:spPr>
-        <p:style>
-          <a:lnRef idx="1">
-            <a:schemeClr val="accent2"/>
-          </a:lnRef>
-          <a:fillRef idx="2">
-            <a:schemeClr val="accent2"/>
-          </a:fillRef>
-          <a:effectRef idx="1">
-            <a:schemeClr val="accent2"/>
-          </a:effectRef>
-          <a:fontRef idx="minor">
-            <a:schemeClr val="dk1"/>
-          </a:fontRef>
-        </p:style>
-        <p:txBody>
-          <a:bodyPr rtlCol="0" anchor="ctr"/>
-          <a:lstStyle/>
-          <a:p>
-            <a:pPr algn="ctr"/>
-            <a:endParaRPr lang="en-US" altLang="ko-KR" sz="1600" dirty="0"/>
-          </a:p>
-          <a:p>
-            <a:pPr algn="ctr"/>
-            <a:endParaRPr lang="en-US" altLang="ko-KR" sz="1600" dirty="0"/>
-          </a:p>
-          <a:p>
-            <a:pPr algn="ctr"/>
-            <a:endParaRPr lang="en-US" altLang="ko-KR" sz="1600" dirty="0"/>
-          </a:p>
-          <a:p>
-            <a:pPr algn="ctr"/>
-            <a:r>
-              <a:rPr lang="en-US" altLang="ko-KR" sz="1600" dirty="0" err="1" smtClean="0"/>
-              <a:t>LookupError</a:t>
-            </a:r>
-            <a:endParaRPr lang="en-US" altLang="ko-KR" sz="1600" dirty="0"/>
-          </a:p>
-          <a:p>
-            <a:pPr algn="ctr"/>
-            <a:endParaRPr lang="en-US" altLang="ko-KR" sz="1600" dirty="0"/>
-          </a:p>
-          <a:p>
-            <a:pPr algn="ctr"/>
-            <a:endParaRPr lang="en-US" altLang="ko-KR" sz="1600" dirty="0"/>
-          </a:p>
-          <a:p>
-            <a:pPr algn="ctr"/>
-            <a:endParaRPr lang="ko-KR" altLang="en-US" sz="1600" dirty="0"/>
-          </a:p>
-        </p:txBody>
-      </p:sp>
-      <p:cxnSp>
-        <p:nvCxnSpPr>
-          <p:cNvPr id="6" name="꺾인 연결선 5"/>
-          <p:cNvCxnSpPr>
-            <a:stCxn id="55" idx="0"/>
-            <a:endCxn id="40" idx="2"/>
-          </p:cNvCxnSpPr>
-          <p:nvPr/>
-        </p:nvCxnSpPr>
-        <p:spPr>
-          <a:xfrm rot="5400000" flipH="1" flipV="1">
-            <a:off x="3560529" y="1604482"/>
-            <a:ext cx="624701" cy="2016222"/>
-          </a:xfrm>
-          <a:prstGeom prst="bentConnector3">
-            <a:avLst/>
-          </a:prstGeom>
-          <a:ln>
-            <a:tailEnd type="triangle"/>
-          </a:ln>
-        </p:spPr>
-        <p:style>
-          <a:lnRef idx="1">
-            <a:schemeClr val="accent1"/>
-          </a:lnRef>
-          <a:fillRef idx="0">
-            <a:schemeClr val="accent1"/>
-          </a:fillRef>
-          <a:effectRef idx="0">
-            <a:schemeClr val="accent1"/>
-          </a:effectRef>
-          <a:fontRef idx="minor">
-            <a:schemeClr val="tx1"/>
-          </a:fontRef>
-        </p:style>
-      </p:cxnSp>
-      <p:sp>
-        <p:nvSpPr>
-          <p:cNvPr id="58" name="사각형: 둥근 모서리 4">
-            <a:extLst>
-              <a:ext uri="{FF2B5EF4-FFF2-40B4-BE49-F238E27FC236}">
-                <a16:creationId xmlns="" xmlns:a16="http://schemas.microsoft.com/office/drawing/2014/main" id="{ED129E99-50A4-4BB8-A859-B2E96B81D3BF}"/>
-              </a:ext>
-            </a:extLst>
-          </p:cNvPr>
-          <p:cNvSpPr/>
-          <p:nvPr/>
-        </p:nvSpPr>
-        <p:spPr>
-          <a:xfrm>
-            <a:off x="848543" y="4417148"/>
-            <a:ext cx="1944216" cy="864096"/>
-          </a:xfrm>
-          <a:prstGeom prst="roundRect">
-            <a:avLst/>
-          </a:prstGeom>
-          <a:ln w="12700"/>
-        </p:spPr>
-        <p:style>
-          <a:lnRef idx="2">
-            <a:schemeClr val="accent4"/>
-          </a:lnRef>
-          <a:fillRef idx="1">
-            <a:schemeClr val="lt1"/>
-          </a:fillRef>
-          <a:effectRef idx="0">
-            <a:schemeClr val="accent4"/>
-          </a:effectRef>
-          <a:fontRef idx="minor">
-            <a:schemeClr val="dk1"/>
-          </a:fontRef>
-        </p:style>
-        <p:txBody>
-          <a:bodyPr rtlCol="0" anchor="ctr"/>
-          <a:lstStyle/>
-          <a:p>
-            <a:pPr algn="ctr"/>
-            <a:endParaRPr lang="en-US" altLang="ko-KR" sz="1600" dirty="0"/>
-          </a:p>
-          <a:p>
-            <a:pPr algn="ctr"/>
-            <a:endParaRPr lang="en-US" altLang="ko-KR" sz="1600" dirty="0"/>
-          </a:p>
-          <a:p>
-            <a:pPr algn="ctr"/>
-            <a:endParaRPr lang="en-US" altLang="ko-KR" sz="1600" dirty="0"/>
-          </a:p>
-          <a:p>
-            <a:pPr algn="ctr"/>
-            <a:r>
-              <a:rPr lang="en-US" altLang="ko-KR" sz="1600" dirty="0" err="1" smtClean="0"/>
-              <a:t>ZeroDivisionError</a:t>
-            </a:r>
-            <a:endParaRPr lang="en-US" altLang="ko-KR" sz="1600" dirty="0"/>
-          </a:p>
-          <a:p>
-            <a:pPr algn="ctr"/>
-            <a:endParaRPr lang="en-US" altLang="ko-KR" sz="1600" dirty="0"/>
-          </a:p>
-          <a:p>
-            <a:pPr algn="ctr"/>
-            <a:endParaRPr lang="en-US" altLang="ko-KR" sz="1600" dirty="0"/>
-          </a:p>
-          <a:p>
-            <a:pPr algn="ctr"/>
-            <a:endParaRPr lang="ko-KR" altLang="en-US" sz="1600" dirty="0"/>
-          </a:p>
-        </p:txBody>
-      </p:sp>
-      <p:sp>
-        <p:nvSpPr>
-          <p:cNvPr id="59" name="사각형: 둥근 모서리 4">
-            <a:extLst>
-              <a:ext uri="{FF2B5EF4-FFF2-40B4-BE49-F238E27FC236}">
-                <a16:creationId xmlns="" xmlns:a16="http://schemas.microsoft.com/office/drawing/2014/main" id="{ED129E99-50A4-4BB8-A859-B2E96B81D3BF}"/>
-              </a:ext>
-            </a:extLst>
-          </p:cNvPr>
-          <p:cNvSpPr/>
-          <p:nvPr/>
-        </p:nvSpPr>
-        <p:spPr>
-          <a:xfrm>
-            <a:off x="2936775" y="4413740"/>
-            <a:ext cx="2304256" cy="864096"/>
-          </a:xfrm>
-          <a:prstGeom prst="roundRect">
-            <a:avLst/>
-          </a:prstGeom>
-          <a:ln w="12700"/>
-        </p:spPr>
-        <p:style>
-          <a:lnRef idx="2">
-            <a:schemeClr val="accent4"/>
-          </a:lnRef>
-          <a:fillRef idx="1">
-            <a:schemeClr val="lt1"/>
-          </a:fillRef>
-          <a:effectRef idx="0">
-            <a:schemeClr val="accent4"/>
-          </a:effectRef>
-          <a:fontRef idx="minor">
-            <a:schemeClr val="dk1"/>
-          </a:fontRef>
-        </p:style>
-        <p:txBody>
-          <a:bodyPr rtlCol="0" anchor="ctr"/>
-          <a:lstStyle/>
-          <a:p>
-            <a:pPr algn="ctr"/>
-            <a:endParaRPr lang="en-US" altLang="ko-KR" sz="1600" dirty="0"/>
-          </a:p>
-          <a:p>
-            <a:pPr algn="ctr"/>
-            <a:endParaRPr lang="en-US" altLang="ko-KR" sz="1600" dirty="0"/>
-          </a:p>
-          <a:p>
-            <a:pPr algn="ctr"/>
-            <a:endParaRPr lang="en-US" altLang="ko-KR" sz="1600" dirty="0"/>
-          </a:p>
-          <a:p>
-            <a:pPr algn="ctr"/>
-            <a:r>
-              <a:rPr lang="en-US" altLang="ko-KR" sz="1600" dirty="0" err="1" smtClean="0"/>
-              <a:t>FloatingPointingError</a:t>
-            </a:r>
-            <a:endParaRPr lang="en-US" altLang="ko-KR" sz="1600" dirty="0"/>
-          </a:p>
-          <a:p>
-            <a:pPr algn="ctr"/>
-            <a:endParaRPr lang="en-US" altLang="ko-KR" sz="1600" dirty="0"/>
-          </a:p>
-          <a:p>
-            <a:pPr algn="ctr"/>
-            <a:endParaRPr lang="en-US" altLang="ko-KR" sz="1600" dirty="0"/>
-          </a:p>
-          <a:p>
-            <a:pPr algn="ctr"/>
-            <a:endParaRPr lang="ko-KR" altLang="en-US" sz="1600" dirty="0"/>
-          </a:p>
-        </p:txBody>
-      </p:sp>
-      <p:cxnSp>
-        <p:nvCxnSpPr>
-          <p:cNvPr id="60" name="꺾인 연결선 59"/>
-          <p:cNvCxnSpPr>
-            <a:stCxn id="58" idx="0"/>
-            <a:endCxn id="55" idx="2"/>
-          </p:cNvCxnSpPr>
-          <p:nvPr/>
-        </p:nvCxnSpPr>
-        <p:spPr>
-          <a:xfrm rot="5400000" flipH="1" flipV="1">
-            <a:off x="2028655" y="3581036"/>
-            <a:ext cx="628109" cy="1044117"/>
-          </a:xfrm>
-          <a:prstGeom prst="bentConnector3">
-            <a:avLst>
-              <a:gd name="adj1" fmla="val 50000"/>
-            </a:avLst>
-          </a:prstGeom>
-          <a:ln>
-            <a:tailEnd type="triangle"/>
-          </a:ln>
-        </p:spPr>
-        <p:style>
-          <a:lnRef idx="1">
-            <a:schemeClr val="accent1"/>
-          </a:lnRef>
-          <a:fillRef idx="0">
-            <a:schemeClr val="accent1"/>
-          </a:fillRef>
-          <a:effectRef idx="0">
-            <a:schemeClr val="accent1"/>
-          </a:effectRef>
-          <a:fontRef idx="minor">
-            <a:schemeClr val="tx1"/>
-          </a:fontRef>
-        </p:style>
-      </p:cxnSp>
-      <p:cxnSp>
-        <p:nvCxnSpPr>
-          <p:cNvPr id="61" name="꺾인 연결선 60"/>
-          <p:cNvCxnSpPr>
-            <a:stCxn id="59" idx="0"/>
-            <a:endCxn id="55" idx="2"/>
-          </p:cNvCxnSpPr>
-          <p:nvPr/>
-        </p:nvCxnSpPr>
-        <p:spPr>
-          <a:xfrm rot="16200000" flipV="1">
-            <a:off x="3164486" y="3489322"/>
-            <a:ext cx="624701" cy="1224135"/>
-          </a:xfrm>
-          <a:prstGeom prst="bentConnector3">
-            <a:avLst>
-              <a:gd name="adj1" fmla="val 50000"/>
-            </a:avLst>
-          </a:prstGeom>
-          <a:ln>
-            <a:tailEnd type="triangle"/>
-          </a:ln>
-        </p:spPr>
-        <p:style>
-          <a:lnRef idx="1">
-            <a:schemeClr val="accent1"/>
-          </a:lnRef>
-          <a:fillRef idx="0">
-            <a:schemeClr val="accent1"/>
-          </a:fillRef>
-          <a:effectRef idx="0">
-            <a:schemeClr val="accent1"/>
-          </a:effectRef>
-          <a:fontRef idx="minor">
-            <a:schemeClr val="tx1"/>
-          </a:fontRef>
-        </p:style>
-      </p:cxnSp>
-      <p:sp>
-        <p:nvSpPr>
-          <p:cNvPr id="62" name="사각형: 둥근 모서리 4">
-            <a:extLst>
-              <a:ext uri="{FF2B5EF4-FFF2-40B4-BE49-F238E27FC236}">
-                <a16:creationId xmlns="" xmlns:a16="http://schemas.microsoft.com/office/drawing/2014/main" id="{ED129E99-50A4-4BB8-A859-B2E96B81D3BF}"/>
-              </a:ext>
-            </a:extLst>
-          </p:cNvPr>
-          <p:cNvSpPr/>
-          <p:nvPr/>
-        </p:nvSpPr>
-        <p:spPr>
-          <a:xfrm>
-            <a:off x="5421052" y="4417149"/>
-            <a:ext cx="1620179" cy="864096"/>
-          </a:xfrm>
-          <a:prstGeom prst="roundRect">
-            <a:avLst/>
-          </a:prstGeom>
-          <a:ln w="12700"/>
-        </p:spPr>
-        <p:style>
-          <a:lnRef idx="2">
-            <a:schemeClr val="accent4"/>
-          </a:lnRef>
-          <a:fillRef idx="1">
-            <a:schemeClr val="lt1"/>
-          </a:fillRef>
-          <a:effectRef idx="0">
-            <a:schemeClr val="accent4"/>
-          </a:effectRef>
-          <a:fontRef idx="minor">
-            <a:schemeClr val="dk1"/>
-          </a:fontRef>
-        </p:style>
-        <p:txBody>
-          <a:bodyPr rtlCol="0" anchor="ctr"/>
-          <a:lstStyle/>
-          <a:p>
-            <a:pPr algn="ctr"/>
-            <a:endParaRPr lang="en-US" altLang="ko-KR" sz="1400" dirty="0"/>
-          </a:p>
-          <a:p>
-            <a:pPr algn="ctr"/>
-            <a:endParaRPr lang="en-US" altLang="ko-KR" sz="1400" dirty="0"/>
-          </a:p>
-          <a:p>
-            <a:pPr algn="ctr"/>
-            <a:endParaRPr lang="en-US" altLang="ko-KR" sz="1400" dirty="0"/>
-          </a:p>
-          <a:p>
-            <a:pPr algn="ctr"/>
-            <a:r>
-              <a:rPr lang="en-US" altLang="ko-KR" sz="1400" dirty="0" err="1" smtClean="0"/>
-              <a:t>IndexError</a:t>
-            </a:r>
-            <a:endParaRPr lang="en-US" altLang="ko-KR" sz="1400" dirty="0" smtClean="0"/>
-          </a:p>
-          <a:p>
-            <a:pPr algn="ctr"/>
-            <a:endParaRPr lang="en-US" altLang="ko-KR" sz="1400" dirty="0"/>
-          </a:p>
-          <a:p>
-            <a:pPr algn="ctr"/>
-            <a:endParaRPr lang="en-US" altLang="ko-KR" sz="1400" dirty="0"/>
-          </a:p>
-          <a:p>
-            <a:pPr algn="ctr"/>
-            <a:endParaRPr lang="ko-KR" altLang="en-US" sz="1400" dirty="0"/>
-          </a:p>
-        </p:txBody>
-      </p:sp>
-      <p:sp>
-        <p:nvSpPr>
-          <p:cNvPr id="63" name="사각형: 둥근 모서리 4">
-            <a:extLst>
-              <a:ext uri="{FF2B5EF4-FFF2-40B4-BE49-F238E27FC236}">
-                <a16:creationId xmlns="" xmlns:a16="http://schemas.microsoft.com/office/drawing/2014/main" id="{ED129E99-50A4-4BB8-A859-B2E96B81D3BF}"/>
-              </a:ext>
-            </a:extLst>
-          </p:cNvPr>
-          <p:cNvSpPr/>
-          <p:nvPr/>
-        </p:nvSpPr>
-        <p:spPr>
-          <a:xfrm>
-            <a:off x="7185247" y="4413741"/>
-            <a:ext cx="1512169" cy="864096"/>
-          </a:xfrm>
-          <a:prstGeom prst="roundRect">
-            <a:avLst/>
-          </a:prstGeom>
-          <a:ln w="12700"/>
-        </p:spPr>
-        <p:style>
-          <a:lnRef idx="2">
-            <a:schemeClr val="accent4"/>
-          </a:lnRef>
-          <a:fillRef idx="1">
-            <a:schemeClr val="lt1"/>
-          </a:fillRef>
-          <a:effectRef idx="0">
-            <a:schemeClr val="accent4"/>
-          </a:effectRef>
-          <a:fontRef idx="minor">
-            <a:schemeClr val="dk1"/>
-          </a:fontRef>
-        </p:style>
-        <p:txBody>
-          <a:bodyPr rtlCol="0" anchor="ctr"/>
-          <a:lstStyle/>
-          <a:p>
-            <a:pPr algn="ctr"/>
-            <a:endParaRPr lang="en-US" altLang="ko-KR" sz="1400" dirty="0"/>
-          </a:p>
-          <a:p>
-            <a:pPr algn="ctr"/>
-            <a:endParaRPr lang="en-US" altLang="ko-KR" sz="1400" dirty="0"/>
-          </a:p>
-          <a:p>
-            <a:pPr algn="ctr"/>
-            <a:endParaRPr lang="en-US" altLang="ko-KR" sz="1400" dirty="0"/>
-          </a:p>
-          <a:p>
-            <a:pPr algn="ctr"/>
-            <a:r>
-              <a:rPr lang="en-US" altLang="ko-KR" sz="1400" dirty="0" err="1" smtClean="0"/>
-              <a:t>KeyError</a:t>
-            </a:r>
-            <a:endParaRPr lang="en-US" altLang="ko-KR" sz="1400" dirty="0" smtClean="0"/>
-          </a:p>
-          <a:p>
-            <a:pPr algn="ctr"/>
-            <a:endParaRPr lang="en-US" altLang="ko-KR" sz="1400" dirty="0"/>
-          </a:p>
-          <a:p>
-            <a:pPr algn="ctr"/>
-            <a:endParaRPr lang="en-US" altLang="ko-KR" sz="1400" dirty="0" smtClean="0"/>
-          </a:p>
-          <a:p>
-            <a:pPr algn="ctr"/>
-            <a:endParaRPr lang="ko-KR" altLang="en-US" sz="1400" dirty="0"/>
-          </a:p>
-        </p:txBody>
-      </p:sp>
-      <p:cxnSp>
-        <p:nvCxnSpPr>
-          <p:cNvPr id="64" name="꺾인 연결선 63"/>
-          <p:cNvCxnSpPr>
-            <a:stCxn id="62" idx="0"/>
-            <a:endCxn id="56" idx="2"/>
-          </p:cNvCxnSpPr>
-          <p:nvPr/>
-        </p:nvCxnSpPr>
-        <p:spPr>
-          <a:xfrm rot="5400000" flipH="1" flipV="1">
-            <a:off x="6344634" y="3675547"/>
-            <a:ext cx="628110" cy="855095"/>
-          </a:xfrm>
-          <a:prstGeom prst="bentConnector3">
-            <a:avLst>
-              <a:gd name="adj1" fmla="val 50000"/>
-            </a:avLst>
-          </a:prstGeom>
-          <a:ln>
-            <a:tailEnd type="triangle"/>
-          </a:ln>
-        </p:spPr>
-        <p:style>
-          <a:lnRef idx="1">
-            <a:schemeClr val="accent1"/>
-          </a:lnRef>
-          <a:fillRef idx="0">
-            <a:schemeClr val="accent1"/>
-          </a:fillRef>
-          <a:effectRef idx="0">
-            <a:schemeClr val="accent1"/>
-          </a:effectRef>
-          <a:fontRef idx="minor">
-            <a:schemeClr val="tx1"/>
-          </a:fontRef>
-        </p:style>
-      </p:cxnSp>
-      <p:cxnSp>
-        <p:nvCxnSpPr>
-          <p:cNvPr id="65" name="꺾인 연결선 64"/>
-          <p:cNvCxnSpPr>
-            <a:stCxn id="63" idx="0"/>
-            <a:endCxn id="56" idx="2"/>
-          </p:cNvCxnSpPr>
-          <p:nvPr/>
-        </p:nvCxnSpPr>
-        <p:spPr>
-          <a:xfrm rot="16200000" flipV="1">
-            <a:off x="7201434" y="3673842"/>
-            <a:ext cx="624702" cy="855095"/>
-          </a:xfrm>
-          <a:prstGeom prst="bentConnector3">
-            <a:avLst>
-              <a:gd name="adj1" fmla="val 50000"/>
-            </a:avLst>
-          </a:prstGeom>
-          <a:ln>
-            <a:tailEnd type="triangle"/>
-          </a:ln>
-        </p:spPr>
-        <p:style>
-          <a:lnRef idx="1">
-            <a:schemeClr val="accent1"/>
-          </a:lnRef>
-          <a:fillRef idx="0">
-            <a:schemeClr val="accent1"/>
-          </a:fillRef>
-          <a:effectRef idx="0">
-            <a:schemeClr val="accent1"/>
-          </a:effectRef>
-          <a:fontRef idx="minor">
-            <a:schemeClr val="tx1"/>
-          </a:fontRef>
-        </p:style>
-      </p:cxnSp>
-      <p:sp>
-        <p:nvSpPr>
-          <p:cNvPr id="21" name="제목 1"/>
-          <p:cNvSpPr txBox="1">
-            <a:spLocks/>
-          </p:cNvSpPr>
-          <p:nvPr/>
-        </p:nvSpPr>
-        <p:spPr>
-          <a:xfrm>
-            <a:off x="675703" y="404664"/>
-            <a:ext cx="4565330" cy="504056"/>
-          </a:xfrm>
-          <a:prstGeom prst="rect">
-            <a:avLst/>
-          </a:prstGeom>
-        </p:spPr>
-        <p:txBody>
-          <a:bodyPr>
-            <a:normAutofit lnSpcReduction="10000"/>
-          </a:bodyPr>
-          <a:lstStyle>
-            <a:lvl1pPr algn="l" defTabSz="914400" rtl="0" eaLnBrk="1" latinLnBrk="1" hangingPunct="1">
-              <a:spcBef>
-                <a:spcPct val="0"/>
-              </a:spcBef>
-              <a:buNone/>
-              <a:defRPr sz="3200" kern="1200">
-                <a:solidFill>
-                  <a:sysClr val="windowText" lastClr="000000"/>
-                </a:solidFill>
-                <a:latin typeface="휴먼엑스포" panose="02030504000101010101" pitchFamily="18" charset="-127"/>
-                <a:ea typeface="휴먼엑스포" panose="02030504000101010101" pitchFamily="18" charset="-127"/>
-                <a:cs typeface="+mj-cs"/>
-              </a:defRPr>
-            </a:lvl1pPr>
-          </a:lstStyle>
-          <a:p>
-            <a:r>
-              <a:rPr lang="en-US" altLang="ko-KR" sz="2800" dirty="0" smtClean="0"/>
-              <a:t> Exception</a:t>
-            </a:r>
-            <a:r>
-              <a:rPr lang="ko-KR" altLang="en-US" sz="2800" dirty="0"/>
-              <a:t> </a:t>
-            </a:r>
-            <a:r>
-              <a:rPr lang="ko-KR" altLang="en-US" sz="2800" dirty="0" smtClean="0"/>
-              <a:t>계층도</a:t>
-            </a:r>
-            <a:endParaRPr lang="ko-KR" altLang="en-US" sz="2800" dirty="0"/>
-          </a:p>
-        </p:txBody>
-      </p:sp>
-      <p:cxnSp>
-        <p:nvCxnSpPr>
-          <p:cNvPr id="35" name="꺾인 연결선 34"/>
-          <p:cNvCxnSpPr/>
-          <p:nvPr/>
-        </p:nvCxnSpPr>
-        <p:spPr>
-          <a:xfrm rot="16200000" flipH="1">
-            <a:off x="5575555" y="1604482"/>
-            <a:ext cx="624701" cy="2016222"/>
-          </a:xfrm>
-          <a:prstGeom prst="bentConnector3">
-            <a:avLst/>
-          </a:prstGeom>
-          <a:ln>
-            <a:tailEnd type="triangle"/>
-          </a:ln>
-        </p:spPr>
-        <p:style>
-          <a:lnRef idx="1">
-            <a:schemeClr val="accent1"/>
-          </a:lnRef>
-          <a:fillRef idx="0">
-            <a:schemeClr val="accent1"/>
-          </a:fillRef>
-          <a:effectRef idx="0">
-            <a:schemeClr val="accent1"/>
-          </a:effectRef>
-          <a:fontRef idx="minor">
-            <a:schemeClr val="tx1"/>
-          </a:fontRef>
-        </p:style>
-      </p:cxnSp>
     </p:spTree>
     <p:extLst>
       <p:ext uri="{BB962C8B-B14F-4D97-AF65-F5344CB8AC3E}">
-        <p14:creationId xmlns:p14="http://schemas.microsoft.com/office/powerpoint/2010/main" val="2136653425"/>
+        <p14:creationId xmlns:p14="http://schemas.microsoft.com/office/powerpoint/2010/main" val="4286290591"/>
       </p:ext>
     </p:extLst>
   </p:cSld>
@@ -15838,22 +15974,89 @@
           </a:p>
         </p:txBody>
       </p:sp>
-      <p:sp>
-        <p:nvSpPr>
-          <p:cNvPr id="7" name="TextBox 6">
+      <p:pic>
+        <p:nvPicPr>
+          <p:cNvPr id="3" name="그림 2"/>
+          <p:cNvPicPr>
+            <a:picLocks noChangeAspect="1"/>
+          </p:cNvPicPr>
+          <p:nvPr/>
+        </p:nvPicPr>
+        <p:blipFill>
+          <a:blip r:embed="rId2">
             <a:extLst>
-              <a:ext uri="{FF2B5EF4-FFF2-40B4-BE49-F238E27FC236}">
-                <a16:creationId xmlns:a16="http://schemas.microsoft.com/office/drawing/2014/main" xmlns="" id="{5DD81B33-3C10-4B58-9ACC-5628B021DE57}"/>
+              <a:ext uri="{28A0092B-C50C-407E-A947-70E740481C1C}">
+                <a14:useLocalDpi xmlns:a14="http://schemas.microsoft.com/office/drawing/2010/main" val="0"/>
               </a:ext>
             </a:extLst>
-          </p:cNvPr>
+          </a:blip>
+          <a:stretch>
+            <a:fillRect/>
+          </a:stretch>
+        </p:blipFill>
+        <p:spPr>
+          <a:xfrm>
+            <a:off x="1345163" y="3691474"/>
+            <a:ext cx="5920701" cy="2473830"/>
+          </a:xfrm>
+          <a:prstGeom prst="rect">
+            <a:avLst/>
+          </a:prstGeom>
+          <a:ln>
+            <a:solidFill>
+              <a:schemeClr val="bg1">
+                <a:lumMod val="85000"/>
+              </a:schemeClr>
+            </a:solidFill>
+          </a:ln>
+        </p:spPr>
+      </p:pic>
+      <p:pic>
+        <p:nvPicPr>
+          <p:cNvPr id="8" name="그림 7"/>
+          <p:cNvPicPr>
+            <a:picLocks noChangeAspect="1"/>
+          </p:cNvPicPr>
+          <p:nvPr/>
+        </p:nvPicPr>
+        <p:blipFill rotWithShape="1">
+          <a:blip r:embed="rId3">
+            <a:extLst>
+              <a:ext uri="{28A0092B-C50C-407E-A947-70E740481C1C}">
+                <a14:useLocalDpi xmlns:a14="http://schemas.microsoft.com/office/drawing/2010/main" val="0"/>
+              </a:ext>
+            </a:extLst>
+          </a:blip>
+          <a:srcRect r="18758"/>
+          <a:stretch/>
+        </p:blipFill>
+        <p:spPr>
+          <a:xfrm>
+            <a:off x="1345163" y="1916832"/>
+            <a:ext cx="6282478" cy="1584176"/>
+          </a:xfrm>
+          <a:prstGeom prst="rect">
+            <a:avLst/>
+          </a:prstGeom>
+          <a:ln>
+            <a:solidFill>
+              <a:schemeClr val="bg1">
+                <a:lumMod val="85000"/>
+              </a:schemeClr>
+            </a:solidFill>
+          </a:ln>
+        </p:spPr>
+      </p:pic>
+      <p:sp>
+        <p:nvSpPr>
+          <p:cNvPr id="9" name="TextBox 8"/>
           <p:cNvSpPr txBox="1"/>
           <p:nvPr/>
         </p:nvSpPr>
         <p:spPr>
           <a:xfrm>
-            <a:off x="919809" y="1412776"/>
-            <a:ext cx="6049415" cy="553998"/>
+            <a:off x="968389" y="1403484"/>
+            <a:ext cx="7036026" cy="369332"/>
           </a:xfrm>
           <a:prstGeom prst="rect">
             <a:avLst/>
@@ -15866,157 +16069,13 @@
           </a:bodyPr>
           <a:lstStyle/>
           <a:p>
-            <a:pPr marL="342900" indent="-342900">
-              <a:lnSpc>
-                <a:spcPct val="150000"/>
-              </a:lnSpc>
+            <a:pPr marL="285750" indent="-285750">
               <a:buFont typeface="Wingdings" panose="05000000000000000000" pitchFamily="2" charset="2"/>
-              <a:buChar char="v"/>
+              <a:buChar char="l"/>
             </a:pPr>
             <a:r>
-              <a:rPr lang="ko-KR" altLang="en-US" sz="2000" dirty="0" smtClean="0"/>
-              <a:t> </a:t>
-            </a:r>
-            <a:r>
-              <a:rPr lang="ko-KR" altLang="en-US" sz="2000" b="1" dirty="0" smtClean="0">
-                <a:solidFill>
-                  <a:srgbClr val="C00000"/>
-                </a:solidFill>
-              </a:rPr>
-              <a:t>예외 처리 방법 </a:t>
-            </a:r>
-            <a:r>
-              <a:rPr lang="en-US" altLang="ko-KR" sz="2000" dirty="0" smtClean="0"/>
-              <a:t>: </a:t>
-            </a:r>
-            <a:r>
-              <a:rPr lang="en-US" altLang="ko-KR" sz="2000" b="1" dirty="0" smtClean="0"/>
-              <a:t>try ~ except </a:t>
-            </a:r>
-            <a:r>
-              <a:rPr lang="ko-KR" altLang="en-US" sz="2000" b="1" dirty="0" smtClean="0"/>
-              <a:t>구문 </a:t>
-            </a:r>
-            <a:endParaRPr lang="en-US" altLang="ko-KR" sz="2000" b="1" dirty="0" smtClean="0"/>
-          </a:p>
-        </p:txBody>
-      </p:sp>
-      <p:sp>
-        <p:nvSpPr>
-          <p:cNvPr id="8" name="TextBox 7"/>
-          <p:cNvSpPr txBox="1"/>
-          <p:nvPr/>
-        </p:nvSpPr>
-        <p:spPr>
-          <a:xfrm>
-            <a:off x="1519027" y="2136115"/>
-            <a:ext cx="5418216" cy="2553891"/>
-          </a:xfrm>
-          <a:prstGeom prst="roundRect">
-            <a:avLst/>
-          </a:prstGeom>
-          <a:noFill/>
-          <a:ln>
-            <a:solidFill>
-              <a:schemeClr val="tx1">
-                <a:lumMod val="50000"/>
-                <a:lumOff val="50000"/>
-              </a:schemeClr>
-            </a:solidFill>
-          </a:ln>
-        </p:spPr>
-        <p:txBody>
-          <a:bodyPr wrap="square" rtlCol="0">
-            <a:spAutoFit/>
-          </a:bodyPr>
-          <a:lstStyle/>
-          <a:p>
-            <a:pPr>
-              <a:lnSpc>
-                <a:spcPct val="200000"/>
-              </a:lnSpc>
-            </a:pPr>
-            <a:r>
-              <a:rPr lang="en-US" altLang="ko-KR" b="1" dirty="0">
-                <a:solidFill>
-                  <a:srgbClr val="C00000"/>
-                </a:solidFill>
-              </a:rPr>
-              <a:t>t</a:t>
-            </a:r>
-            <a:r>
-              <a:rPr lang="en-US" altLang="ko-KR" b="1" dirty="0" smtClean="0">
-                <a:solidFill>
-                  <a:srgbClr val="C00000"/>
-                </a:solidFill>
-              </a:rPr>
-              <a:t>ry:</a:t>
-            </a:r>
-          </a:p>
-          <a:p>
-            <a:pPr>
-              <a:lnSpc>
-                <a:spcPct val="200000"/>
-              </a:lnSpc>
-            </a:pPr>
-            <a:r>
-              <a:rPr lang="en-US" altLang="ko-KR" dirty="0"/>
-              <a:t> </a:t>
-            </a:r>
-            <a:r>
-              <a:rPr lang="en-US" altLang="ko-KR" dirty="0" smtClean="0"/>
-              <a:t>  </a:t>
-            </a:r>
-            <a:r>
               <a:rPr lang="ko-KR" altLang="en-US" dirty="0" smtClean="0"/>
-              <a:t>예외가 발생할 가능성이 있는 코드</a:t>
-            </a:r>
-            <a:endParaRPr lang="en-US" altLang="ko-KR" dirty="0" smtClean="0"/>
-          </a:p>
-          <a:p>
-            <a:pPr>
-              <a:lnSpc>
-                <a:spcPct val="200000"/>
-              </a:lnSpc>
-            </a:pPr>
-            <a:r>
-              <a:rPr lang="en-US" altLang="ko-KR" b="1" dirty="0" smtClean="0">
-                <a:solidFill>
-                  <a:srgbClr val="C00000"/>
-                </a:solidFill>
-              </a:rPr>
-              <a:t>except </a:t>
-            </a:r>
-            <a:r>
-              <a:rPr lang="ko-KR" altLang="en-US" b="1" dirty="0" smtClean="0">
-                <a:solidFill>
-                  <a:srgbClr val="C00000"/>
-                </a:solidFill>
-              </a:rPr>
-              <a:t>예외 클래스</a:t>
-            </a:r>
-            <a:r>
-              <a:rPr lang="en-US" altLang="ko-KR" b="1" dirty="0" smtClean="0">
-                <a:solidFill>
-                  <a:srgbClr val="C00000"/>
-                </a:solidFill>
-              </a:rPr>
-              <a:t>:</a:t>
-            </a:r>
-          </a:p>
-          <a:p>
-            <a:pPr>
-              <a:lnSpc>
-                <a:spcPct val="200000"/>
-              </a:lnSpc>
-            </a:pPr>
-            <a:r>
-              <a:rPr lang="en-US" altLang="ko-KR" dirty="0" smtClean="0"/>
-              <a:t>    </a:t>
-            </a:r>
-            <a:r>
-              <a:rPr lang="ko-KR" altLang="en-US" dirty="0" smtClean="0"/>
-              <a:t>예외가 발생했을 경우 실행 코드</a:t>
+              <a:t>숫자를 입력할 곳에 문자를 입력하여 예외 발생</a:t>
             </a:r>
             <a:endParaRPr lang="ko-KR" altLang="en-US" dirty="0"/>
           </a:p>
@@ -16025,7 +16084,7 @@
     </p:spTree>
     <p:extLst>
       <p:ext uri="{BB962C8B-B14F-4D97-AF65-F5344CB8AC3E}">
-        <p14:creationId xmlns:p14="http://schemas.microsoft.com/office/powerpoint/2010/main" val="4286290591"/>
+        <p14:creationId xmlns:p14="http://schemas.microsoft.com/office/powerpoint/2010/main" val="1878923580"/>
       </p:ext>
     </p:extLst>
   </p:cSld>
@@ -16115,6 +16174,91 @@
           </a:p>
         </p:txBody>
       </p:sp>
+      <p:sp>
+        <p:nvSpPr>
+          <p:cNvPr id="14" name="TextBox 13">
+            <a:extLst>
+              <a:ext uri="{FF2B5EF4-FFF2-40B4-BE49-F238E27FC236}">
+                <a16:creationId xmlns:a16="http://schemas.microsoft.com/office/drawing/2014/main" id="{5DD81B33-3C10-4B58-9ACC-5628B021DE57}"/>
+              </a:ext>
+            </a:extLst>
+          </p:cNvPr>
+          <p:cNvSpPr txBox="1"/>
+          <p:nvPr/>
+        </p:nvSpPr>
+        <p:spPr>
+          <a:xfrm>
+            <a:off x="1064568" y="1402023"/>
+            <a:ext cx="2016968" cy="923330"/>
+          </a:xfrm>
+          <a:prstGeom prst="rect">
+            <a:avLst/>
+          </a:prstGeom>
+          <a:noFill/>
+        </p:spPr>
+        <p:txBody>
+          <a:bodyPr wrap="square" rtlCol="0">
+            <a:spAutoFit/>
+          </a:bodyPr>
+          <a:lstStyle/>
+          <a:p>
+            <a:pPr>
+              <a:lnSpc>
+                <a:spcPct val="150000"/>
+              </a:lnSpc>
+            </a:pPr>
+            <a:r>
+              <a:rPr lang="ko-KR" altLang="en-US" b="1" dirty="0" smtClean="0">
+                <a:solidFill>
+                  <a:srgbClr val="C00000"/>
+                </a:solidFill>
+              </a:rPr>
+              <a:t>숫자 추측 게임</a:t>
+            </a:r>
+            <a:r>
+              <a:rPr lang="en-US" altLang="ko-KR" b="1" dirty="0">
+                <a:solidFill>
+                  <a:srgbClr val="C00000"/>
+                </a:solidFill>
+              </a:rPr>
+              <a:t> </a:t>
+            </a:r>
+            <a:endParaRPr lang="en-US" altLang="ko-KR" b="1" dirty="0" smtClean="0">
+              <a:solidFill>
+                <a:srgbClr val="C00000"/>
+              </a:solidFill>
+            </a:endParaRPr>
+          </a:p>
+          <a:p>
+            <a:pPr>
+              <a:lnSpc>
+                <a:spcPct val="150000"/>
+              </a:lnSpc>
+            </a:pPr>
+            <a:r>
+              <a:rPr lang="en-US" altLang="ko-KR" b="1" dirty="0" smtClean="0">
+                <a:solidFill>
+                  <a:srgbClr val="C00000"/>
+                </a:solidFill>
+              </a:rPr>
+              <a:t>- </a:t>
+            </a:r>
+            <a:r>
+              <a:rPr lang="ko-KR" altLang="en-US" b="1" dirty="0" smtClean="0">
+                <a:solidFill>
+                  <a:srgbClr val="C00000"/>
+                </a:solidFill>
+              </a:rPr>
+              <a:t>예외 처리</a:t>
+            </a:r>
+            <a:endParaRPr lang="en-US" altLang="ko-KR" b="1" dirty="0" smtClean="0">
+              <a:solidFill>
+                <a:srgbClr val="C00000"/>
+              </a:solidFill>
+            </a:endParaRPr>
+          </a:p>
+        </p:txBody>
+      </p:sp>
       <p:pic>
         <p:nvPicPr>
           <p:cNvPr id="3" name="그림 2"/>
@@ -16137,8 +16281,8 @@
         </p:blipFill>
         <p:spPr>
           <a:xfrm>
-            <a:off x="1345163" y="3691474"/>
-            <a:ext cx="5920701" cy="2473830"/>
+            <a:off x="3368824" y="1400807"/>
+            <a:ext cx="5256584" cy="4917703"/>
           </a:xfrm>
           <a:prstGeom prst="rect">
             <a:avLst/>
@@ -16152,80 +16296,10 @@
           </a:ln>
         </p:spPr>
       </p:pic>
-      <p:pic>
-        <p:nvPicPr>
-          <p:cNvPr id="8" name="그림 7"/>
-          <p:cNvPicPr>
-            <a:picLocks noChangeAspect="1"/>
-          </p:cNvPicPr>
-          <p:nvPr/>
-        </p:nvPicPr>
-        <p:blipFill rotWithShape="1">
-          <a:blip r:embed="rId3">
-            <a:extLst>
-              <a:ext uri="{28A0092B-C50C-407E-A947-70E740481C1C}">
-                <a14:useLocalDpi xmlns:a14="http://schemas.microsoft.com/office/drawing/2010/main" val="0"/>
-              </a:ext>
-            </a:extLst>
-          </a:blip>
-          <a:srcRect r="18758"/>
-          <a:stretch/>
-        </p:blipFill>
-        <p:spPr>
-          <a:xfrm>
-            <a:off x="1345163" y="1916832"/>
-            <a:ext cx="6282478" cy="1584176"/>
-          </a:xfrm>
-          <a:prstGeom prst="rect">
-            <a:avLst/>
-          </a:prstGeom>
-          <a:ln>
-            <a:solidFill>
-              <a:schemeClr val="bg1">
-                <a:lumMod val="85000"/>
-              </a:schemeClr>
-            </a:solidFill>
-          </a:ln>
-        </p:spPr>
-      </p:pic>
-      <p:sp>
-        <p:nvSpPr>
-          <p:cNvPr id="9" name="TextBox 8"/>
-          <p:cNvSpPr txBox="1"/>
-          <p:nvPr/>
-        </p:nvSpPr>
-        <p:spPr>
-          <a:xfrm>
-            <a:off x="968389" y="1403484"/>
-            <a:ext cx="7036026" cy="369332"/>
-          </a:xfrm>
-          <a:prstGeom prst="rect">
-            <a:avLst/>
-          </a:prstGeom>
-          <a:noFill/>
-        </p:spPr>
-        <p:txBody>
-          <a:bodyPr wrap="square" rtlCol="0">
-            <a:spAutoFit/>
-          </a:bodyPr>
-          <a:lstStyle/>
-          <a:p>
-            <a:pPr marL="285750" indent="-285750">
-              <a:buFont typeface="Wingdings" panose="05000000000000000000" pitchFamily="2" charset="2"/>
-              <a:buChar char="l"/>
-            </a:pPr>
-            <a:r>
-              <a:rPr lang="ko-KR" altLang="en-US" dirty="0" smtClean="0"/>
-              <a:t>숫자를 입력할 곳에 문자를 입력하여 예외 발생</a:t>
-            </a:r>
-            <a:endParaRPr lang="ko-KR" altLang="en-US" dirty="0"/>
-          </a:p>
-        </p:txBody>
-      </p:sp>
     </p:spTree>
     <p:extLst>
       <p:ext uri="{BB962C8B-B14F-4D97-AF65-F5344CB8AC3E}">
-        <p14:creationId xmlns:p14="http://schemas.microsoft.com/office/powerpoint/2010/main" val="1878923580"/>
+        <p14:creationId xmlns:p14="http://schemas.microsoft.com/office/powerpoint/2010/main" val="3523855878"/>
       </p:ext>
     </p:extLst>
   </p:cSld>
@@ -16269,7 +16343,12 @@
             <p:ph type="title"/>
           </p:nvPr>
         </p:nvSpPr>
-        <p:spPr/>
+        <p:spPr>
+          <a:xfrm>
+            <a:off x="628137" y="315336"/>
+            <a:ext cx="6201139" cy="728271"/>
+          </a:xfrm>
+        </p:spPr>
         <p:txBody>
           <a:bodyPr>
             <a:normAutofit/>
@@ -16282,7 +16361,7 @@
             </a:r>
             <a:r>
               <a:rPr lang="ko-KR" altLang="en-US" sz="2800" dirty="0" smtClean="0"/>
-              <a:t>예외 처리</a:t>
+              <a:t>다중 예외 처리</a:t>
             </a:r>
             <a:r>
               <a:rPr lang="en-US" altLang="ko-KR" sz="2800" dirty="0" smtClean="0"/>
@@ -16317,230 +16396,10 @@
       </p:sp>
       <p:sp>
         <p:nvSpPr>
-          <p:cNvPr id="14" name="TextBox 13">
-            <a:extLst>
-              <a:ext uri="{FF2B5EF4-FFF2-40B4-BE49-F238E27FC236}">
-                <a16:creationId xmlns:a16="http://schemas.microsoft.com/office/drawing/2014/main" xmlns="" id="{5DD81B33-3C10-4B58-9ACC-5628B021DE57}"/>
-              </a:ext>
-            </a:extLst>
-          </p:cNvPr>
-          <p:cNvSpPr txBox="1"/>
-          <p:nvPr/>
-        </p:nvSpPr>
-        <p:spPr>
-          <a:xfrm>
-            <a:off x="1064568" y="1402023"/>
-            <a:ext cx="2016968" cy="923330"/>
-          </a:xfrm>
-          <a:prstGeom prst="rect">
-            <a:avLst/>
-          </a:prstGeom>
-          <a:noFill/>
-        </p:spPr>
-        <p:txBody>
-          <a:bodyPr wrap="square" rtlCol="0">
-            <a:spAutoFit/>
-          </a:bodyPr>
-          <a:lstStyle/>
-          <a:p>
-            <a:pPr>
-              <a:lnSpc>
-                <a:spcPct val="150000"/>
-              </a:lnSpc>
-            </a:pPr>
-            <a:r>
-              <a:rPr lang="ko-KR" altLang="en-US" b="1" dirty="0" smtClean="0">
-                <a:solidFill>
-                  <a:srgbClr val="C00000"/>
-                </a:solidFill>
-              </a:rPr>
-              <a:t>숫자 추측 게임</a:t>
-            </a:r>
-            <a:r>
-              <a:rPr lang="en-US" altLang="ko-KR" b="1" dirty="0">
-                <a:solidFill>
-                  <a:srgbClr val="C00000"/>
-                </a:solidFill>
-              </a:rPr>
-              <a:t> </a:t>
-            </a:r>
-            <a:endParaRPr lang="en-US" altLang="ko-KR" b="1" dirty="0" smtClean="0">
-              <a:solidFill>
-                <a:srgbClr val="C00000"/>
-              </a:solidFill>
-            </a:endParaRPr>
-          </a:p>
-          <a:p>
-            <a:pPr>
-              <a:lnSpc>
-                <a:spcPct val="150000"/>
-              </a:lnSpc>
-            </a:pPr>
-            <a:r>
-              <a:rPr lang="en-US" altLang="ko-KR" b="1" dirty="0" smtClean="0">
-                <a:solidFill>
-                  <a:srgbClr val="C00000"/>
-                </a:solidFill>
-              </a:rPr>
-              <a:t>- </a:t>
-            </a:r>
-            <a:r>
-              <a:rPr lang="ko-KR" altLang="en-US" b="1" dirty="0" smtClean="0">
-                <a:solidFill>
-                  <a:srgbClr val="C00000"/>
-                </a:solidFill>
-              </a:rPr>
-              <a:t>예외 처리</a:t>
-            </a:r>
-            <a:endParaRPr lang="en-US" altLang="ko-KR" b="1" dirty="0" smtClean="0">
-              <a:solidFill>
-                <a:srgbClr val="C00000"/>
-              </a:solidFill>
-            </a:endParaRPr>
-          </a:p>
-        </p:txBody>
-      </p:sp>
-      <p:pic>
-        <p:nvPicPr>
-          <p:cNvPr id="3" name="그림 2"/>
-          <p:cNvPicPr>
-            <a:picLocks noChangeAspect="1"/>
-          </p:cNvPicPr>
-          <p:nvPr/>
-        </p:nvPicPr>
-        <p:blipFill>
-          <a:blip r:embed="rId2">
-            <a:extLst>
-              <a:ext uri="{28A0092B-C50C-407E-A947-70E740481C1C}">
-                <a14:useLocalDpi xmlns:a14="http://schemas.microsoft.com/office/drawing/2010/main" val="0"/>
-              </a:ext>
-            </a:extLst>
-          </a:blip>
-          <a:stretch>
-            <a:fillRect/>
-          </a:stretch>
-        </p:blipFill>
-        <p:spPr>
-          <a:xfrm>
-            <a:off x="3368824" y="1400807"/>
-            <a:ext cx="5256584" cy="4917703"/>
-          </a:xfrm>
-          <a:prstGeom prst="rect">
-            <a:avLst/>
-          </a:prstGeom>
-          <a:ln>
-            <a:solidFill>
-              <a:schemeClr val="bg1">
-                <a:lumMod val="85000"/>
-              </a:schemeClr>
-            </a:solidFill>
-          </a:ln>
-        </p:spPr>
-      </p:pic>
-    </p:spTree>
-    <p:extLst>
-      <p:ext uri="{BB962C8B-B14F-4D97-AF65-F5344CB8AC3E}">
-        <p14:creationId xmlns:p14="http://schemas.microsoft.com/office/powerpoint/2010/main" val="3523855878"/>
-      </p:ext>
-    </p:extLst>
-  </p:cSld>
-  <p:clrMapOvr>
-    <a:masterClrMapping/>
-  </p:clrMapOvr>
-  <p:timing>
-    <p:tnLst>
-      <p:par>
-        <p:cTn id="1" dur="indefinite" restart="never" nodeType="tmRoot"/>
-      </p:par>
-    </p:tnLst>
-  </p:timing>
-</p:sld>
-</file>
-
-<file path=ppt/slides/slide44.xml><?xml version="1.0" encoding="utf-8"?>
-<p:sld xmlns:a="http://schemas.openxmlformats.org/drawingml/2006/main" xmlns:r="http://schemas.openxmlformats.org/officeDocument/2006/relationships" xmlns:p="http://schemas.openxmlformats.org/presentationml/2006/main">
-  <p:cSld>
-    <p:spTree>
-      <p:nvGrpSpPr>
-        <p:cNvPr id="1" name=""/>
-        <p:cNvGrpSpPr/>
-        <p:nvPr/>
-      </p:nvGrpSpPr>
-      <p:grpSpPr>
-        <a:xfrm>
-          <a:off x="0" y="0"/>
-          <a:ext cx="0" cy="0"/>
-          <a:chOff x="0" y="0"/>
-          <a:chExt cx="0" cy="0"/>
-        </a:xfrm>
-      </p:grpSpPr>
-      <p:sp>
-        <p:nvSpPr>
-          <p:cNvPr id="2" name="제목 1"/>
-          <p:cNvSpPr>
-            <a:spLocks noGrp="1"/>
-          </p:cNvSpPr>
-          <p:nvPr>
-            <p:ph type="title"/>
-          </p:nvPr>
-        </p:nvSpPr>
-        <p:spPr>
-          <a:xfrm>
-            <a:off x="628137" y="269776"/>
-            <a:ext cx="6201139" cy="854968"/>
-          </a:xfrm>
-        </p:spPr>
-        <p:txBody>
-          <a:bodyPr>
-            <a:normAutofit/>
-          </a:bodyPr>
-          <a:lstStyle/>
-          <a:p>
-            <a:r>
-              <a:rPr lang="en-US" altLang="ko-KR" sz="2800" dirty="0"/>
-              <a:t> </a:t>
-            </a:r>
-            <a:r>
-              <a:rPr lang="ko-KR" altLang="en-US" sz="2800" dirty="0" smtClean="0"/>
-              <a:t>다중 예외 처리</a:t>
-            </a:r>
-            <a:r>
-              <a:rPr lang="en-US" altLang="ko-KR" sz="2800" dirty="0" smtClean="0"/>
-              <a:t>(Exception)</a:t>
-            </a:r>
-            <a:endParaRPr lang="ko-KR" altLang="en-US" sz="2800" dirty="0"/>
-          </a:p>
-        </p:txBody>
-      </p:sp>
-      <p:sp>
-        <p:nvSpPr>
-          <p:cNvPr id="4" name="슬라이드 번호 개체 틀 3"/>
-          <p:cNvSpPr>
-            <a:spLocks noGrp="1"/>
-          </p:cNvSpPr>
-          <p:nvPr>
-            <p:ph type="sldNum" sz="quarter" idx="12"/>
-          </p:nvPr>
-        </p:nvSpPr>
-        <p:spPr/>
-        <p:txBody>
-          <a:bodyPr/>
-          <a:lstStyle/>
-          <a:p>
-            <a:fld id="{1BDE3FE7-3AEA-4B05-AC5A-802D1816ACF0}" type="slidenum">
-              <a:rPr lang="ko-KR" altLang="en-US" smtClean="0"/>
-              <a:t>44</a:t>
-            </a:fld>
-            <a:endParaRPr lang="ko-KR" altLang="en-US"/>
-          </a:p>
-        </p:txBody>
-      </p:sp>
-      <p:sp>
-        <p:nvSpPr>
           <p:cNvPr id="13" name="TextBox 12">
             <a:extLst>
               <a:ext uri="{FF2B5EF4-FFF2-40B4-BE49-F238E27FC236}">
-                <a16:creationId xmlns:a16="http://schemas.microsoft.com/office/drawing/2014/main" xmlns="" id="{5DD81B33-3C10-4B58-9ACC-5628B021DE57}"/>
+                <a16:creationId xmlns:a16="http://schemas.microsoft.com/office/drawing/2014/main" id="{5DD81B33-3C10-4B58-9ACC-5628B021DE57}"/>
               </a:ext>
             </a:extLst>
           </p:cNvPr>
@@ -16866,7 +16725,7 @@
           <p:cNvPr id="14" name="TextBox 13">
             <a:extLst>
               <a:ext uri="{FF2B5EF4-FFF2-40B4-BE49-F238E27FC236}">
-                <a16:creationId xmlns:a16="http://schemas.microsoft.com/office/drawing/2014/main" xmlns="" id="{5DD81B33-3C10-4B58-9ACC-5628B021DE57}"/>
+                <a16:creationId xmlns:a16="http://schemas.microsoft.com/office/drawing/2014/main" id="{5DD81B33-3C10-4B58-9ACC-5628B021DE57}"/>
               </a:ext>
             </a:extLst>
           </p:cNvPr>
@@ -17097,7 +16956,7 @@
 </p:sld>
 </file>
 
-<file path=ppt/slides/slide45.xml><?xml version="1.0" encoding="utf-8"?>
+<file path=ppt/slides/slide44.xml><?xml version="1.0" encoding="utf-8"?>
 <p:sld xmlns:a="http://schemas.openxmlformats.org/drawingml/2006/main" xmlns:r="http://schemas.openxmlformats.org/officeDocument/2006/relationships" xmlns:p="http://schemas.openxmlformats.org/presentationml/2006/main">
   <p:cSld>
     <p:spTree>
@@ -17124,7 +16983,12 @@
             <p:ph type="title"/>
           </p:nvPr>
         </p:nvSpPr>
-        <p:spPr/>
+        <p:spPr>
+          <a:xfrm>
+            <a:off x="628137" y="332656"/>
+            <a:ext cx="6201139" cy="720080"/>
+          </a:xfrm>
+        </p:spPr>
         <p:txBody>
           <a:bodyPr>
             <a:normAutofit/>
@@ -17164,7 +17028,7 @@
           <a:p>
             <a:fld id="{1BDE3FE7-3AEA-4B05-AC5A-802D1816ACF0}" type="slidenum">
               <a:rPr lang="ko-KR" altLang="en-US" smtClean="0"/>
-              <a:t>45</a:t>
+              <a:t>44</a:t>
             </a:fld>
             <a:endParaRPr lang="ko-KR" altLang="en-US"/>
           </a:p>
@@ -17380,7 +17244,7 @@
 </p:sld>
 </file>
 
-<file path=ppt/slides/slide46.xml><?xml version="1.0" encoding="utf-8"?>
+<file path=ppt/slides/slide45.xml><?xml version="1.0" encoding="utf-8"?>
 <p:sld xmlns:a="http://schemas.openxmlformats.org/drawingml/2006/main" xmlns:r="http://schemas.openxmlformats.org/officeDocument/2006/relationships" xmlns:p="http://schemas.openxmlformats.org/presentationml/2006/main">
   <p:cSld>
     <p:spTree>
@@ -17480,7 +17344,7 @@
           <a:p>
             <a:fld id="{1BDE3FE7-3AEA-4B05-AC5A-802D1816ACF0}" type="slidenum">
               <a:rPr lang="ko-KR" altLang="en-US" smtClean="0"/>
-              <a:t>46</a:t>
+              <a:t>45</a:t>
             </a:fld>
             <a:endParaRPr lang="ko-KR" altLang="en-US"/>
           </a:p>
@@ -17861,7 +17725,7 @@
 </p:sld>
 </file>
 
-<file path=ppt/slides/slide47.xml><?xml version="1.0" encoding="utf-8"?>
+<file path=ppt/slides/slide46.xml><?xml version="1.0" encoding="utf-8"?>
 <p:sld xmlns:a="http://schemas.openxmlformats.org/drawingml/2006/main" xmlns:r="http://schemas.openxmlformats.org/officeDocument/2006/relationships" xmlns:p="http://schemas.openxmlformats.org/presentationml/2006/main">
   <p:cSld>
     <p:spTree>
@@ -17928,7 +17792,7 @@
           <a:p>
             <a:fld id="{1BDE3FE7-3AEA-4B05-AC5A-802D1816ACF0}" type="slidenum">
               <a:rPr lang="ko-KR" altLang="en-US" smtClean="0"/>
-              <a:t>47</a:t>
+              <a:t>46</a:t>
             </a:fld>
             <a:endParaRPr lang="ko-KR" altLang="en-US"/>
           </a:p>
@@ -18189,7 +18053,7 @@
 </p:sld>
 </file>
 
-<file path=ppt/slides/slide48.xml><?xml version="1.0" encoding="utf-8"?>
+<file path=ppt/slides/slide47.xml><?xml version="1.0" encoding="utf-8"?>
 <p:sld xmlns:a="http://schemas.openxmlformats.org/drawingml/2006/main" xmlns:r="http://schemas.openxmlformats.org/officeDocument/2006/relationships" xmlns:p="http://schemas.openxmlformats.org/presentationml/2006/main">
   <p:cSld>
     <p:spTree>
@@ -18289,7 +18153,7 @@
           <a:p>
             <a:fld id="{1BDE3FE7-3AEA-4B05-AC5A-802D1816ACF0}" type="slidenum">
               <a:rPr lang="ko-KR" altLang="en-US" smtClean="0"/>
-              <a:t>48</a:t>
+              <a:t>47</a:t>
             </a:fld>
             <a:endParaRPr lang="ko-KR" altLang="en-US"/>
           </a:p>
@@ -19087,7 +18951,7 @@
       </p:sp>
       <p:pic>
         <p:nvPicPr>
-          <p:cNvPr id="3" name="그림 2"/>
+          <p:cNvPr id="7" name="그림 6"/>
           <p:cNvPicPr>
             <a:picLocks noChangeAspect="1"/>
           </p:cNvPicPr>
@@ -19107,8 +18971,8 @@
         </p:blipFill>
         <p:spPr>
           <a:xfrm>
-            <a:off x="1688366" y="1988840"/>
-            <a:ext cx="3896901" cy="3680005"/>
+            <a:off x="6432049" y="2564904"/>
+            <a:ext cx="1650413" cy="1872208"/>
           </a:xfrm>
           <a:prstGeom prst="rect">
             <a:avLst/>
@@ -19124,7 +18988,7 @@
       </p:pic>
       <p:pic>
         <p:nvPicPr>
-          <p:cNvPr id="7" name="그림 6"/>
+          <p:cNvPr id="5" name="그림 4"/>
           <p:cNvPicPr>
             <a:picLocks noChangeAspect="1"/>
           </p:cNvPicPr>
@@ -19144,8 +19008,8 @@
         </p:blipFill>
         <p:spPr>
           <a:xfrm>
-            <a:off x="6033120" y="2564904"/>
-            <a:ext cx="1650413" cy="1872208"/>
+            <a:off x="1384000" y="2204864"/>
+            <a:ext cx="4649120" cy="2592288"/>
           </a:xfrm>
           <a:prstGeom prst="rect">
             <a:avLst/>
@@ -19260,8 +19124,8 @@
         </p:nvSpPr>
         <p:spPr>
           <a:xfrm>
-            <a:off x="1280592" y="1268760"/>
-            <a:ext cx="5256584" cy="1015663"/>
+            <a:off x="1064568" y="1268760"/>
+            <a:ext cx="7560840" cy="1015663"/>
           </a:xfrm>
           <a:prstGeom prst="rect">
             <a:avLst/>
@@ -19298,12 +19162,8 @@
               <a:t>   </a:t>
             </a:r>
             <a:r>
-              <a:rPr lang="en-US" altLang="ko-KR" b="1" dirty="0" err="1" smtClean="0"/>
-              <a:t>readline</a:t>
-            </a:r>
-            <a:r>
               <a:rPr lang="en-US" altLang="ko-KR" b="1" dirty="0" smtClean="0"/>
-              <a:t>()</a:t>
+              <a:t>read()</a:t>
             </a:r>
             <a:r>
               <a:rPr lang="en-US" altLang="ko-KR" dirty="0" smtClean="0"/>
@@ -19319,15 +19179,73 @@
             </a:r>
             <a:r>
               <a:rPr lang="ko-KR" altLang="en-US" dirty="0" smtClean="0"/>
-              <a:t>한 줄 읽기</a:t>
-            </a:r>
-            <a:endParaRPr lang="en-US" altLang="ko-KR" dirty="0" smtClean="0"/>
+              <a:t>파일의 내용 전체를 읽어서 문자열로 돌려준다</a:t>
+            </a:r>
+            <a:r>
+              <a:rPr lang="en-US" altLang="ko-KR" dirty="0" smtClean="0"/>
+              <a:t>.</a:t>
+            </a:r>
+          </a:p>
+        </p:txBody>
+      </p:sp>
+      <p:sp>
+        <p:nvSpPr>
+          <p:cNvPr id="7" name="모서리가 둥근 직사각형 6"/>
+          <p:cNvSpPr/>
+          <p:nvPr/>
+        </p:nvSpPr>
+        <p:spPr>
+          <a:xfrm>
+            <a:off x="1784648" y="2507905"/>
+            <a:ext cx="3310006" cy="477843"/>
+          </a:xfrm>
+          <a:prstGeom prst="roundRect">
+            <a:avLst/>
+          </a:prstGeom>
+          <a:ln/>
+        </p:spPr>
+        <p:style>
+          <a:lnRef idx="2">
+            <a:schemeClr val="accent1"/>
+          </a:lnRef>
+          <a:fillRef idx="1">
+            <a:schemeClr val="lt1"/>
+          </a:fillRef>
+          <a:effectRef idx="0">
+            <a:schemeClr val="accent1"/>
+          </a:effectRef>
+          <a:fontRef idx="minor">
+            <a:schemeClr val="dk1"/>
+          </a:fontRef>
+        </p:style>
+        <p:txBody>
+          <a:bodyPr rtlCol="0" anchor="ctr"/>
+          <a:lstStyle/>
+          <a:p>
+            <a:pPr algn="ctr"/>
+            <a:r>
+              <a:rPr lang="en-US" altLang="ko-KR" sz="2000" b="1" dirty="0" smtClean="0"/>
+              <a:t>open(“</a:t>
+            </a:r>
+            <a:r>
+              <a:rPr lang="ko-KR" altLang="en-US" sz="2000" b="1" dirty="0" smtClean="0"/>
+              <a:t>파일 위</a:t>
+            </a:r>
+            <a:r>
+              <a:rPr lang="ko-KR" altLang="en-US" sz="2000" b="1" dirty="0"/>
+              <a:t>치</a:t>
+            </a:r>
+            <a:r>
+              <a:rPr lang="en-US" altLang="ko-KR" sz="2000" b="1" dirty="0" smtClean="0"/>
+              <a:t>”, ‘r’)</a:t>
+            </a:r>
+            <a:endParaRPr lang="ko-KR" altLang="en-US" sz="2000" b="1" dirty="0"/>
           </a:p>
         </p:txBody>
       </p:sp>
       <p:pic>
         <p:nvPicPr>
-          <p:cNvPr id="5" name="그림 4"/>
+          <p:cNvPr id="3" name="그림 2"/>
           <p:cNvPicPr>
             <a:picLocks noChangeAspect="1"/>
           </p:cNvPicPr>
@@ -19347,8 +19265,8 @@
         </p:blipFill>
         <p:spPr>
           <a:xfrm>
-            <a:off x="1893989" y="2348880"/>
-            <a:ext cx="4139132" cy="3110331"/>
+            <a:off x="1787353" y="3356992"/>
+            <a:ext cx="3878916" cy="1798476"/>
           </a:xfrm>
           <a:prstGeom prst="rect">
             <a:avLst/>
@@ -19362,10 +19280,46 @@
           </a:ln>
         </p:spPr>
       </p:pic>
+      <p:pic>
+        <p:nvPicPr>
+          <p:cNvPr id="9" name="그림 8"/>
+          <p:cNvPicPr>
+            <a:picLocks noChangeAspect="1"/>
+          </p:cNvPicPr>
+          <p:nvPr/>
+        </p:nvPicPr>
+        <p:blipFill rotWithShape="1">
+          <a:blip r:embed="rId3">
+            <a:extLst>
+              <a:ext uri="{28A0092B-C50C-407E-A947-70E740481C1C}">
+                <a14:useLocalDpi xmlns:a14="http://schemas.microsoft.com/office/drawing/2010/main" val="0"/>
+              </a:ext>
+            </a:extLst>
+          </a:blip>
+          <a:srcRect t="18342"/>
+          <a:stretch/>
+        </p:blipFill>
+        <p:spPr>
+          <a:xfrm>
+            <a:off x="6050000" y="3356992"/>
+            <a:ext cx="2108343" cy="1528802"/>
+          </a:xfrm>
+          <a:prstGeom prst="rect">
+            <a:avLst/>
+          </a:prstGeom>
+          <a:ln>
+            <a:solidFill>
+              <a:schemeClr val="bg1">
+                <a:lumMod val="85000"/>
+              </a:schemeClr>
+            </a:solidFill>
+          </a:ln>
+        </p:spPr>
+      </p:pic>
     </p:spTree>
     <p:extLst>
       <p:ext uri="{BB962C8B-B14F-4D97-AF65-F5344CB8AC3E}">
-        <p14:creationId xmlns:p14="http://schemas.microsoft.com/office/powerpoint/2010/main" val="2362190136"/>
+        <p14:creationId xmlns:p14="http://schemas.microsoft.com/office/powerpoint/2010/main" val="786364356"/>
       </p:ext>
     </p:extLst>
   </p:cSld>
@@ -19463,8 +19417,8 @@
         </p:nvSpPr>
         <p:spPr>
           <a:xfrm>
-            <a:off x="1064568" y="1268760"/>
-            <a:ext cx="7560840" cy="1015663"/>
+            <a:off x="1280592" y="1268760"/>
+            <a:ext cx="5256584" cy="1015663"/>
           </a:xfrm>
           <a:prstGeom prst="rect">
             <a:avLst/>
@@ -19501,8 +19455,12 @@
               <a:t>   </a:t>
             </a:r>
             <a:r>
+              <a:rPr lang="en-US" altLang="ko-KR" b="1" dirty="0" err="1" smtClean="0"/>
+              <a:t>readline</a:t>
+            </a:r>
+            <a:r>
               <a:rPr lang="en-US" altLang="ko-KR" b="1" dirty="0" smtClean="0"/>
-              <a:t>read()</a:t>
+              <a:t>()</a:t>
             </a:r>
             <a:r>
               <a:rPr lang="en-US" altLang="ko-KR" dirty="0" smtClean="0"/>
@@ -19518,73 +19476,15 @@
             </a:r>
             <a:r>
               <a:rPr lang="ko-KR" altLang="en-US" dirty="0" smtClean="0"/>
-              <a:t>파일의 내용 전체를 읽어서 문자열로 돌려준다</a:t>
-            </a:r>
-            <a:r>
-              <a:rPr lang="en-US" altLang="ko-KR" dirty="0" smtClean="0"/>
-              <a:t>.</a:t>
-            </a:r>
-          </a:p>
-        </p:txBody>
-      </p:sp>
-      <p:sp>
-        <p:nvSpPr>
-          <p:cNvPr id="7" name="모서리가 둥근 직사각형 6"/>
-          <p:cNvSpPr/>
-          <p:nvPr/>
-        </p:nvSpPr>
-        <p:spPr>
-          <a:xfrm>
-            <a:off x="1784648" y="2507905"/>
-            <a:ext cx="3310006" cy="477843"/>
-          </a:xfrm>
-          <a:prstGeom prst="roundRect">
-            <a:avLst/>
-          </a:prstGeom>
-          <a:ln/>
-        </p:spPr>
-        <p:style>
-          <a:lnRef idx="2">
-            <a:schemeClr val="accent1"/>
-          </a:lnRef>
-          <a:fillRef idx="1">
-            <a:schemeClr val="lt1"/>
-          </a:fillRef>
-          <a:effectRef idx="0">
-            <a:schemeClr val="accent1"/>
-          </a:effectRef>
-          <a:fontRef idx="minor">
-            <a:schemeClr val="dk1"/>
-          </a:fontRef>
-        </p:style>
-        <p:txBody>
-          <a:bodyPr rtlCol="0" anchor="ctr"/>
-          <a:lstStyle/>
-          <a:p>
-            <a:pPr algn="ctr"/>
-            <a:r>
-              <a:rPr lang="en-US" altLang="ko-KR" sz="2000" b="1" dirty="0" smtClean="0"/>
-              <a:t>open(“</a:t>
-            </a:r>
-            <a:r>
-              <a:rPr lang="ko-KR" altLang="en-US" sz="2000" b="1" dirty="0" smtClean="0"/>
-              <a:t>파일 위</a:t>
-            </a:r>
-            <a:r>
-              <a:rPr lang="ko-KR" altLang="en-US" sz="2000" b="1" dirty="0"/>
-              <a:t>치</a:t>
-            </a:r>
-            <a:r>
-              <a:rPr lang="en-US" altLang="ko-KR" sz="2000" b="1" dirty="0" smtClean="0"/>
-              <a:t>”, ‘r’)</a:t>
-            </a:r>
-            <a:endParaRPr lang="ko-KR" altLang="en-US" sz="2000" b="1" dirty="0"/>
+              <a:t>한 줄 읽기</a:t>
+            </a:r>
+            <a:endParaRPr lang="en-US" altLang="ko-KR" dirty="0" smtClean="0"/>
           </a:p>
         </p:txBody>
       </p:sp>
       <p:pic>
         <p:nvPicPr>
-          <p:cNvPr id="3" name="그림 2"/>
+          <p:cNvPr id="5" name="그림 4"/>
           <p:cNvPicPr>
             <a:picLocks noChangeAspect="1"/>
           </p:cNvPicPr>
@@ -19604,8 +19504,8 @@
         </p:blipFill>
         <p:spPr>
           <a:xfrm>
-            <a:off x="1787353" y="3356992"/>
-            <a:ext cx="3878916" cy="1798476"/>
+            <a:off x="1893989" y="2348880"/>
+            <a:ext cx="4139132" cy="3110331"/>
           </a:xfrm>
           <a:prstGeom prst="rect">
             <a:avLst/>
@@ -19619,46 +19519,10 @@
           </a:ln>
         </p:spPr>
       </p:pic>
-      <p:pic>
-        <p:nvPicPr>
-          <p:cNvPr id="9" name="그림 8"/>
-          <p:cNvPicPr>
-            <a:picLocks noChangeAspect="1"/>
-          </p:cNvPicPr>
-          <p:nvPr/>
-        </p:nvPicPr>
-        <p:blipFill rotWithShape="1">
-          <a:blip r:embed="rId3">
-            <a:extLst>
-              <a:ext uri="{28A0092B-C50C-407E-A947-70E740481C1C}">
-                <a14:useLocalDpi xmlns:a14="http://schemas.microsoft.com/office/drawing/2010/main" val="0"/>
-              </a:ext>
-            </a:extLst>
-          </a:blip>
-          <a:srcRect t="18342"/>
-          <a:stretch/>
-        </p:blipFill>
-        <p:spPr>
-          <a:xfrm>
-            <a:off x="6050000" y="3356992"/>
-            <a:ext cx="2108343" cy="1528802"/>
-          </a:xfrm>
-          <a:prstGeom prst="rect">
-            <a:avLst/>
-          </a:prstGeom>
-          <a:ln>
-            <a:solidFill>
-              <a:schemeClr val="bg1">
-                <a:lumMod val="85000"/>
-              </a:schemeClr>
-            </a:solidFill>
-          </a:ln>
-        </p:spPr>
-      </p:pic>
     </p:spTree>
     <p:extLst>
       <p:ext uri="{BB962C8B-B14F-4D97-AF65-F5344CB8AC3E}">
-        <p14:creationId xmlns:p14="http://schemas.microsoft.com/office/powerpoint/2010/main" val="786364356"/>
+        <p14:creationId xmlns:p14="http://schemas.microsoft.com/office/powerpoint/2010/main" val="2362190136"/>
       </p:ext>
     </p:extLst>
   </p:cSld>
@@ -19807,7 +19671,7 @@
       </p:sp>
       <p:pic>
         <p:nvPicPr>
-          <p:cNvPr id="6" name="그림 5"/>
+          <p:cNvPr id="8" name="그림 7"/>
           <p:cNvPicPr>
             <a:picLocks noChangeAspect="1"/>
           </p:cNvPicPr>
@@ -19827,8 +19691,8 @@
         </p:blipFill>
         <p:spPr>
           <a:xfrm>
-            <a:off x="1424609" y="1926124"/>
-            <a:ext cx="4228128" cy="3888432"/>
+            <a:off x="6177136" y="2132856"/>
+            <a:ext cx="1844200" cy="3048264"/>
           </a:xfrm>
           <a:prstGeom prst="rect">
             <a:avLst/>
@@ -19844,7 +19708,7 @@
       </p:pic>
       <p:pic>
         <p:nvPicPr>
-          <p:cNvPr id="8" name="그림 7"/>
+          <p:cNvPr id="3" name="그림 2"/>
           <p:cNvPicPr>
             <a:picLocks noChangeAspect="1"/>
           </p:cNvPicPr>
@@ -19864,8 +19728,8 @@
         </p:blipFill>
         <p:spPr>
           <a:xfrm>
-            <a:off x="6177136" y="2132856"/>
-            <a:ext cx="1844200" cy="3048264"/>
+            <a:off x="1640632" y="2038782"/>
+            <a:ext cx="4223520" cy="3248227"/>
           </a:xfrm>
           <a:prstGeom prst="rect">
             <a:avLst/>

--- a/python_ppt_2023/Python 8장. 예외처리, 파일입출력.pptx
+++ b/python_ppt_2023/Python 8장. 예외처리, 파일입출력.pptx
@@ -254,7 +254,7 @@
           <a:p>
             <a:fld id="{7665CDAC-D627-4E87-877A-1B781DD4CADC}" type="datetimeFigureOut">
               <a:rPr lang="ko-KR" altLang="en-US" smtClean="0"/>
-              <a:t>2023-04-15</a:t>
+              <a:t>2023-04-16</a:t>
             </a:fld>
             <a:endParaRPr lang="ko-KR" altLang="en-US"/>
           </a:p>
@@ -666,7 +666,7 @@
           <a:p>
             <a:fld id="{C25BCFD5-C4DF-4EBC-B718-C69ED2FBDE6F}" type="datetime1">
               <a:rPr lang="ko-KR" altLang="en-US" smtClean="0"/>
-              <a:t>2023-04-15</a:t>
+              <a:t>2023-04-16</a:t>
             </a:fld>
             <a:endParaRPr lang="ko-KR" altLang="en-US"/>
           </a:p>
@@ -1117,7 +1117,7 @@
           <a:p>
             <a:fld id="{AB448CD7-D367-43D5-B461-ACE552E75063}" type="datetime1">
               <a:rPr lang="ko-KR" altLang="en-US" smtClean="0"/>
-              <a:t>2023-04-15</a:t>
+              <a:t>2023-04-16</a:t>
             </a:fld>
             <a:endParaRPr lang="ko-KR" altLang="en-US"/>
           </a:p>
@@ -1295,7 +1295,7 @@
           <a:p>
             <a:fld id="{B6E49E79-7361-4780-8BEF-7EDE3708298A}" type="datetime1">
               <a:rPr lang="ko-KR" altLang="en-US" smtClean="0"/>
-              <a:t>2023-04-15</a:t>
+              <a:t>2023-04-16</a:t>
             </a:fld>
             <a:endParaRPr lang="ko-KR" altLang="en-US"/>
           </a:p>
@@ -1467,7 +1467,7 @@
           <a:p>
             <a:fld id="{A4D42E3C-B70B-437C-85CF-1286301B9CBA}" type="datetime1">
               <a:rPr lang="ko-KR" altLang="en-US" smtClean="0"/>
-              <a:t>2023-04-15</a:t>
+              <a:t>2023-04-16</a:t>
             </a:fld>
             <a:endParaRPr lang="ko-KR" altLang="en-US"/>
           </a:p>
@@ -1719,7 +1719,7 @@
           <a:p>
             <a:fld id="{B3369A20-5B3D-4D98-A822-26B93D177A40}" type="datetime1">
               <a:rPr lang="ko-KR" altLang="en-US" smtClean="0"/>
-              <a:t>2023-04-15</a:t>
+              <a:t>2023-04-16</a:t>
             </a:fld>
             <a:endParaRPr lang="ko-KR" altLang="en-US"/>
           </a:p>
@@ -2004,7 +2004,7 @@
           <a:p>
             <a:fld id="{685CD4CE-9E43-4F70-A9D8-A2130CA7D92A}" type="datetime1">
               <a:rPr lang="ko-KR" altLang="en-US" smtClean="0"/>
-              <a:t>2023-04-15</a:t>
+              <a:t>2023-04-16</a:t>
             </a:fld>
             <a:endParaRPr lang="ko-KR" altLang="en-US"/>
           </a:p>
@@ -2430,7 +2430,7 @@
           <a:p>
             <a:fld id="{F752BD92-DA3E-4A0B-90C9-7DE5E15B6E96}" type="datetime1">
               <a:rPr lang="ko-KR" altLang="en-US" smtClean="0"/>
-              <a:t>2023-04-15</a:t>
+              <a:t>2023-04-16</a:t>
             </a:fld>
             <a:endParaRPr lang="ko-KR" altLang="en-US"/>
           </a:p>
@@ -2554,7 +2554,7 @@
           <a:p>
             <a:fld id="{8EA2B83A-F366-424E-B742-340ACF856BB5}" type="datetime1">
               <a:rPr lang="ko-KR" altLang="en-US" smtClean="0"/>
-              <a:t>2023-04-15</a:t>
+              <a:t>2023-04-16</a:t>
             </a:fld>
             <a:endParaRPr lang="ko-KR" altLang="en-US"/>
           </a:p>
@@ -2649,7 +2649,7 @@
           <a:p>
             <a:fld id="{9A49D68B-5DBD-48E9-A8D4-FCBC4B3DD9C6}" type="datetime1">
               <a:rPr lang="ko-KR" altLang="en-US" smtClean="0"/>
-              <a:t>2023-04-15</a:t>
+              <a:t>2023-04-16</a:t>
             </a:fld>
             <a:endParaRPr lang="ko-KR" altLang="en-US"/>
           </a:p>
@@ -2924,7 +2924,7 @@
           <a:p>
             <a:fld id="{4CAB534F-7D16-467B-9320-91F98915D181}" type="datetime1">
               <a:rPr lang="ko-KR" altLang="en-US" smtClean="0"/>
-              <a:t>2023-04-15</a:t>
+              <a:t>2023-04-16</a:t>
             </a:fld>
             <a:endParaRPr lang="ko-KR" altLang="en-US"/>
           </a:p>
@@ -3176,7 +3176,7 @@
           <a:p>
             <a:fld id="{A390A91F-2F8D-4486-A69D-D680F95444B0}" type="datetime1">
               <a:rPr lang="ko-KR" altLang="en-US" smtClean="0"/>
-              <a:t>2023-04-15</a:t>
+              <a:t>2023-04-16</a:t>
             </a:fld>
             <a:endParaRPr lang="ko-KR" altLang="en-US"/>
           </a:p>
@@ -3355,7 +3355,7 @@
           <a:p>
             <a:fld id="{2238BBEA-E8DD-414A-BF68-FC2AFA7CFF2D}" type="datetime1">
               <a:rPr lang="ko-KR" altLang="en-US" smtClean="0"/>
-              <a:t>2023-04-15</a:t>
+              <a:t>2023-04-16</a:t>
             </a:fld>
             <a:endParaRPr lang="ko-KR" altLang="en-US"/>
           </a:p>
@@ -6276,7 +6276,11 @@
             </a:r>
             <a:r>
               <a:rPr lang="ko-KR" altLang="en-US" dirty="0" smtClean="0"/>
-              <a:t>영어 타자 연습 프로그램</a:t>
+              <a:t>영어 타자 </a:t>
+            </a:r>
+            <a:r>
+              <a:rPr lang="ko-KR" altLang="en-US" dirty="0" smtClean="0"/>
+              <a:t>게임</a:t>
             </a:r>
             <a:endParaRPr lang="ko-KR" altLang="en-US" dirty="0"/>
           </a:p>
@@ -6335,7 +6339,11 @@
             </a:pPr>
             <a:r>
               <a:rPr lang="ko-KR" altLang="en-US" sz="2000" b="1" dirty="0" smtClean="0"/>
-              <a:t>영어 타자 연습 프로그램</a:t>
+              <a:t>영어 타자 </a:t>
+            </a:r>
+            <a:r>
+              <a:rPr lang="ko-KR" altLang="en-US" sz="2000" b="1" dirty="0" smtClean="0"/>
+              <a:t>게임</a:t>
             </a:r>
             <a:endParaRPr lang="en-US" altLang="ko-KR" sz="2000" b="1" dirty="0" smtClean="0"/>
           </a:p>
@@ -13963,7 +13971,7 @@
                 <a14:useLocalDpi xmlns:a14="http://schemas.microsoft.com/office/drawing/2010/main" val="0"/>
               </a:ext>
               <a:ext uri="{837473B0-CC2E-450A-ABE3-18F120FF3D39}">
-                <a1611:picAttrSrcUrl xmlns="" xmlns:a1611="http://schemas.microsoft.com/office/drawing/2016/11/main" r:id="rId3"/>
+                <a1611:picAttrSrcUrl xmlns:a1611="http://schemas.microsoft.com/office/drawing/2016/11/main" xmlns="" r:id="rId3"/>
               </a:ext>
             </a:extLst>
           </a:blip>
